--- a/spring12/slidesS12/stable-optimal.pptx
+++ b/spring12/slidesS12/stable-optimal.pptx
@@ -5,26 +5,31 @@
     <p:sldMasterId id="2147483662" r:id="rId1"/>
   </p:sldMasterIdLst>
   <p:notesMasterIdLst>
-    <p:notesMasterId r:id="rId11"/>
+    <p:notesMasterId r:id="rId16"/>
   </p:notesMasterIdLst>
   <p:handoutMasterIdLst>
-    <p:handoutMasterId r:id="rId12"/>
+    <p:handoutMasterId r:id="rId17"/>
   </p:handoutMasterIdLst>
   <p:sldIdLst>
     <p:sldId id="786" r:id="rId2"/>
     <p:sldId id="849" r:id="rId3"/>
     <p:sldId id="850" r:id="rId4"/>
-    <p:sldId id="851" r:id="rId5"/>
-    <p:sldId id="852" r:id="rId6"/>
-    <p:sldId id="853" r:id="rId7"/>
-    <p:sldId id="854" r:id="rId8"/>
-    <p:sldId id="855" r:id="rId9"/>
-    <p:sldId id="856" r:id="rId10"/>
+    <p:sldId id="857" r:id="rId5"/>
+    <p:sldId id="859" r:id="rId6"/>
+    <p:sldId id="861" r:id="rId7"/>
+    <p:sldId id="860" r:id="rId8"/>
+    <p:sldId id="852" r:id="rId9"/>
+    <p:sldId id="863" r:id="rId10"/>
+    <p:sldId id="862" r:id="rId11"/>
+    <p:sldId id="853" r:id="rId12"/>
+    <p:sldId id="854" r:id="rId13"/>
+    <p:sldId id="855" r:id="rId14"/>
+    <p:sldId id="856" r:id="rId15"/>
   </p:sldIdLst>
   <p:sldSz cx="9144000" cy="6858000" type="screen4x3"/>
   <p:notesSz cx="9601200" cy="7315200"/>
   <p:custDataLst>
-    <p:tags r:id="rId14"/>
+    <p:tags r:id="rId19"/>
   </p:custDataLst>
   <p:defaultTextStyle>
     <a:defPPr>
@@ -1147,7 +1152,7 @@
       </p:grpSpPr>
       <p:sp>
         <p:nvSpPr>
-          <p:cNvPr id="101378" name="Rectangle 7"/>
+          <p:cNvPr id="100354" name="Rectangle 7"/>
           <p:cNvSpPr>
             <a:spLocks noGrp="1" noChangeArrowheads="1"/>
           </p:cNvSpPr>
@@ -1162,10 +1167,98 @@
           <a:bodyPr/>
           <a:lstStyle/>
           <a:p>
+            <a:fld id="{CDC4A5C8-A722-4B55-89C0-59F22F87EB85}" type="slidenum">
+              <a:rPr lang="en-US" smtClean="0"/>
+              <a:pPr/>
+              <a:t>4</a:t>
+            </a:fld>
+            <a:endParaRPr lang="en-US" smtClean="0"/>
+          </a:p>
+        </p:txBody>
+      </p:sp>
+      <p:sp>
+        <p:nvSpPr>
+          <p:cNvPr id="100355" name="Rectangle 2"/>
+          <p:cNvSpPr>
+            <a:spLocks noGrp="1" noRot="1" noChangeAspect="1" noChangeArrowheads="1" noTextEdit="1"/>
+          </p:cNvSpPr>
+          <p:nvPr>
+            <p:ph type="sldImg"/>
+          </p:nvPr>
+        </p:nvSpPr>
+        <p:spPr>
+          <a:ln/>
+        </p:spPr>
+      </p:sp>
+      <p:sp>
+        <p:nvSpPr>
+          <p:cNvPr id="100356" name="Rectangle 3"/>
+          <p:cNvSpPr>
+            <a:spLocks noGrp="1" noChangeArrowheads="1"/>
+          </p:cNvSpPr>
+          <p:nvPr>
+            <p:ph type="body" idx="1"/>
+          </p:nvPr>
+        </p:nvSpPr>
+        <p:spPr>
+          <a:noFill/>
+          <a:ln/>
+        </p:spPr>
+        <p:txBody>
+          <a:bodyPr/>
+          <a:lstStyle/>
+          <a:p>
+            <a:pPr eaLnBrk="1" hangingPunct="1"/>
+            <a:endParaRPr lang="en-US" smtClean="0"/>
+          </a:p>
+        </p:txBody>
+      </p:sp>
+    </p:spTree>
+  </p:cSld>
+  <p:clrMapOvr>
+    <a:masterClrMapping/>
+  </p:clrMapOvr>
+</p:notes>
+</file>
+
+<file path=ppt/notesSlides/notesSlide5.xml><?xml version="1.0" encoding="utf-8"?>
+<p:notes xmlns:a="http://schemas.openxmlformats.org/drawingml/2006/main" xmlns:r="http://schemas.openxmlformats.org/officeDocument/2006/relationships" xmlns:p="http://schemas.openxmlformats.org/presentationml/2006/main">
+  <p:cSld>
+    <p:spTree>
+      <p:nvGrpSpPr>
+        <p:cNvPr id="1" name=""/>
+        <p:cNvGrpSpPr/>
+        <p:nvPr/>
+      </p:nvGrpSpPr>
+      <p:grpSpPr>
+        <a:xfrm>
+          <a:off x="0" y="0"/>
+          <a:ext cx="0" cy="0"/>
+          <a:chOff x="0" y="0"/>
+          <a:chExt cx="0" cy="0"/>
+        </a:xfrm>
+      </p:grpSpPr>
+      <p:sp>
+        <p:nvSpPr>
+          <p:cNvPr id="101378" name="Rectangle 7"/>
+          <p:cNvSpPr>
+            <a:spLocks noGrp="1" noChangeArrowheads="1"/>
+          </p:cNvSpPr>
+          <p:nvPr>
+            <p:ph type="sldNum" sz="quarter" idx="5"/>
+          </p:nvPr>
+        </p:nvSpPr>
+        <p:spPr>
+          <a:noFill/>
+        </p:spPr>
+        <p:txBody>
+          <a:bodyPr/>
+          <a:lstStyle/>
+          <a:p>
             <a:fld id="{40D7D54F-A45B-482A-96A3-B4504B1F05F9}" type="slidenum">
               <a:rPr lang="en-US" smtClean="0"/>
               <a:pPr/>
-              <a:t>9</a:t>
+              <a:t>14</a:t>
             </a:fld>
             <a:endParaRPr lang="en-US" smtClean="0"/>
           </a:p>
@@ -3055,101 +3148,14 @@
   <p:timing>
     <p:tnLst>
       <p:par>
-        <p:cTn xmlns:p14="http://schemas.microsoft.com/office/powerpoint/2010/main" id="1" dur="indefinite" restart="never" nodeType="tmRoot">
-          <p:childTnLst>
-            <p:seq concurrent="1" nextAc="seek">
-              <p:cTn id="2" dur="indefinite" nodeType="mainSeq">
-                <p:childTnLst>
-                  <p:par>
-                    <p:cTn id="3" fill="hold">
-                      <p:stCondLst>
-                        <p:cond delay="indefinite"/>
-                      </p:stCondLst>
-                      <p:childTnLst>
-                        <p:par>
-                          <p:cTn id="4" fill="hold">
-                            <p:stCondLst>
-                              <p:cond delay="0"/>
-                            </p:stCondLst>
-                            <p:childTnLst>
-                              <p:par>
-                                <p:cTn id="5" presetID="9" presetClass="entr" presetSubtype="0" fill="hold" grpId="0" nodeType="clickEffect">
-                                  <p:stCondLst>
-                                    <p:cond delay="0"/>
-                                  </p:stCondLst>
-                                  <p:childTnLst>
-                                    <p:set>
-                                      <p:cBhvr>
-                                        <p:cTn id="6" dur="1" fill="hold">
-                                          <p:stCondLst>
-                                            <p:cond delay="0"/>
-                                          </p:stCondLst>
-                                        </p:cTn>
-                                        <p:tgtEl>
-                                          <p:spTgt spid="10244">
-                                            <p:txEl>
-                                              <p:pRg st="0" end="0"/>
-                                            </p:txEl>
-                                          </p:spTgt>
-                                        </p:tgtEl>
-                                        <p:attrNameLst>
-                                          <p:attrName>style.visibility</p:attrName>
-                                        </p:attrNameLst>
-                                      </p:cBhvr>
-                                      <p:to>
-                                        <p:strVal val="visible"/>
-                                      </p:to>
-                                    </p:set>
-                                    <p:animEffect transition="in" filter="dissolve">
-                                      <p:cBhvr>
-                                        <p:cTn id="7" dur="1000"/>
-                                        <p:tgtEl>
-                                          <p:spTgt spid="10244">
-                                            <p:txEl>
-                                              <p:pRg st="0" end="0"/>
-                                            </p:txEl>
-                                          </p:spTgt>
-                                        </p:tgtEl>
-                                      </p:cBhvr>
-                                    </p:animEffect>
-                                  </p:childTnLst>
-                                </p:cTn>
-                              </p:par>
-                            </p:childTnLst>
-                          </p:cTn>
-                        </p:par>
-                      </p:childTnLst>
-                    </p:cTn>
-                  </p:par>
-                </p:childTnLst>
-              </p:cTn>
-              <p:prevCondLst>
-                <p:cond evt="onPrev" delay="0">
-                  <p:tgtEl>
-                    <p:sldTgt/>
-                  </p:tgtEl>
-                </p:cond>
-              </p:prevCondLst>
-              <p:nextCondLst>
-                <p:cond evt="onNext" delay="0">
-                  <p:tgtEl>
-                    <p:sldTgt/>
-                  </p:tgtEl>
-                </p:cond>
-              </p:nextCondLst>
-            </p:seq>
-          </p:childTnLst>
-        </p:cTn>
+        <p:cTn xmlns:p14="http://schemas.microsoft.com/office/powerpoint/2010/main" id="1" dur="indefinite" restart="never" nodeType="tmRoot"/>
       </p:par>
     </p:tnLst>
-    <p:bldLst>
-      <p:bldP spid="10244" grpId="0" uiExpand="1" build="p"/>
-    </p:bldLst>
   </p:timing>
 </p:sld>
 </file>
 
-<file path=ppt/slides/slide2.xml><?xml version="1.0" encoding="utf-8"?>
+<file path=ppt/slides/slide10.xml><?xml version="1.0" encoding="utf-8"?>
 <p:sld xmlns:a="http://schemas.openxmlformats.org/drawingml/2006/main" xmlns:r="http://schemas.openxmlformats.org/officeDocument/2006/relationships" xmlns:p="http://schemas.openxmlformats.org/presentationml/2006/main">
   <p:cSld>
     <p:spTree>
@@ -3168,216 +3174,7 @@
       </p:grpSpPr>
       <p:sp>
         <p:nvSpPr>
-          <p:cNvPr id="50178" name="Rectangle 2"/>
-          <p:cNvSpPr>
-            <a:spLocks noGrp="1" noChangeArrowheads="1"/>
-          </p:cNvSpPr>
-          <p:nvPr>
-            <p:ph type="title"/>
-          </p:nvPr>
-        </p:nvSpPr>
-        <p:spPr/>
-        <p:txBody>
-          <a:bodyPr/>
-          <a:lstStyle/>
-          <a:p>
-            <a:pPr eaLnBrk="1" hangingPunct="1"/>
-            <a:r>
-              <a:rPr lang="en-US" sz="4000" smtClean="0"/>
-              <a:t>Mating Ritual</a:t>
-            </a:r>
-          </a:p>
-        </p:txBody>
-      </p:sp>
-      <p:sp>
-        <p:nvSpPr>
-          <p:cNvPr id="50179" name="Text Box 3"/>
-          <p:cNvSpPr txBox="1">
-            <a:spLocks noChangeArrowheads="1"/>
-          </p:cNvSpPr>
-          <p:nvPr/>
-        </p:nvSpPr>
-        <p:spPr bwMode="auto">
-          <a:xfrm>
-            <a:off x="658018" y="2866684"/>
-            <a:ext cx="7904163" cy="2287587"/>
-          </a:xfrm>
-          <a:prstGeom prst="rect">
-            <a:avLst/>
-          </a:prstGeom>
-          <a:noFill/>
-          <a:ln w="9525">
-            <a:noFill/>
-            <a:miter lim="800000"/>
-            <a:headEnd/>
-            <a:tailEnd type="none" w="lg" len="lg"/>
-          </a:ln>
-        </p:spPr>
-        <p:txBody>
-          <a:bodyPr>
-            <a:spAutoFit/>
-          </a:bodyPr>
-          <a:lstStyle/>
-          <a:p>
-            <a:pPr>
-              <a:buNone/>
-            </a:pPr>
-            <a:r>
-              <a:rPr lang="en-US" sz="4800" dirty="0">
-                <a:latin typeface="Comic Sans MS" pitchFamily="66" charset="0"/>
-              </a:rPr>
-              <a:t>Girls’ suitors get better, and </a:t>
-            </a:r>
-            <a:r>
-              <a:rPr lang="en-US" sz="4800" dirty="0" smtClean="0">
-                <a:latin typeface="Comic Sans MS" pitchFamily="66" charset="0"/>
-              </a:rPr>
-              <a:t>boys’ </a:t>
-            </a:r>
-            <a:r>
-              <a:rPr lang="en-US" sz="4800" dirty="0">
-                <a:latin typeface="Comic Sans MS" pitchFamily="66" charset="0"/>
-              </a:rPr>
-              <a:t>sweethearts get worse, so girls do better?</a:t>
-            </a:r>
-            <a:endParaRPr lang="en-US" sz="4800" dirty="0">
-              <a:solidFill>
-                <a:schemeClr val="hlink"/>
-              </a:solidFill>
-              <a:latin typeface="Comic Sans MS" pitchFamily="66" charset="0"/>
-            </a:endParaRPr>
-          </a:p>
-        </p:txBody>
-      </p:sp>
-      <p:sp>
-        <p:nvSpPr>
-          <p:cNvPr id="50180" name="Text Box 4"/>
-          <p:cNvSpPr txBox="1">
-            <a:spLocks noChangeArrowheads="1"/>
-          </p:cNvSpPr>
-          <p:nvPr/>
-        </p:nvSpPr>
-        <p:spPr bwMode="auto">
-          <a:xfrm>
-            <a:off x="1462480" y="1043180"/>
-            <a:ext cx="6271371" cy="1754326"/>
-          </a:xfrm>
-          <a:prstGeom prst="rect">
-            <a:avLst/>
-          </a:prstGeom>
-          <a:noFill/>
-          <a:ln w="9525">
-            <a:noFill/>
-            <a:miter lim="800000"/>
-            <a:headEnd/>
-            <a:tailEnd type="none" w="lg" len="lg"/>
-          </a:ln>
-        </p:spPr>
-        <p:txBody>
-          <a:bodyPr wrap="square">
-            <a:spAutoFit/>
-          </a:bodyPr>
-          <a:lstStyle/>
-          <a:p>
-            <a:pPr>
-              <a:spcBef>
-                <a:spcPts val="0"/>
-              </a:spcBef>
-              <a:buNone/>
-            </a:pPr>
-            <a:r>
-              <a:rPr lang="en-US" sz="5400" dirty="0">
-                <a:solidFill>
-                  <a:schemeClr val="accent1">
-                    <a:lumMod val="50000"/>
-                  </a:schemeClr>
-                </a:solidFill>
-                <a:latin typeface="Comic Sans MS" pitchFamily="66" charset="0"/>
-              </a:rPr>
-              <a:t>Who does </a:t>
-            </a:r>
-            <a:r>
-              <a:rPr lang="en-US" sz="5400" dirty="0" smtClean="0">
-                <a:solidFill>
-                  <a:schemeClr val="accent1">
-                    <a:lumMod val="50000"/>
-                  </a:schemeClr>
-                </a:solidFill>
-                <a:latin typeface="Comic Sans MS" pitchFamily="66" charset="0"/>
-              </a:rPr>
-              <a:t>better,</a:t>
-            </a:r>
-          </a:p>
-          <a:p>
-            <a:pPr>
-              <a:spcBef>
-                <a:spcPts val="0"/>
-              </a:spcBef>
-              <a:buNone/>
-            </a:pPr>
-            <a:r>
-              <a:rPr lang="en-US" sz="5400" dirty="0" smtClean="0">
-                <a:latin typeface="Comic Sans MS" pitchFamily="66" charset="0"/>
-              </a:rPr>
-              <a:t>boys </a:t>
-            </a:r>
-            <a:r>
-              <a:rPr lang="en-US" sz="5400" dirty="0">
-                <a:latin typeface="Comic Sans MS" pitchFamily="66" charset="0"/>
-              </a:rPr>
-              <a:t>or girls?</a:t>
-            </a:r>
-          </a:p>
-        </p:txBody>
-      </p:sp>
-      <p:sp>
-        <p:nvSpPr>
-          <p:cNvPr id="425990" name="Rectangle 6"/>
-          <p:cNvSpPr>
-            <a:spLocks noChangeArrowheads="1"/>
-          </p:cNvSpPr>
-          <p:nvPr/>
-        </p:nvSpPr>
-        <p:spPr bwMode="auto">
-          <a:xfrm>
-            <a:off x="3637718" y="5110756"/>
-            <a:ext cx="1944763" cy="1446550"/>
-          </a:xfrm>
-          <a:prstGeom prst="rect">
-            <a:avLst/>
-          </a:prstGeom>
-          <a:noFill/>
-          <a:ln w="9525">
-            <a:noFill/>
-            <a:miter lim="800000"/>
-            <a:headEnd/>
-            <a:tailEnd type="none" w="lg" len="lg"/>
-          </a:ln>
-        </p:spPr>
-        <p:txBody>
-          <a:bodyPr wrap="none">
-            <a:spAutoFit/>
-          </a:bodyPr>
-          <a:lstStyle/>
-          <a:p>
-            <a:pPr>
-              <a:buNone/>
-            </a:pPr>
-            <a:r>
-              <a:rPr lang="en-US" sz="8800" dirty="0">
-                <a:solidFill>
-                  <a:schemeClr val="hlink"/>
-                </a:solidFill>
-                <a:latin typeface="Comic Sans MS" pitchFamily="66" charset="0"/>
-              </a:rPr>
-              <a:t>No!</a:t>
-            </a:r>
-          </a:p>
-        </p:txBody>
-      </p:sp>
-      <p:sp>
-        <p:nvSpPr>
-          <p:cNvPr id="50182" name="Slide Number Placeholder 1"/>
+          <p:cNvPr id="53251" name="Slide Number Placeholder 3"/>
           <p:cNvSpPr>
             <a:spLocks noGrp="1"/>
           </p:cNvSpPr>
@@ -3400,426 +3197,18 @@
               <a:rPr lang="en-US" dirty="0" smtClean="0"/>
               <a:t> 7F.</a:t>
             </a:r>
-            <a:fld id="{87D09381-529C-4565-93CC-F0F84618B121}" type="slidenum">
+            <a:fld id="{7F2E48C5-A124-4D02-B5E8-431746CA306C}" type="slidenum">
               <a:rPr lang="en-US" smtClean="0"/>
               <a:pPr/>
-              <a:t>2</a:t>
+              <a:t>10</a:t>
             </a:fld>
             <a:endParaRPr lang="en-US" dirty="0" smtClean="0"/>
           </a:p>
         </p:txBody>
       </p:sp>
-    </p:spTree>
-    <p:extLst>
-      <p:ext uri="{BB962C8B-B14F-4D97-AF65-F5344CB8AC3E}">
-        <p14:creationId xmlns:p14="http://schemas.microsoft.com/office/powerpoint/2010/main" val="3387558725"/>
-      </p:ext>
-    </p:extLst>
-  </p:cSld>
-  <p:clrMapOvr>
-    <a:masterClrMapping/>
-  </p:clrMapOvr>
-  <p:transition xmlns:p14="http://schemas.microsoft.com/office/powerpoint/2010/main" spd="slow">
-    <p:fade thruBlk="1"/>
-  </p:transition>
-  <p:timing>
-    <p:tnLst>
-      <p:par>
-        <p:cTn xmlns:p14="http://schemas.microsoft.com/office/powerpoint/2010/main" id="1" dur="indefinite" restart="never" nodeType="tmRoot">
-          <p:childTnLst>
-            <p:seq concurrent="1" nextAc="seek">
-              <p:cTn id="2" dur="indefinite" nodeType="mainSeq">
-                <p:childTnLst>
-                  <p:par>
-                    <p:cTn id="3" fill="hold">
-                      <p:stCondLst>
-                        <p:cond delay="indefinite"/>
-                      </p:stCondLst>
-                      <p:childTnLst>
-                        <p:par>
-                          <p:cTn id="4" fill="hold">
-                            <p:stCondLst>
-                              <p:cond delay="0"/>
-                            </p:stCondLst>
-                            <p:childTnLst>
-                              <p:par>
-                                <p:cTn id="5" presetID="1" presetClass="entr" presetSubtype="0" fill="hold" grpId="0" nodeType="clickEffect">
-                                  <p:stCondLst>
-                                    <p:cond delay="0"/>
-                                  </p:stCondLst>
-                                  <p:childTnLst>
-                                    <p:set>
-                                      <p:cBhvr>
-                                        <p:cTn id="6" dur="1" fill="hold">
-                                          <p:stCondLst>
-                                            <p:cond delay="0"/>
-                                          </p:stCondLst>
-                                        </p:cTn>
-                                        <p:tgtEl>
-                                          <p:spTgt spid="50179"/>
-                                        </p:tgtEl>
-                                        <p:attrNameLst>
-                                          <p:attrName>style.visibility</p:attrName>
-                                        </p:attrNameLst>
-                                      </p:cBhvr>
-                                      <p:to>
-                                        <p:strVal val="visible"/>
-                                      </p:to>
-                                    </p:set>
-                                  </p:childTnLst>
-                                </p:cTn>
-                              </p:par>
-                            </p:childTnLst>
-                          </p:cTn>
-                        </p:par>
-                      </p:childTnLst>
-                    </p:cTn>
-                  </p:par>
-                  <p:par>
-                    <p:cTn id="7" fill="hold">
-                      <p:stCondLst>
-                        <p:cond delay="indefinite"/>
-                      </p:stCondLst>
-                      <p:childTnLst>
-                        <p:par>
-                          <p:cTn id="8" fill="hold">
-                            <p:stCondLst>
-                              <p:cond delay="0"/>
-                            </p:stCondLst>
-                            <p:childTnLst>
-                              <p:par>
-                                <p:cTn id="9" presetID="26" presetClass="entr" presetSubtype="0" fill="hold" grpId="0" nodeType="clickEffect">
-                                  <p:stCondLst>
-                                    <p:cond delay="0"/>
-                                  </p:stCondLst>
-                                  <p:childTnLst>
-                                    <p:set>
-                                      <p:cBhvr>
-                                        <p:cTn id="10" dur="1" fill="hold">
-                                          <p:stCondLst>
-                                            <p:cond delay="0"/>
-                                          </p:stCondLst>
-                                        </p:cTn>
-                                        <p:tgtEl>
-                                          <p:spTgt spid="425990"/>
-                                        </p:tgtEl>
-                                        <p:attrNameLst>
-                                          <p:attrName>style.visibility</p:attrName>
-                                        </p:attrNameLst>
-                                      </p:cBhvr>
-                                      <p:to>
-                                        <p:strVal val="visible"/>
-                                      </p:to>
-                                    </p:set>
-                                    <p:animEffect transition="in" filter="wipe(down)">
-                                      <p:cBhvr>
-                                        <p:cTn id="11" dur="290">
-                                          <p:stCondLst>
-                                            <p:cond delay="0"/>
-                                          </p:stCondLst>
-                                        </p:cTn>
-                                        <p:tgtEl>
-                                          <p:spTgt spid="425990"/>
-                                        </p:tgtEl>
-                                      </p:cBhvr>
-                                    </p:animEffect>
-                                    <p:anim calcmode="lin" valueType="num">
-                                      <p:cBhvr>
-                                        <p:cTn id="12" dur="911" tmFilter="0,0; 0.14,0.36; 0.43,0.73; 0.71,0.91; 1.0,1.0">
-                                          <p:stCondLst>
-                                            <p:cond delay="0"/>
-                                          </p:stCondLst>
-                                        </p:cTn>
-                                        <p:tgtEl>
-                                          <p:spTgt spid="425990"/>
-                                        </p:tgtEl>
-                                        <p:attrNameLst>
-                                          <p:attrName>ppt_x</p:attrName>
-                                        </p:attrNameLst>
-                                      </p:cBhvr>
-                                      <p:tavLst>
-                                        <p:tav tm="0">
-                                          <p:val>
-                                            <p:strVal val="#ppt_x-0.25"/>
-                                          </p:val>
-                                        </p:tav>
-                                        <p:tav tm="100000">
-                                          <p:val>
-                                            <p:strVal val="#ppt_x"/>
-                                          </p:val>
-                                        </p:tav>
-                                      </p:tavLst>
-                                    </p:anim>
-                                    <p:anim calcmode="lin" valueType="num">
-                                      <p:cBhvr>
-                                        <p:cTn id="13" dur="332" tmFilter="0.0,0.0; 0.25,0.07; 0.50,0.2; 0.75,0.467; 1.0,1.0">
-                                          <p:stCondLst>
-                                            <p:cond delay="0"/>
-                                          </p:stCondLst>
-                                        </p:cTn>
-                                        <p:tgtEl>
-                                          <p:spTgt spid="425990"/>
-                                        </p:tgtEl>
-                                        <p:attrNameLst>
-                                          <p:attrName>ppt_y</p:attrName>
-                                        </p:attrNameLst>
-                                      </p:cBhvr>
-                                      <p:tavLst>
-                                        <p:tav tm="0" fmla="#ppt_y-sin(pi*$)/3">
-                                          <p:val>
-                                            <p:fltVal val="0.5"/>
-                                          </p:val>
-                                        </p:tav>
-                                        <p:tav tm="100000">
-                                          <p:val>
-                                            <p:fltVal val="1"/>
-                                          </p:val>
-                                        </p:tav>
-                                      </p:tavLst>
-                                    </p:anim>
-                                    <p:anim calcmode="lin" valueType="num">
-                                      <p:cBhvr>
-                                        <p:cTn id="14" dur="332" tmFilter="0, 0; 0.125,0.2665; 0.25,0.4; 0.375,0.465; 0.5,0.5;  0.625,0.535; 0.75,0.6; 0.875,0.7335; 1,1">
-                                          <p:stCondLst>
-                                            <p:cond delay="332"/>
-                                          </p:stCondLst>
-                                        </p:cTn>
-                                        <p:tgtEl>
-                                          <p:spTgt spid="425990"/>
-                                        </p:tgtEl>
-                                        <p:attrNameLst>
-                                          <p:attrName>ppt_y</p:attrName>
-                                        </p:attrNameLst>
-                                      </p:cBhvr>
-                                      <p:tavLst>
-                                        <p:tav tm="0" fmla="#ppt_y-sin(pi*$)/9">
-                                          <p:val>
-                                            <p:fltVal val="0"/>
-                                          </p:val>
-                                        </p:tav>
-                                        <p:tav tm="100000">
-                                          <p:val>
-                                            <p:fltVal val="1"/>
-                                          </p:val>
-                                        </p:tav>
-                                      </p:tavLst>
-                                    </p:anim>
-                                    <p:anim calcmode="lin" valueType="num">
-                                      <p:cBhvr>
-                                        <p:cTn id="15" dur="166" tmFilter="0, 0; 0.125,0.2665; 0.25,0.4; 0.375,0.465; 0.5,0.5;  0.625,0.535; 0.75,0.6; 0.875,0.7335; 1,1">
-                                          <p:stCondLst>
-                                            <p:cond delay="662"/>
-                                          </p:stCondLst>
-                                        </p:cTn>
-                                        <p:tgtEl>
-                                          <p:spTgt spid="425990"/>
-                                        </p:tgtEl>
-                                        <p:attrNameLst>
-                                          <p:attrName>ppt_y</p:attrName>
-                                        </p:attrNameLst>
-                                      </p:cBhvr>
-                                      <p:tavLst>
-                                        <p:tav tm="0" fmla="#ppt_y-sin(pi*$)/27">
-                                          <p:val>
-                                            <p:fltVal val="0"/>
-                                          </p:val>
-                                        </p:tav>
-                                        <p:tav tm="100000">
-                                          <p:val>
-                                            <p:fltVal val="1"/>
-                                          </p:val>
-                                        </p:tav>
-                                      </p:tavLst>
-                                    </p:anim>
-                                    <p:anim calcmode="lin" valueType="num">
-                                      <p:cBhvr>
-                                        <p:cTn id="16" dur="82" tmFilter="0, 0; 0.125,0.2665; 0.25,0.4; 0.375,0.465; 0.5,0.5;  0.625,0.535; 0.75,0.6; 0.875,0.7335; 1,1">
-                                          <p:stCondLst>
-                                            <p:cond delay="828"/>
-                                          </p:stCondLst>
-                                        </p:cTn>
-                                        <p:tgtEl>
-                                          <p:spTgt spid="425990"/>
-                                        </p:tgtEl>
-                                        <p:attrNameLst>
-                                          <p:attrName>ppt_y</p:attrName>
-                                        </p:attrNameLst>
-                                      </p:cBhvr>
-                                      <p:tavLst>
-                                        <p:tav tm="0" fmla="#ppt_y-sin(pi*$)/81">
-                                          <p:val>
-                                            <p:fltVal val="0"/>
-                                          </p:val>
-                                        </p:tav>
-                                        <p:tav tm="100000">
-                                          <p:val>
-                                            <p:fltVal val="1"/>
-                                          </p:val>
-                                        </p:tav>
-                                      </p:tavLst>
-                                    </p:anim>
-                                    <p:animScale>
-                                      <p:cBhvr>
-                                        <p:cTn id="17" dur="13">
-                                          <p:stCondLst>
-                                            <p:cond delay="325"/>
-                                          </p:stCondLst>
-                                        </p:cTn>
-                                        <p:tgtEl>
-                                          <p:spTgt spid="425990"/>
-                                        </p:tgtEl>
-                                      </p:cBhvr>
-                                      <p:to x="100000" y="60000"/>
-                                    </p:animScale>
-                                    <p:animScale>
-                                      <p:cBhvr>
-                                        <p:cTn id="18" dur="83" decel="50000">
-                                          <p:stCondLst>
-                                            <p:cond delay="338"/>
-                                          </p:stCondLst>
-                                        </p:cTn>
-                                        <p:tgtEl>
-                                          <p:spTgt spid="425990"/>
-                                        </p:tgtEl>
-                                      </p:cBhvr>
-                                      <p:to x="100000" y="100000"/>
-                                    </p:animScale>
-                                    <p:animScale>
-                                      <p:cBhvr>
-                                        <p:cTn id="19" dur="13">
-                                          <p:stCondLst>
-                                            <p:cond delay="656"/>
-                                          </p:stCondLst>
-                                        </p:cTn>
-                                        <p:tgtEl>
-                                          <p:spTgt spid="425990"/>
-                                        </p:tgtEl>
-                                      </p:cBhvr>
-                                      <p:to x="100000" y="80000"/>
-                                    </p:animScale>
-                                    <p:animScale>
-                                      <p:cBhvr>
-                                        <p:cTn id="20" dur="83" decel="50000">
-                                          <p:stCondLst>
-                                            <p:cond delay="669"/>
-                                          </p:stCondLst>
-                                        </p:cTn>
-                                        <p:tgtEl>
-                                          <p:spTgt spid="425990"/>
-                                        </p:tgtEl>
-                                      </p:cBhvr>
-                                      <p:to x="100000" y="100000"/>
-                                    </p:animScale>
-                                    <p:animScale>
-                                      <p:cBhvr>
-                                        <p:cTn id="21" dur="13">
-                                          <p:stCondLst>
-                                            <p:cond delay="821"/>
-                                          </p:stCondLst>
-                                        </p:cTn>
-                                        <p:tgtEl>
-                                          <p:spTgt spid="425990"/>
-                                        </p:tgtEl>
-                                      </p:cBhvr>
-                                      <p:to x="100000" y="90000"/>
-                                    </p:animScale>
-                                    <p:animScale>
-                                      <p:cBhvr>
-                                        <p:cTn id="22" dur="83" decel="50000">
-                                          <p:stCondLst>
-                                            <p:cond delay="834"/>
-                                          </p:stCondLst>
-                                        </p:cTn>
-                                        <p:tgtEl>
-                                          <p:spTgt spid="425990"/>
-                                        </p:tgtEl>
-                                      </p:cBhvr>
-                                      <p:to x="100000" y="100000"/>
-                                    </p:animScale>
-                                    <p:animScale>
-                                      <p:cBhvr>
-                                        <p:cTn id="23" dur="13">
-                                          <p:stCondLst>
-                                            <p:cond delay="904"/>
-                                          </p:stCondLst>
-                                        </p:cTn>
-                                        <p:tgtEl>
-                                          <p:spTgt spid="425990"/>
-                                        </p:tgtEl>
-                                      </p:cBhvr>
-                                      <p:to x="100000" y="95000"/>
-                                    </p:animScale>
-                                    <p:animScale>
-                                      <p:cBhvr>
-                                        <p:cTn id="24" dur="83" decel="50000">
-                                          <p:stCondLst>
-                                            <p:cond delay="917"/>
-                                          </p:stCondLst>
-                                        </p:cTn>
-                                        <p:tgtEl>
-                                          <p:spTgt spid="425990"/>
-                                        </p:tgtEl>
-                                      </p:cBhvr>
-                                      <p:to x="100000" y="100000"/>
-                                    </p:animScale>
-                                  </p:childTnLst>
-                                </p:cTn>
-                              </p:par>
-                            </p:childTnLst>
-                          </p:cTn>
-                        </p:par>
-                      </p:childTnLst>
-                    </p:cTn>
-                  </p:par>
-                </p:childTnLst>
-              </p:cTn>
-              <p:prevCondLst>
-                <p:cond evt="onPrev" delay="0">
-                  <p:tgtEl>
-                    <p:sldTgt/>
-                  </p:tgtEl>
-                </p:cond>
-              </p:prevCondLst>
-              <p:nextCondLst>
-                <p:cond evt="onNext" delay="0">
-                  <p:tgtEl>
-                    <p:sldTgt/>
-                  </p:tgtEl>
-                </p:cond>
-              </p:nextCondLst>
-            </p:seq>
-          </p:childTnLst>
-        </p:cTn>
-      </p:par>
-    </p:tnLst>
-    <p:bldLst>
-      <p:bldP spid="50179" grpId="0"/>
-      <p:bldP spid="425990" grpId="0" autoUpdateAnimBg="0"/>
-    </p:bldLst>
-  </p:timing>
-</p:sld>
-</file>
-
-<file path=ppt/slides/slide3.xml><?xml version="1.0" encoding="utf-8"?>
-<p:sld xmlns:a="http://schemas.openxmlformats.org/drawingml/2006/main" xmlns:r="http://schemas.openxmlformats.org/officeDocument/2006/relationships" xmlns:p="http://schemas.openxmlformats.org/presentationml/2006/main">
-  <p:cSld>
-    <p:spTree>
-      <p:nvGrpSpPr>
-        <p:cNvPr id="1" name=""/>
-        <p:cNvGrpSpPr/>
-        <p:nvPr/>
-      </p:nvGrpSpPr>
-      <p:grpSpPr>
-        <a:xfrm>
-          <a:off x="0" y="0"/>
-          <a:ext cx="0" cy="0"/>
-          <a:chOff x="0" y="0"/>
-          <a:chExt cx="0" cy="0"/>
-        </a:xfrm>
-      </p:grpSpPr>
-      <p:sp>
-        <p:nvSpPr>
-          <p:cNvPr id="51202" name="Rectangle 2"/>
+      <p:sp>
+        <p:nvSpPr>
+          <p:cNvPr id="53252" name="Rectangle 2"/>
           <p:cNvSpPr>
             <a:spLocks noGrp="1" noChangeArrowheads="1"/>
           </p:cNvSpPr>
@@ -3855,538 +3244,14 @@
       </p:sp>
       <p:sp>
         <p:nvSpPr>
-          <p:cNvPr id="51203" name="Text Box 3"/>
-          <p:cNvSpPr txBox="1">
-            <a:spLocks noChangeArrowheads="1"/>
-          </p:cNvSpPr>
-          <p:nvPr/>
-        </p:nvSpPr>
-        <p:spPr bwMode="auto">
-          <a:xfrm>
-            <a:off x="487363" y="1552575"/>
-            <a:ext cx="8205787" cy="3970318"/>
-          </a:xfrm>
-          <a:prstGeom prst="rect">
-            <a:avLst/>
-          </a:prstGeom>
-          <a:noFill/>
-          <a:ln w="9525">
-            <a:noFill/>
-            <a:miter lim="800000"/>
-            <a:headEnd/>
-            <a:tailEnd type="none" w="lg" len="lg"/>
-          </a:ln>
-        </p:spPr>
-        <p:txBody>
-          <a:bodyPr>
-            <a:spAutoFit/>
-          </a:bodyPr>
-          <a:lstStyle/>
-          <a:p>
-            <a:pPr>
-              <a:buNone/>
-            </a:pPr>
-            <a:r>
-              <a:rPr lang="en-US" sz="6000" dirty="0">
-                <a:latin typeface="Comic Sans MS" pitchFamily="66" charset="0"/>
-              </a:rPr>
-              <a:t>Mating Ritual is </a:t>
-            </a:r>
-            <a:r>
-              <a:rPr lang="en-US" sz="6000" dirty="0">
-                <a:solidFill>
-                  <a:srgbClr val="008000"/>
-                </a:solidFill>
-                <a:latin typeface="Comic Sans MS" pitchFamily="66" charset="0"/>
-              </a:rPr>
-              <a:t>Optimal</a:t>
-            </a:r>
-            <a:r>
-              <a:rPr lang="en-US" sz="6000" dirty="0">
-                <a:latin typeface="Comic Sans MS" pitchFamily="66" charset="0"/>
-              </a:rPr>
-              <a:t> for all </a:t>
-            </a:r>
-            <a:r>
-              <a:rPr lang="en-US" sz="6000" dirty="0" smtClean="0">
-                <a:latin typeface="Comic Sans MS" pitchFamily="66" charset="0"/>
-              </a:rPr>
-              <a:t>boys </a:t>
-            </a:r>
-            <a:r>
-              <a:rPr lang="en-US" sz="6000" dirty="0">
-                <a:latin typeface="Comic Sans MS" pitchFamily="66" charset="0"/>
-              </a:rPr>
-              <a:t>at once.</a:t>
-            </a:r>
-          </a:p>
-          <a:p>
-            <a:pPr>
-              <a:buNone/>
-            </a:pPr>
-            <a:r>
-              <a:rPr lang="en-US" sz="6000" dirty="0" err="1">
-                <a:solidFill>
-                  <a:schemeClr val="hlink"/>
-                </a:solidFill>
-                <a:latin typeface="Comic Sans MS" pitchFamily="66" charset="0"/>
-              </a:rPr>
-              <a:t>Pessimal</a:t>
-            </a:r>
-            <a:r>
-              <a:rPr lang="en-US" sz="6000" dirty="0">
-                <a:latin typeface="Comic Sans MS" pitchFamily="66" charset="0"/>
-              </a:rPr>
-              <a:t> for all </a:t>
-            </a:r>
-            <a:r>
-              <a:rPr lang="en-US" sz="6000" dirty="0" smtClean="0">
-                <a:latin typeface="Comic Sans MS" pitchFamily="66" charset="0"/>
-              </a:rPr>
-              <a:t>girls.</a:t>
-            </a:r>
-            <a:endParaRPr lang="en-US" sz="6000" dirty="0">
-              <a:latin typeface="Comic Sans MS" pitchFamily="66" charset="0"/>
-            </a:endParaRPr>
-          </a:p>
-        </p:txBody>
-      </p:sp>
-      <p:sp>
-        <p:nvSpPr>
-          <p:cNvPr id="51204" name="Slide Number Placeholder 1"/>
-          <p:cNvSpPr>
-            <a:spLocks noGrp="1"/>
-          </p:cNvSpPr>
-          <p:nvPr>
-            <p:ph type="sldNum" sz="quarter" idx="10"/>
-          </p:nvPr>
-        </p:nvSpPr>
-        <p:spPr>
-          <a:noFill/>
-        </p:spPr>
-        <p:txBody>
-          <a:bodyPr/>
-          <a:lstStyle/>
-          <a:p>
-            <a:r>
-              <a:rPr lang="en-US" dirty="0" err="1" smtClean="0"/>
-              <a:t>lec</a:t>
-            </a:r>
-            <a:r>
-              <a:rPr lang="en-US" dirty="0" smtClean="0"/>
-              <a:t> 7F.</a:t>
-            </a:r>
-            <a:fld id="{98E15869-363D-4A6A-9DE4-BB4AE5BA2C11}" type="slidenum">
-              <a:rPr lang="en-US" smtClean="0"/>
-              <a:pPr/>
-              <a:t>3</a:t>
-            </a:fld>
-            <a:endParaRPr lang="en-US" dirty="0" smtClean="0"/>
-          </a:p>
-        </p:txBody>
-      </p:sp>
-    </p:spTree>
-    <p:extLst>
-      <p:ext uri="{BB962C8B-B14F-4D97-AF65-F5344CB8AC3E}">
-        <p14:creationId xmlns:p14="http://schemas.microsoft.com/office/powerpoint/2010/main" val="1142436693"/>
-      </p:ext>
-    </p:extLst>
-  </p:cSld>
-  <p:clrMapOvr>
-    <a:masterClrMapping/>
-  </p:clrMapOvr>
-  <p:transition xmlns:p14="http://schemas.microsoft.com/office/powerpoint/2010/main">
-    <p:fade/>
-  </p:transition>
-  <p:timing>
-    <p:tnLst>
-      <p:par>
-        <p:cTn xmlns:p14="http://schemas.microsoft.com/office/powerpoint/2010/main" id="1" dur="indefinite" restart="never" nodeType="tmRoot">
-          <p:childTnLst>
-            <p:seq concurrent="1" nextAc="seek">
-              <p:cTn id="2" dur="indefinite" nodeType="mainSeq">
-                <p:childTnLst>
-                  <p:par>
-                    <p:cTn id="3" fill="hold">
-                      <p:stCondLst>
-                        <p:cond delay="indefinite"/>
-                      </p:stCondLst>
-                      <p:childTnLst>
-                        <p:par>
-                          <p:cTn id="4" fill="hold">
-                            <p:stCondLst>
-                              <p:cond delay="0"/>
-                            </p:stCondLst>
-                            <p:childTnLst>
-                              <p:par>
-                                <p:cTn id="5" presetID="1" presetClass="entr" presetSubtype="0" fill="hold" nodeType="clickEffect">
-                                  <p:stCondLst>
-                                    <p:cond delay="0"/>
-                                  </p:stCondLst>
-                                  <p:childTnLst>
-                                    <p:set>
-                                      <p:cBhvr>
-                                        <p:cTn id="6" dur="1" fill="hold">
-                                          <p:stCondLst>
-                                            <p:cond delay="0"/>
-                                          </p:stCondLst>
-                                        </p:cTn>
-                                        <p:tgtEl>
-                                          <p:spTgt spid="51203">
-                                            <p:txEl>
-                                              <p:pRg st="1" end="1"/>
-                                            </p:txEl>
-                                          </p:spTgt>
-                                        </p:tgtEl>
-                                        <p:attrNameLst>
-                                          <p:attrName>style.visibility</p:attrName>
-                                        </p:attrNameLst>
-                                      </p:cBhvr>
-                                      <p:to>
-                                        <p:strVal val="visible"/>
-                                      </p:to>
-                                    </p:set>
-                                  </p:childTnLst>
-                                </p:cTn>
-                              </p:par>
-                            </p:childTnLst>
-                          </p:cTn>
-                        </p:par>
-                      </p:childTnLst>
-                    </p:cTn>
-                  </p:par>
-                </p:childTnLst>
-              </p:cTn>
-              <p:prevCondLst>
-                <p:cond evt="onPrev" delay="0">
-                  <p:tgtEl>
-                    <p:sldTgt/>
-                  </p:tgtEl>
-                </p:cond>
-              </p:prevCondLst>
-              <p:nextCondLst>
-                <p:cond evt="onNext" delay="0">
-                  <p:tgtEl>
-                    <p:sldTgt/>
-                  </p:tgtEl>
-                </p:cond>
-              </p:nextCondLst>
-            </p:seq>
-          </p:childTnLst>
-        </p:cTn>
-      </p:par>
-    </p:tnLst>
-  </p:timing>
-</p:sld>
-</file>
-
-<file path=ppt/slides/slide4.xml><?xml version="1.0" encoding="utf-8"?>
-<p:sld xmlns:a="http://schemas.openxmlformats.org/drawingml/2006/main" xmlns:r="http://schemas.openxmlformats.org/officeDocument/2006/relationships" xmlns:p="http://schemas.openxmlformats.org/presentationml/2006/main">
-  <p:cSld>
-    <p:spTree>
-      <p:nvGrpSpPr>
-        <p:cNvPr id="1" name=""/>
-        <p:cNvGrpSpPr/>
-        <p:nvPr/>
-      </p:nvGrpSpPr>
-      <p:grpSpPr>
-        <a:xfrm>
-          <a:off x="0" y="0"/>
-          <a:ext cx="0" cy="0"/>
-          <a:chOff x="0" y="0"/>
-          <a:chExt cx="0" cy="0"/>
-        </a:xfrm>
-      </p:grpSpPr>
-      <p:sp>
-        <p:nvSpPr>
-          <p:cNvPr id="52226" name="Content Placeholder 2"/>
-          <p:cNvSpPr>
-            <a:spLocks noGrp="1"/>
-          </p:cNvSpPr>
-          <p:nvPr>
-            <p:ph idx="1"/>
-          </p:nvPr>
-        </p:nvSpPr>
-        <p:spPr>
-          <a:xfrm>
-            <a:off x="249261" y="1084791"/>
-            <a:ext cx="8712245" cy="4672250"/>
-          </a:xfrm>
-        </p:spPr>
-        <p:txBody>
-          <a:bodyPr/>
-          <a:lstStyle/>
-          <a:p>
-            <a:pPr>
-              <a:buFontTx/>
-              <a:buNone/>
-            </a:pPr>
-            <a:r>
-              <a:rPr lang="en-US" sz="4000" dirty="0" smtClean="0"/>
-              <a:t>Prove boy optimal by</a:t>
-            </a:r>
-            <a:r>
-              <a:rPr lang="en-US" sz="4000" dirty="0" smtClean="0">
-                <a:solidFill>
-                  <a:srgbClr val="0000CC"/>
-                </a:solidFill>
-              </a:rPr>
-              <a:t> </a:t>
-            </a:r>
-            <a:r>
-              <a:rPr lang="en-US" sz="4000" dirty="0" smtClean="0">
-                <a:solidFill>
-                  <a:srgbClr val="C00000"/>
-                </a:solidFill>
-              </a:rPr>
-              <a:t>contradiction</a:t>
-            </a:r>
-            <a:r>
-              <a:rPr lang="en-US" sz="4000" dirty="0" smtClean="0"/>
-              <a:t>:</a:t>
-            </a:r>
-          </a:p>
-          <a:p>
-            <a:pPr>
-              <a:buFontTx/>
-              <a:buNone/>
-            </a:pPr>
-            <a:r>
-              <a:rPr lang="en-US" sz="4000" dirty="0" smtClean="0"/>
-              <a:t>Suppose some boy does not get his </a:t>
-            </a:r>
-          </a:p>
-          <a:p>
-            <a:pPr>
-              <a:buFontTx/>
-              <a:buNone/>
-            </a:pPr>
-            <a:r>
-              <a:rPr lang="en-US" sz="4000" dirty="0" smtClean="0"/>
-              <a:t>optimal girl.  So he must have </a:t>
-            </a:r>
-          </a:p>
-          <a:p>
-            <a:pPr>
-              <a:buFontTx/>
-              <a:buNone/>
-            </a:pPr>
-            <a:r>
-              <a:rPr lang="en-US" sz="4000" dirty="0" smtClean="0"/>
-              <a:t>crossed off his optimal on some </a:t>
-            </a:r>
-          </a:p>
-          <a:p>
-            <a:pPr>
-              <a:buFontTx/>
-              <a:buNone/>
-            </a:pPr>
-            <a:r>
-              <a:rPr lang="en-US" sz="4000" dirty="0" smtClean="0"/>
-              <a:t>earlier  “bad” day.  Consider the 1st </a:t>
-            </a:r>
-          </a:p>
-          <a:p>
-            <a:pPr>
-              <a:buFontTx/>
-              <a:buNone/>
-            </a:pPr>
-            <a:r>
-              <a:rPr lang="en-US" sz="4000" dirty="0" smtClean="0"/>
-              <a:t>bad day.</a:t>
-            </a:r>
-            <a:endParaRPr lang="en-US" sz="3600" dirty="0" smtClean="0"/>
-          </a:p>
-        </p:txBody>
-      </p:sp>
-      <p:sp>
-        <p:nvSpPr>
-          <p:cNvPr id="52227" name="Slide Number Placeholder 3"/>
-          <p:cNvSpPr>
-            <a:spLocks noGrp="1"/>
-          </p:cNvSpPr>
-          <p:nvPr>
-            <p:ph type="sldNum" sz="quarter" idx="10"/>
-          </p:nvPr>
-        </p:nvSpPr>
-        <p:spPr>
-          <a:noFill/>
-        </p:spPr>
-        <p:txBody>
-          <a:bodyPr/>
-          <a:lstStyle/>
-          <a:p>
-            <a:r>
-              <a:rPr lang="en-US" dirty="0" err="1" smtClean="0"/>
-              <a:t>lec</a:t>
-            </a:r>
-            <a:r>
-              <a:rPr lang="en-US" dirty="0" smtClean="0"/>
-              <a:t> 7F.</a:t>
-            </a:r>
-            <a:fld id="{65CBEB4F-F3B6-4041-8D9E-EBDA5BFD33E8}" type="slidenum">
-              <a:rPr lang="en-US" smtClean="0"/>
-              <a:pPr/>
-              <a:t>4</a:t>
-            </a:fld>
-            <a:endParaRPr lang="en-US" dirty="0" smtClean="0"/>
-          </a:p>
-        </p:txBody>
-      </p:sp>
-      <p:sp>
-        <p:nvSpPr>
-          <p:cNvPr id="52228" name="Rectangle 2"/>
-          <p:cNvSpPr>
-            <a:spLocks noGrp="1" noChangeArrowheads="1"/>
-          </p:cNvSpPr>
-          <p:nvPr>
-            <p:ph type="title"/>
-          </p:nvPr>
-        </p:nvSpPr>
-        <p:spPr>
-          <a:xfrm>
-            <a:off x="2617788" y="0"/>
-            <a:ext cx="3929062" cy="1047750"/>
-          </a:xfrm>
-        </p:spPr>
-        <p:txBody>
-          <a:bodyPr/>
-          <a:lstStyle/>
-          <a:p>
-            <a:pPr eaLnBrk="1" hangingPunct="1"/>
-            <a:r>
-              <a:rPr lang="en-US" sz="4400" smtClean="0"/>
-              <a:t>Boy</a:t>
-            </a:r>
-            <a:r>
-              <a:rPr lang="en-US" sz="4400" smtClean="0">
-                <a:solidFill>
-                  <a:srgbClr val="008000"/>
-                </a:solidFill>
-              </a:rPr>
-              <a:t> Optimal</a:t>
-            </a:r>
-          </a:p>
-        </p:txBody>
-      </p:sp>
-    </p:spTree>
-    <p:extLst>
-      <p:ext uri="{BB962C8B-B14F-4D97-AF65-F5344CB8AC3E}">
-        <p14:creationId xmlns:p14="http://schemas.microsoft.com/office/powerpoint/2010/main" val="1421597249"/>
-      </p:ext>
-    </p:extLst>
-  </p:cSld>
-  <p:clrMapOvr>
-    <a:masterClrMapping/>
-  </p:clrMapOvr>
-  <p:transition xmlns:p14="http://schemas.microsoft.com/office/powerpoint/2010/main"/>
-  <p:timing>
-    <p:tnLst>
-      <p:par>
-        <p:cTn xmlns:p14="http://schemas.microsoft.com/office/powerpoint/2010/main" id="1" dur="indefinite" restart="never" nodeType="tmRoot"/>
-      </p:par>
-    </p:tnLst>
-  </p:timing>
-</p:sld>
-</file>
-
-<file path=ppt/slides/slide5.xml><?xml version="1.0" encoding="utf-8"?>
-<p:sld xmlns:a="http://schemas.openxmlformats.org/drawingml/2006/main" xmlns:r="http://schemas.openxmlformats.org/officeDocument/2006/relationships" xmlns:p="http://schemas.openxmlformats.org/presentationml/2006/main">
-  <p:cSld>
-    <p:spTree>
-      <p:nvGrpSpPr>
-        <p:cNvPr id="1" name=""/>
-        <p:cNvGrpSpPr/>
-        <p:nvPr/>
-      </p:nvGrpSpPr>
-      <p:grpSpPr>
-        <a:xfrm>
-          <a:off x="0" y="0"/>
-          <a:ext cx="0" cy="0"/>
-          <a:chOff x="0" y="0"/>
-          <a:chExt cx="0" cy="0"/>
-        </a:xfrm>
-      </p:grpSpPr>
-      <p:sp>
-        <p:nvSpPr>
-          <p:cNvPr id="53251" name="Slide Number Placeholder 3"/>
-          <p:cNvSpPr>
-            <a:spLocks noGrp="1"/>
-          </p:cNvSpPr>
-          <p:nvPr>
-            <p:ph type="sldNum" sz="quarter" idx="10"/>
-          </p:nvPr>
-        </p:nvSpPr>
-        <p:spPr>
-          <a:noFill/>
-        </p:spPr>
-        <p:txBody>
-          <a:bodyPr/>
-          <a:lstStyle/>
-          <a:p>
-            <a:r>
-              <a:rPr lang="en-US" dirty="0" err="1" smtClean="0"/>
-              <a:t>lec</a:t>
-            </a:r>
-            <a:r>
-              <a:rPr lang="en-US" dirty="0" smtClean="0"/>
-              <a:t> 7F.</a:t>
-            </a:r>
-            <a:fld id="{7F2E48C5-A124-4D02-B5E8-431746CA306C}" type="slidenum">
-              <a:rPr lang="en-US" smtClean="0"/>
-              <a:pPr/>
-              <a:t>5</a:t>
-            </a:fld>
-            <a:endParaRPr lang="en-US" dirty="0" smtClean="0"/>
-          </a:p>
-        </p:txBody>
-      </p:sp>
-      <p:sp>
-        <p:nvSpPr>
-          <p:cNvPr id="53252" name="Rectangle 2"/>
-          <p:cNvSpPr>
-            <a:spLocks noGrp="1" noChangeArrowheads="1"/>
-          </p:cNvSpPr>
-          <p:nvPr>
-            <p:ph type="title"/>
-          </p:nvPr>
-        </p:nvSpPr>
-        <p:spPr>
-          <a:xfrm>
-            <a:off x="2617788" y="0"/>
-            <a:ext cx="3929062" cy="1047750"/>
-          </a:xfrm>
-        </p:spPr>
-        <p:txBody>
-          <a:bodyPr/>
-          <a:lstStyle/>
-          <a:p>
-            <a:pPr eaLnBrk="1" hangingPunct="1"/>
-            <a:r>
-              <a:rPr lang="en-US" sz="4400" smtClean="0"/>
-              <a:t>Boy</a:t>
-            </a:r>
-            <a:r>
-              <a:rPr lang="en-US" sz="4400" smtClean="0">
-                <a:solidFill>
-                  <a:srgbClr val="008000"/>
-                </a:solidFill>
-              </a:rPr>
-              <a:t> Optimal</a:t>
-            </a:r>
-          </a:p>
-        </p:txBody>
-      </p:sp>
-      <p:sp>
-        <p:nvSpPr>
           <p:cNvPr id="5" name="TextBox 4"/>
           <p:cNvSpPr txBox="1"/>
           <p:nvPr/>
         </p:nvSpPr>
         <p:spPr>
           <a:xfrm>
-            <a:off x="212506" y="1777753"/>
-            <a:ext cx="8320407" cy="2923877"/>
+            <a:off x="626898" y="4076440"/>
+            <a:ext cx="7930376" cy="1581972"/>
           </a:xfrm>
           <a:prstGeom prst="rect">
             <a:avLst/>
@@ -4399,76 +3264,6 @@
           </a:bodyPr>
           <a:lstStyle/>
           <a:p>
-            <a:pPr lvl="0" eaLnBrk="0" hangingPunct="0">
-              <a:spcBef>
-                <a:spcPct val="20000"/>
-              </a:spcBef>
-              <a:buNone/>
-            </a:pPr>
-            <a:r>
-              <a:rPr lang="en-US" sz="4000" kern="0" dirty="0" smtClean="0">
-                <a:solidFill>
-                  <a:srgbClr val="000000"/>
-                </a:solidFill>
-                <a:latin typeface="Comic Sans MS" pitchFamily="66" charset="0"/>
-              </a:rPr>
-              <a:t>                         </a:t>
-            </a:r>
-            <a:r>
-              <a:rPr lang="en-US" sz="4000" kern="0" dirty="0" smtClean="0">
-                <a:solidFill>
-                  <a:srgbClr val="0000CC"/>
-                </a:solidFill>
-                <a:latin typeface="Comic Sans MS" pitchFamily="66" charset="0"/>
-              </a:rPr>
-              <a:t>         </a:t>
-            </a:r>
-            <a:r>
-              <a:rPr lang="en-US" sz="4000" kern="0" dirty="0" smtClean="0">
-                <a:solidFill>
-                  <a:srgbClr val="000000"/>
-                </a:solidFill>
-                <a:latin typeface="Comic Sans MS" pitchFamily="66" charset="0"/>
-              </a:rPr>
-              <a:t>      Happens </a:t>
-            </a:r>
-          </a:p>
-          <a:p>
-            <a:pPr lvl="0" eaLnBrk="0" hangingPunct="0">
-              <a:spcBef>
-                <a:spcPct val="20000"/>
-              </a:spcBef>
-              <a:buNone/>
-            </a:pPr>
-            <a:r>
-              <a:rPr lang="en-US" sz="4000" kern="0" dirty="0" smtClean="0">
-                <a:solidFill>
-                  <a:srgbClr val="000000"/>
-                </a:solidFill>
-                <a:latin typeface="Comic Sans MS" pitchFamily="66" charset="0"/>
-              </a:rPr>
-              <a:t>because </a:t>
-            </a:r>
-            <a:r>
-              <a:rPr lang="en-US" sz="4000" kern="0" dirty="0" smtClean="0">
-                <a:solidFill>
-                  <a:srgbClr val="0000CC"/>
-                </a:solidFill>
-                <a:latin typeface="Comic Sans MS" pitchFamily="66" charset="0"/>
-              </a:rPr>
-              <a:t>Tom</a:t>
-            </a:r>
-            <a:r>
-              <a:rPr lang="en-US" sz="4000" kern="0" dirty="0" smtClean="0">
-                <a:solidFill>
-                  <a:srgbClr val="000000"/>
-                </a:solidFill>
-                <a:latin typeface="Comic Sans MS" pitchFamily="66" charset="0"/>
-              </a:rPr>
-              <a:t> is serenading her.</a:t>
-            </a:r>
-          </a:p>
-          <a:p>
             <a:pPr marL="342900" lvl="0" indent="-342900" eaLnBrk="0" hangingPunct="0">
               <a:spcBef>
                 <a:spcPct val="20000"/>
@@ -4477,7 +3272,7 @@
               <a:buChar char="•"/>
             </a:pPr>
             <a:r>
-              <a:rPr lang="en-US" sz="4000" kern="0" dirty="0" smtClean="0">
+              <a:rPr lang="en-US" sz="4400" kern="0" dirty="0" smtClean="0">
                 <a:solidFill>
                   <a:srgbClr val="0000CC"/>
                 </a:solidFill>
@@ -4486,16 +3281,25 @@
               <a:t>Nicole</a:t>
             </a:r>
             <a:r>
-              <a:rPr lang="en-US" sz="4000" kern="0" dirty="0" smtClean="0">
+              <a:rPr lang="en-US" sz="4400" kern="0" dirty="0" smtClean="0">
                 <a:solidFill>
                   <a:srgbClr val="000000"/>
                 </a:solidFill>
                 <a:latin typeface="Comic Sans MS" pitchFamily="66" charset="0"/>
               </a:rPr>
-              <a:t> is optimal for </a:t>
-            </a:r>
-            <a:r>
-              <a:rPr lang="en-US" sz="4000" kern="0" dirty="0" smtClean="0">
+              <a:t> </a:t>
+            </a:r>
+            <a:r>
+              <a:rPr lang="en-US" sz="4400" kern="0" dirty="0" smtClean="0">
+                <a:solidFill>
+                  <a:srgbClr val="000000"/>
+                </a:solidFill>
+                <a:latin typeface="Comic Sans MS" pitchFamily="66" charset="0"/>
+              </a:rPr>
+              <a:t>is optimal for </a:t>
+            </a:r>
+            <a:r>
+              <a:rPr lang="en-US" sz="4400" kern="0" dirty="0" smtClean="0">
                 <a:solidFill>
                   <a:srgbClr val="0000CC"/>
                 </a:solidFill>
@@ -4513,7 +3317,7 @@
               <a:buChar char="•"/>
             </a:pPr>
             <a:r>
-              <a:rPr lang="en-US" sz="4000" kern="0" dirty="0" smtClean="0">
+              <a:rPr lang="en-US" sz="4400" kern="0" dirty="0" smtClean="0">
                 <a:solidFill>
                   <a:srgbClr val="0000CC"/>
                 </a:solidFill>
@@ -4522,7 +3326,7 @@
               <a:t>Nicole</a:t>
             </a:r>
             <a:r>
-              <a:rPr lang="en-US" sz="4000" kern="0" dirty="0" smtClean="0">
+              <a:rPr lang="en-US" sz="4400" kern="0" dirty="0" smtClean="0">
                 <a:solidFill>
                   <a:srgbClr val="000000"/>
                 </a:solidFill>
@@ -4531,7 +3335,7 @@
               <a:t> prefers </a:t>
             </a:r>
             <a:r>
-              <a:rPr lang="en-US" sz="4000" kern="0" dirty="0" smtClean="0">
+              <a:rPr lang="en-US" sz="4400" kern="0" dirty="0" smtClean="0">
                 <a:solidFill>
                   <a:srgbClr val="0000CC"/>
                 </a:solidFill>
@@ -4540,7 +3344,7 @@
               <a:t>Tom</a:t>
             </a:r>
             <a:r>
-              <a:rPr lang="en-US" sz="4000" kern="0" dirty="0" smtClean="0">
+              <a:rPr lang="en-US" sz="4400" kern="0" dirty="0" smtClean="0">
                 <a:solidFill>
                   <a:srgbClr val="000000"/>
                 </a:solidFill>
@@ -4549,7 +3353,7 @@
               <a:t> to </a:t>
             </a:r>
             <a:r>
-              <a:rPr lang="en-US" sz="4000" kern="0" dirty="0" smtClean="0">
+              <a:rPr lang="en-US" sz="4400" kern="0" dirty="0" smtClean="0">
                 <a:solidFill>
                   <a:srgbClr val="0000CC"/>
                 </a:solidFill>
@@ -4572,8 +3376,8 @@
         </p:nvSpPr>
         <p:spPr>
           <a:xfrm>
-            <a:off x="212706" y="1163292"/>
-            <a:ext cx="8794788" cy="1294955"/>
+            <a:off x="489504" y="999811"/>
+            <a:ext cx="8241191" cy="3269691"/>
           </a:xfrm>
         </p:spPr>
         <p:txBody>
@@ -4585,11 +3389,27 @@
               <a:buNone/>
             </a:pPr>
             <a:r>
-              <a:rPr lang="en-US" sz="3600" dirty="0" smtClean="0"/>
-              <a:t>On 1st bad day some boy, </a:t>
-            </a:r>
-            <a:r>
-              <a:rPr lang="en-US" sz="3600" dirty="0" smtClean="0">
+              <a:rPr lang="en-US" sz="4000" dirty="0" smtClean="0"/>
+              <a:t>On </a:t>
+            </a:r>
+            <a:r>
+              <a:rPr lang="en-US" sz="4000" dirty="0" smtClean="0"/>
+              <a:t>his</a:t>
+            </a:r>
+            <a:r>
+              <a:rPr lang="en-US" sz="4000" dirty="0" smtClean="0"/>
+              <a:t> </a:t>
+            </a:r>
+            <a:r>
+              <a:rPr lang="en-US" sz="4000" dirty="0" smtClean="0"/>
+              <a:t>bad </a:t>
+            </a:r>
+            <a:r>
+              <a:rPr lang="en-US" sz="4000" dirty="0" smtClean="0"/>
+              <a:t>day </a:t>
+            </a:r>
+            <a:r>
+              <a:rPr lang="en-US" sz="4000" dirty="0" smtClean="0">
                 <a:solidFill>
                   <a:srgbClr val="0000CC"/>
                 </a:solidFill>
@@ -4597,8 +3417,16 @@
               <a:t>Keith</a:t>
             </a:r>
             <a:r>
-              <a:rPr lang="en-US" sz="3600" dirty="0" smtClean="0"/>
-              <a:t>, crosses </a:t>
+              <a:rPr lang="en-US" sz="4000" dirty="0" smtClean="0"/>
+              <a:t> </a:t>
+            </a:r>
+            <a:r>
+              <a:rPr lang="en-US" sz="4000" dirty="0" smtClean="0"/>
+              <a:t>crosses </a:t>
+            </a:r>
+            <a:r>
+              <a:rPr lang="en-US" sz="4000" dirty="0" smtClean="0"/>
+              <a:t>off </a:t>
             </a:r>
           </a:p>
           <a:p>
@@ -4607,11 +3435,15 @@
               <a:buNone/>
             </a:pPr>
             <a:r>
-              <a:rPr lang="en-US" sz="3600" dirty="0" smtClean="0"/>
-              <a:t>off his optimal girl, </a:t>
-            </a:r>
-            <a:r>
-              <a:rPr lang="en-US" sz="3600" dirty="0" smtClean="0">
+              <a:rPr lang="en-US" sz="4000" dirty="0" smtClean="0"/>
+              <a:t>his optimal </a:t>
+            </a:r>
+            <a:r>
+              <a:rPr lang="en-US" sz="4000" dirty="0" smtClean="0"/>
+              <a:t>girl, </a:t>
+            </a:r>
+            <a:r>
+              <a:rPr lang="en-US" sz="4000" dirty="0" smtClean="0">
                 <a:solidFill>
                   <a:srgbClr val="0000CC"/>
                 </a:solidFill>
@@ -4619,23 +3451,88 @@
               <a:t>Nicole</a:t>
             </a:r>
             <a:r>
-              <a:rPr lang="en-US" sz="3600" dirty="0" smtClean="0"/>
-              <a:t>.</a:t>
-            </a:r>
+              <a:rPr lang="en-US" sz="4000" dirty="0" smtClean="0"/>
+              <a:t>, </a:t>
+            </a:r>
+            <a:r>
+              <a:rPr lang="en-US" sz="4000" dirty="0" smtClean="0">
+                <a:solidFill>
+                  <a:srgbClr val="000000"/>
+                </a:solidFill>
+                <a:latin typeface="Comic Sans MS" pitchFamily="66" charset="0"/>
+              </a:rPr>
+              <a:t>because a </a:t>
+            </a:r>
+          </a:p>
+          <a:p>
+            <a:pPr>
+              <a:buFontTx/>
+              <a:buNone/>
+            </a:pPr>
+            <a:r>
+              <a:rPr lang="en-US" sz="4000" dirty="0" smtClean="0">
+                <a:solidFill>
+                  <a:srgbClr val="000000"/>
+                </a:solidFill>
+                <a:latin typeface="Comic Sans MS" pitchFamily="66" charset="0"/>
+              </a:rPr>
+              <a:t>boy she like better is serenading</a:t>
+            </a:r>
+          </a:p>
+          <a:p>
+            <a:pPr>
+              <a:buFontTx/>
+              <a:buNone/>
+            </a:pPr>
+            <a:r>
+              <a:rPr lang="en-US" sz="4000" dirty="0" smtClean="0">
+                <a:solidFill>
+                  <a:srgbClr val="000000"/>
+                </a:solidFill>
+                <a:latin typeface="Comic Sans MS" pitchFamily="66" charset="0"/>
+              </a:rPr>
+              <a:t>her.  Call him </a:t>
+            </a:r>
+            <a:r>
+              <a:rPr lang="en-US" sz="4000" dirty="0" smtClean="0">
+                <a:solidFill>
+                  <a:srgbClr val="0000CC"/>
+                </a:solidFill>
+                <a:latin typeface="Comic Sans MS" pitchFamily="66" charset="0"/>
+              </a:rPr>
+              <a:t>Tom.</a:t>
+            </a:r>
+            <a:endParaRPr lang="en-US" sz="4000" dirty="0">
+              <a:solidFill>
+                <a:srgbClr val="000000"/>
+              </a:solidFill>
+              <a:latin typeface="Comic Sans MS" pitchFamily="66" charset="0"/>
+            </a:endParaRPr>
           </a:p>
         </p:txBody>
       </p:sp>
     </p:spTree>
     <p:extLst>
       <p:ext uri="{BB962C8B-B14F-4D97-AF65-F5344CB8AC3E}">
-        <p14:creationId xmlns:p14="http://schemas.microsoft.com/office/powerpoint/2010/main" val="4263271826"/>
+        <p14:creationId xmlns:p14="http://schemas.microsoft.com/office/powerpoint/2010/main" val="39288688"/>
       </p:ext>
     </p:extLst>
   </p:cSld>
   <p:clrMapOvr>
     <a:masterClrMapping/>
   </p:clrMapOvr>
-  <p:transition xmlns:p14="http://schemas.microsoft.com/office/powerpoint/2010/main"/>
+  <mc:AlternateContent xmlns:mc="http://schemas.openxmlformats.org/markup-compatibility/2006">
+    <mc:Choice xmlns:p14="http://schemas.microsoft.com/office/powerpoint/2010/main" Requires="p14">
+      <p:transition spd="med" p14:dur="700">
+        <p:fade/>
+      </p:transition>
+    </mc:Choice>
+    <mc:Fallback>
+      <p:transition xmlns:p14="http://schemas.microsoft.com/office/powerpoint/2010/main" spd="med">
+        <p:fade/>
+      </p:transition>
+    </mc:Fallback>
+  </mc:AlternateContent>
   <p:timing>
     <p:tnLst>
       <p:par>
@@ -4687,15 +3584,33 @@
                                   </p:childTnLst>
                                 </p:cTn>
                               </p:par>
+                            </p:childTnLst>
+                          </p:cTn>
+                        </p:par>
+                      </p:childTnLst>
+                    </p:cTn>
+                  </p:par>
+                  <p:par>
+                    <p:cTn id="7" fill="hold">
+                      <p:stCondLst>
+                        <p:cond delay="indefinite"/>
+                      </p:stCondLst>
+                      <p:childTnLst>
+                        <p:par>
+                          <p:cTn id="8" fill="hold">
+                            <p:stCondLst>
+                              <p:cond delay="0"/>
+                            </p:stCondLst>
+                            <p:childTnLst>
                               <p:par>
-                                <p:cTn id="7" presetID="1" presetClass="entr" presetSubtype="0" fill="hold" grpId="0" nodeType="withEffect">
+                                <p:cTn id="9" presetID="1" presetClass="entr" presetSubtype="0" fill="hold" grpId="0" nodeType="clickEffect">
                                   <p:stCondLst>
                                     <p:cond delay="0"/>
                                   </p:stCondLst>
                                   <p:childTnLst>
                                     <p:set>
                                       <p:cBhvr>
-                                        <p:cTn id="8" dur="1" fill="hold">
+                                        <p:cTn id="10" dur="1" fill="hold">
                                           <p:stCondLst>
                                             <p:cond delay="0"/>
                                           </p:stCondLst>
@@ -4704,104 +3619,6 @@
                                           <p:spTgt spid="5">
                                             <p:txEl>
                                               <p:pRg st="1" end="1"/>
-                                            </p:txEl>
-                                          </p:spTgt>
-                                        </p:tgtEl>
-                                        <p:attrNameLst>
-                                          <p:attrName>style.visibility</p:attrName>
-                                        </p:attrNameLst>
-                                      </p:cBhvr>
-                                      <p:to>
-                                        <p:strVal val="visible"/>
-                                      </p:to>
-                                    </p:set>
-                                  </p:childTnLst>
-                                </p:cTn>
-                              </p:par>
-                            </p:childTnLst>
-                          </p:cTn>
-                        </p:par>
-                      </p:childTnLst>
-                    </p:cTn>
-                  </p:par>
-                  <p:par>
-                    <p:cTn id="9" fill="hold">
-                      <p:stCondLst>
-                        <p:cond delay="indefinite"/>
-                      </p:stCondLst>
-                      <p:childTnLst>
-                        <p:par>
-                          <p:cTn id="10" fill="hold">
-                            <p:stCondLst>
-                              <p:cond delay="0"/>
-                            </p:stCondLst>
-                            <p:childTnLst>
-                              <p:par>
-                                <p:cTn id="11" presetID="1" presetClass="entr" presetSubtype="0" fill="hold" grpId="0" nodeType="clickEffect">
-                                  <p:stCondLst>
-                                    <p:cond delay="0"/>
-                                  </p:stCondLst>
-                                  <p:childTnLst>
-                                    <p:set>
-                                      <p:cBhvr>
-                                        <p:cTn id="12" dur="1" fill="hold">
-                                          <p:stCondLst>
-                                            <p:cond delay="0"/>
-                                          </p:stCondLst>
-                                        </p:cTn>
-                                        <p:tgtEl>
-                                          <p:spTgt spid="5">
-                                            <p:txEl>
-                                              <p:pRg st="2" end="2"/>
-                                            </p:txEl>
-                                          </p:spTgt>
-                                        </p:tgtEl>
-                                        <p:attrNameLst>
-                                          <p:attrName>style.visibility</p:attrName>
-                                        </p:attrNameLst>
-                                      </p:cBhvr>
-                                      <p:to>
-                                        <p:strVal val="visible"/>
-                                      </p:to>
-                                    </p:set>
-                                  </p:childTnLst>
-                                </p:cTn>
-                              </p:par>
-                            </p:childTnLst>
-                          </p:cTn>
-                        </p:par>
-                      </p:childTnLst>
-                    </p:cTn>
-                  </p:par>
-                  <p:par>
-                    <p:cTn id="13" fill="hold">
-                      <p:stCondLst>
-                        <p:cond delay="indefinite"/>
-                      </p:stCondLst>
-                      <p:childTnLst>
-                        <p:par>
-                          <p:cTn id="14" fill="hold">
-                            <p:stCondLst>
-                              <p:cond delay="0"/>
-                            </p:stCondLst>
-                            <p:childTnLst>
-                              <p:par>
-                                <p:cTn id="15" presetID="1" presetClass="entr" presetSubtype="0" fill="hold" grpId="0" nodeType="clickEffect">
-                                  <p:stCondLst>
-                                    <p:cond delay="0"/>
-                                  </p:stCondLst>
-                                  <p:childTnLst>
-                                    <p:set>
-                                      <p:cBhvr>
-                                        <p:cTn id="16" dur="1" fill="hold">
-                                          <p:stCondLst>
-                                            <p:cond delay="0"/>
-                                          </p:stCondLst>
-                                        </p:cTn>
-                                        <p:tgtEl>
-                                          <p:spTgt spid="5">
-                                            <p:txEl>
-                                              <p:pRg st="3" end="3"/>
                                             </p:txEl>
                                           </p:spTgt>
                                         </p:tgtEl>
@@ -4850,7 +3667,7 @@
 </p:sld>
 </file>
 
-<file path=ppt/slides/slide6.xml><?xml version="1.0" encoding="utf-8"?>
+<file path=ppt/slides/slide11.xml><?xml version="1.0" encoding="utf-8"?>
 <p:sld xmlns:a="http://schemas.openxmlformats.org/drawingml/2006/main" xmlns:r="http://schemas.openxmlformats.org/officeDocument/2006/relationships" xmlns:p="http://schemas.openxmlformats.org/presentationml/2006/main">
   <p:cSld>
     <p:spTree>
@@ -5021,7 +3838,7 @@
             <a:fld id="{17EB9E32-BBFB-4A93-A629-8985322E0052}" type="slidenum">
               <a:rPr lang="en-US" smtClean="0"/>
               <a:pPr/>
-              <a:t>6</a:t>
+              <a:t>11</a:t>
             </a:fld>
             <a:endParaRPr lang="en-US" dirty="0" smtClean="0"/>
           </a:p>
@@ -5073,7 +3890,18 @@
   <p:clrMapOvr>
     <a:masterClrMapping/>
   </p:clrMapOvr>
-  <p:transition xmlns:p14="http://schemas.microsoft.com/office/powerpoint/2010/main"/>
+  <mc:AlternateContent xmlns:mc="http://schemas.openxmlformats.org/markup-compatibility/2006">
+    <mc:Choice xmlns:p14="http://schemas.microsoft.com/office/powerpoint/2010/main" Requires="p14">
+      <p:transition spd="med" p14:dur="700">
+        <p:fade/>
+      </p:transition>
+    </mc:Choice>
+    <mc:Fallback>
+      <p:transition xmlns:p14="http://schemas.microsoft.com/office/powerpoint/2010/main" spd="med">
+        <p:fade/>
+      </p:transition>
+    </mc:Fallback>
+  </mc:AlternateContent>
   <p:timing>
     <p:tnLst>
       <p:par>
@@ -5156,7 +3984,7 @@
 </p:sld>
 </file>
 
-<file path=ppt/slides/slide7.xml><?xml version="1.0" encoding="utf-8"?>
+<file path=ppt/slides/slide12.xml><?xml version="1.0" encoding="utf-8"?>
 <p:sld xmlns:a="http://schemas.openxmlformats.org/drawingml/2006/main" xmlns:r="http://schemas.openxmlformats.org/officeDocument/2006/relationships" xmlns:p="http://schemas.openxmlformats.org/presentationml/2006/main">
   <p:cSld>
     <p:spTree>
@@ -5201,7 +4029,7 @@
             <a:fld id="{6CCEBC7E-BB78-4935-B466-2CC68DADAB00}" type="slidenum">
               <a:rPr lang="en-US" smtClean="0"/>
               <a:pPr/>
-              <a:t>7</a:t>
+              <a:t>12</a:t>
             </a:fld>
             <a:endParaRPr lang="en-US" dirty="0" smtClean="0"/>
           </a:p>
@@ -5790,7 +4618,7 @@
 </p:sld>
 </file>
 
-<file path=ppt/slides/slide8.xml><?xml version="1.0" encoding="utf-8"?>
+<file path=ppt/slides/slide13.xml><?xml version="1.0" encoding="utf-8"?>
 <p:sld xmlns:a="http://schemas.openxmlformats.org/drawingml/2006/main" xmlns:r="http://schemas.openxmlformats.org/officeDocument/2006/relationships" xmlns:p="http://schemas.openxmlformats.org/presentationml/2006/main">
   <p:cSld>
     <p:spTree>
@@ -5835,7 +4663,7 @@
             <a:fld id="{9C75F36C-0433-4F6B-BCAF-665E036C6B72}" type="slidenum">
               <a:rPr lang="en-US" smtClean="0"/>
               <a:pPr/>
-              <a:t>8</a:t>
+              <a:t>13</a:t>
             </a:fld>
             <a:endParaRPr lang="en-US" dirty="0" smtClean="0"/>
           </a:p>
@@ -5900,7 +4728,7 @@
         </p:nvSpPr>
         <p:spPr bwMode="auto">
           <a:xfrm>
-            <a:off x="473731" y="2117425"/>
+            <a:off x="473731" y="1976321"/>
             <a:ext cx="8263012" cy="2917722"/>
           </a:xfrm>
           <a:prstGeom prst="rect">
@@ -5976,7 +4804,9 @@
   <p:clrMapOvr>
     <a:masterClrMapping/>
   </p:clrMapOvr>
-  <p:transition xmlns:p14="http://schemas.microsoft.com/office/powerpoint/2010/main"/>
+  <p:transition xmlns:p14="http://schemas.microsoft.com/office/powerpoint/2010/main" spd="slow">
+    <p:fade thruBlk="1"/>
+  </p:transition>
   <p:timing>
     <p:tnLst>
       <p:par>
@@ -5987,7 +4817,7 @@
 </p:sld>
 </file>
 
-<file path=ppt/slides/slide9.xml><?xml version="1.0" encoding="utf-8"?>
+<file path=ppt/slides/slide14.xml><?xml version="1.0" encoding="utf-8"?>
 <p:sld xmlns:a="http://schemas.openxmlformats.org/drawingml/2006/main" xmlns:r="http://schemas.openxmlformats.org/officeDocument/2006/relationships" xmlns:p="http://schemas.openxmlformats.org/presentationml/2006/main">
   <p:cSld>
     <p:spTree>
@@ -6267,7 +5097,7 @@
             <a:fld id="{7BB76824-9F76-4ADE-AC6C-0508E1575FA2}" type="slidenum">
               <a:rPr lang="en-US" smtClean="0"/>
               <a:pPr/>
-              <a:t>9</a:t>
+              <a:t>14</a:t>
             </a:fld>
             <a:endParaRPr lang="en-US" dirty="0" smtClean="0"/>
           </a:p>
@@ -6555,6 +5385,2457 @@
       <p:bldP spid="429059" grpId="0"/>
       <p:bldP spid="7" grpId="0"/>
     </p:bldLst>
+  </p:timing>
+</p:sld>
+</file>
+
+<file path=ppt/slides/slide2.xml><?xml version="1.0" encoding="utf-8"?>
+<p:sld xmlns:a="http://schemas.openxmlformats.org/drawingml/2006/main" xmlns:r="http://schemas.openxmlformats.org/officeDocument/2006/relationships" xmlns:p="http://schemas.openxmlformats.org/presentationml/2006/main">
+  <p:cSld>
+    <p:spTree>
+      <p:nvGrpSpPr>
+        <p:cNvPr id="1" name=""/>
+        <p:cNvGrpSpPr/>
+        <p:nvPr/>
+      </p:nvGrpSpPr>
+      <p:grpSpPr>
+        <a:xfrm>
+          <a:off x="0" y="0"/>
+          <a:ext cx="0" cy="0"/>
+          <a:chOff x="0" y="0"/>
+          <a:chExt cx="0" cy="0"/>
+        </a:xfrm>
+      </p:grpSpPr>
+      <p:sp>
+        <p:nvSpPr>
+          <p:cNvPr id="50178" name="Rectangle 2"/>
+          <p:cNvSpPr>
+            <a:spLocks noGrp="1" noChangeArrowheads="1"/>
+          </p:cNvSpPr>
+          <p:nvPr>
+            <p:ph type="title"/>
+          </p:nvPr>
+        </p:nvSpPr>
+        <p:spPr/>
+        <p:txBody>
+          <a:bodyPr/>
+          <a:lstStyle/>
+          <a:p>
+            <a:pPr eaLnBrk="1" hangingPunct="1"/>
+            <a:r>
+              <a:rPr lang="en-US" sz="4000" smtClean="0"/>
+              <a:t>Mating Ritual</a:t>
+            </a:r>
+          </a:p>
+        </p:txBody>
+      </p:sp>
+      <p:sp>
+        <p:nvSpPr>
+          <p:cNvPr id="50179" name="Text Box 3"/>
+          <p:cNvSpPr txBox="1">
+            <a:spLocks noChangeArrowheads="1"/>
+          </p:cNvSpPr>
+          <p:nvPr/>
+        </p:nvSpPr>
+        <p:spPr bwMode="auto">
+          <a:xfrm>
+            <a:off x="658018" y="2866684"/>
+            <a:ext cx="7904163" cy="2287587"/>
+          </a:xfrm>
+          <a:prstGeom prst="rect">
+            <a:avLst/>
+          </a:prstGeom>
+          <a:noFill/>
+          <a:ln w="9525">
+            <a:noFill/>
+            <a:miter lim="800000"/>
+            <a:headEnd/>
+            <a:tailEnd type="none" w="lg" len="lg"/>
+          </a:ln>
+        </p:spPr>
+        <p:txBody>
+          <a:bodyPr>
+            <a:spAutoFit/>
+          </a:bodyPr>
+          <a:lstStyle/>
+          <a:p>
+            <a:pPr>
+              <a:buNone/>
+            </a:pPr>
+            <a:r>
+              <a:rPr lang="en-US" sz="4800" dirty="0">
+                <a:latin typeface="Comic Sans MS" pitchFamily="66" charset="0"/>
+              </a:rPr>
+              <a:t>Girls’ suitors get better, and </a:t>
+            </a:r>
+            <a:r>
+              <a:rPr lang="en-US" sz="4800" dirty="0" smtClean="0">
+                <a:latin typeface="Comic Sans MS" pitchFamily="66" charset="0"/>
+              </a:rPr>
+              <a:t>boys’ </a:t>
+            </a:r>
+            <a:r>
+              <a:rPr lang="en-US" sz="4800" dirty="0">
+                <a:latin typeface="Comic Sans MS" pitchFamily="66" charset="0"/>
+              </a:rPr>
+              <a:t>sweethearts get worse, so girls do better?</a:t>
+            </a:r>
+            <a:endParaRPr lang="en-US" sz="4800" dirty="0">
+              <a:solidFill>
+                <a:schemeClr val="hlink"/>
+              </a:solidFill>
+              <a:latin typeface="Comic Sans MS" pitchFamily="66" charset="0"/>
+            </a:endParaRPr>
+          </a:p>
+        </p:txBody>
+      </p:sp>
+      <p:sp>
+        <p:nvSpPr>
+          <p:cNvPr id="50180" name="Text Box 4"/>
+          <p:cNvSpPr txBox="1">
+            <a:spLocks noChangeArrowheads="1"/>
+          </p:cNvSpPr>
+          <p:nvPr/>
+        </p:nvSpPr>
+        <p:spPr bwMode="auto">
+          <a:xfrm>
+            <a:off x="1462480" y="1043180"/>
+            <a:ext cx="6271371" cy="1754326"/>
+          </a:xfrm>
+          <a:prstGeom prst="rect">
+            <a:avLst/>
+          </a:prstGeom>
+          <a:noFill/>
+          <a:ln w="9525">
+            <a:noFill/>
+            <a:miter lim="800000"/>
+            <a:headEnd/>
+            <a:tailEnd type="none" w="lg" len="lg"/>
+          </a:ln>
+        </p:spPr>
+        <p:txBody>
+          <a:bodyPr wrap="square">
+            <a:spAutoFit/>
+          </a:bodyPr>
+          <a:lstStyle/>
+          <a:p>
+            <a:pPr>
+              <a:spcBef>
+                <a:spcPts val="0"/>
+              </a:spcBef>
+              <a:buNone/>
+            </a:pPr>
+            <a:r>
+              <a:rPr lang="en-US" sz="5400" dirty="0">
+                <a:solidFill>
+                  <a:schemeClr val="accent1">
+                    <a:lumMod val="50000"/>
+                  </a:schemeClr>
+                </a:solidFill>
+                <a:latin typeface="Comic Sans MS" pitchFamily="66" charset="0"/>
+              </a:rPr>
+              <a:t>Who does </a:t>
+            </a:r>
+            <a:r>
+              <a:rPr lang="en-US" sz="5400" dirty="0" smtClean="0">
+                <a:solidFill>
+                  <a:schemeClr val="accent1">
+                    <a:lumMod val="50000"/>
+                  </a:schemeClr>
+                </a:solidFill>
+                <a:latin typeface="Comic Sans MS" pitchFamily="66" charset="0"/>
+              </a:rPr>
+              <a:t>better,</a:t>
+            </a:r>
+          </a:p>
+          <a:p>
+            <a:pPr>
+              <a:spcBef>
+                <a:spcPts val="0"/>
+              </a:spcBef>
+              <a:buNone/>
+            </a:pPr>
+            <a:r>
+              <a:rPr lang="en-US" sz="5400" dirty="0" smtClean="0">
+                <a:latin typeface="Comic Sans MS" pitchFamily="66" charset="0"/>
+              </a:rPr>
+              <a:t>boys </a:t>
+            </a:r>
+            <a:r>
+              <a:rPr lang="en-US" sz="5400" dirty="0">
+                <a:latin typeface="Comic Sans MS" pitchFamily="66" charset="0"/>
+              </a:rPr>
+              <a:t>or girls?</a:t>
+            </a:r>
+          </a:p>
+        </p:txBody>
+      </p:sp>
+      <p:sp>
+        <p:nvSpPr>
+          <p:cNvPr id="425990" name="Rectangle 6"/>
+          <p:cNvSpPr>
+            <a:spLocks noChangeArrowheads="1"/>
+          </p:cNvSpPr>
+          <p:nvPr/>
+        </p:nvSpPr>
+        <p:spPr bwMode="auto">
+          <a:xfrm>
+            <a:off x="3637718" y="5110756"/>
+            <a:ext cx="1944763" cy="1446550"/>
+          </a:xfrm>
+          <a:prstGeom prst="rect">
+            <a:avLst/>
+          </a:prstGeom>
+          <a:noFill/>
+          <a:ln w="9525">
+            <a:noFill/>
+            <a:miter lim="800000"/>
+            <a:headEnd/>
+            <a:tailEnd type="none" w="lg" len="lg"/>
+          </a:ln>
+        </p:spPr>
+        <p:txBody>
+          <a:bodyPr wrap="none">
+            <a:spAutoFit/>
+          </a:bodyPr>
+          <a:lstStyle/>
+          <a:p>
+            <a:pPr>
+              <a:buNone/>
+            </a:pPr>
+            <a:r>
+              <a:rPr lang="en-US" sz="8800" dirty="0">
+                <a:solidFill>
+                  <a:schemeClr val="hlink"/>
+                </a:solidFill>
+                <a:latin typeface="Comic Sans MS" pitchFamily="66" charset="0"/>
+              </a:rPr>
+              <a:t>No!</a:t>
+            </a:r>
+          </a:p>
+        </p:txBody>
+      </p:sp>
+      <p:sp>
+        <p:nvSpPr>
+          <p:cNvPr id="50182" name="Slide Number Placeholder 1"/>
+          <p:cNvSpPr>
+            <a:spLocks noGrp="1"/>
+          </p:cNvSpPr>
+          <p:nvPr>
+            <p:ph type="sldNum" sz="quarter" idx="10"/>
+          </p:nvPr>
+        </p:nvSpPr>
+        <p:spPr>
+          <a:noFill/>
+        </p:spPr>
+        <p:txBody>
+          <a:bodyPr/>
+          <a:lstStyle/>
+          <a:p>
+            <a:r>
+              <a:rPr lang="en-US" dirty="0" err="1" smtClean="0"/>
+              <a:t>lec</a:t>
+            </a:r>
+            <a:r>
+              <a:rPr lang="en-US" dirty="0" smtClean="0"/>
+              <a:t> 7F.</a:t>
+            </a:r>
+            <a:fld id="{87D09381-529C-4565-93CC-F0F84618B121}" type="slidenum">
+              <a:rPr lang="en-US" smtClean="0"/>
+              <a:pPr/>
+              <a:t>2</a:t>
+            </a:fld>
+            <a:endParaRPr lang="en-US" dirty="0" smtClean="0"/>
+          </a:p>
+        </p:txBody>
+      </p:sp>
+    </p:spTree>
+    <p:extLst>
+      <p:ext uri="{BB962C8B-B14F-4D97-AF65-F5344CB8AC3E}">
+        <p14:creationId xmlns:p14="http://schemas.microsoft.com/office/powerpoint/2010/main" val="3387558725"/>
+      </p:ext>
+    </p:extLst>
+  </p:cSld>
+  <p:clrMapOvr>
+    <a:masterClrMapping/>
+  </p:clrMapOvr>
+  <p:transition xmlns:p14="http://schemas.microsoft.com/office/powerpoint/2010/main" spd="slow">
+    <p:fade thruBlk="1"/>
+  </p:transition>
+  <p:timing>
+    <p:tnLst>
+      <p:par>
+        <p:cTn xmlns:p14="http://schemas.microsoft.com/office/powerpoint/2010/main" id="1" dur="indefinite" restart="never" nodeType="tmRoot">
+          <p:childTnLst>
+            <p:seq concurrent="1" nextAc="seek">
+              <p:cTn id="2" dur="indefinite" nodeType="mainSeq">
+                <p:childTnLst>
+                  <p:par>
+                    <p:cTn id="3" fill="hold">
+                      <p:stCondLst>
+                        <p:cond delay="indefinite"/>
+                      </p:stCondLst>
+                      <p:childTnLst>
+                        <p:par>
+                          <p:cTn id="4" fill="hold">
+                            <p:stCondLst>
+                              <p:cond delay="0"/>
+                            </p:stCondLst>
+                            <p:childTnLst>
+                              <p:par>
+                                <p:cTn id="5" presetID="9" presetClass="entr" presetSubtype="0" fill="hold" grpId="0" nodeType="clickEffect">
+                                  <p:stCondLst>
+                                    <p:cond delay="0"/>
+                                  </p:stCondLst>
+                                  <p:childTnLst>
+                                    <p:set>
+                                      <p:cBhvr>
+                                        <p:cTn id="6" dur="1" fill="hold">
+                                          <p:stCondLst>
+                                            <p:cond delay="0"/>
+                                          </p:stCondLst>
+                                        </p:cTn>
+                                        <p:tgtEl>
+                                          <p:spTgt spid="50179"/>
+                                        </p:tgtEl>
+                                        <p:attrNameLst>
+                                          <p:attrName>style.visibility</p:attrName>
+                                        </p:attrNameLst>
+                                      </p:cBhvr>
+                                      <p:to>
+                                        <p:strVal val="visible"/>
+                                      </p:to>
+                                    </p:set>
+                                    <p:animEffect transition="in" filter="dissolve">
+                                      <p:cBhvr>
+                                        <p:cTn id="7" dur="500"/>
+                                        <p:tgtEl>
+                                          <p:spTgt spid="50179"/>
+                                        </p:tgtEl>
+                                      </p:cBhvr>
+                                    </p:animEffect>
+                                  </p:childTnLst>
+                                </p:cTn>
+                              </p:par>
+                            </p:childTnLst>
+                          </p:cTn>
+                        </p:par>
+                      </p:childTnLst>
+                    </p:cTn>
+                  </p:par>
+                  <p:par>
+                    <p:cTn id="8" fill="hold">
+                      <p:stCondLst>
+                        <p:cond delay="indefinite"/>
+                      </p:stCondLst>
+                      <p:childTnLst>
+                        <p:par>
+                          <p:cTn id="9" fill="hold">
+                            <p:stCondLst>
+                              <p:cond delay="0"/>
+                            </p:stCondLst>
+                            <p:childTnLst>
+                              <p:par>
+                                <p:cTn id="10" presetID="26" presetClass="entr" presetSubtype="0" fill="hold" grpId="0" nodeType="clickEffect">
+                                  <p:stCondLst>
+                                    <p:cond delay="0"/>
+                                  </p:stCondLst>
+                                  <p:childTnLst>
+                                    <p:set>
+                                      <p:cBhvr>
+                                        <p:cTn id="11" dur="1" fill="hold">
+                                          <p:stCondLst>
+                                            <p:cond delay="0"/>
+                                          </p:stCondLst>
+                                        </p:cTn>
+                                        <p:tgtEl>
+                                          <p:spTgt spid="425990"/>
+                                        </p:tgtEl>
+                                        <p:attrNameLst>
+                                          <p:attrName>style.visibility</p:attrName>
+                                        </p:attrNameLst>
+                                      </p:cBhvr>
+                                      <p:to>
+                                        <p:strVal val="visible"/>
+                                      </p:to>
+                                    </p:set>
+                                    <p:animEffect transition="in" filter="wipe(down)">
+                                      <p:cBhvr>
+                                        <p:cTn id="12" dur="290">
+                                          <p:stCondLst>
+                                            <p:cond delay="0"/>
+                                          </p:stCondLst>
+                                        </p:cTn>
+                                        <p:tgtEl>
+                                          <p:spTgt spid="425990"/>
+                                        </p:tgtEl>
+                                      </p:cBhvr>
+                                    </p:animEffect>
+                                    <p:anim calcmode="lin" valueType="num">
+                                      <p:cBhvr>
+                                        <p:cTn id="13" dur="911" tmFilter="0,0; 0.14,0.36; 0.43,0.73; 0.71,0.91; 1.0,1.0">
+                                          <p:stCondLst>
+                                            <p:cond delay="0"/>
+                                          </p:stCondLst>
+                                        </p:cTn>
+                                        <p:tgtEl>
+                                          <p:spTgt spid="425990"/>
+                                        </p:tgtEl>
+                                        <p:attrNameLst>
+                                          <p:attrName>ppt_x</p:attrName>
+                                        </p:attrNameLst>
+                                      </p:cBhvr>
+                                      <p:tavLst>
+                                        <p:tav tm="0">
+                                          <p:val>
+                                            <p:strVal val="#ppt_x-0.25"/>
+                                          </p:val>
+                                        </p:tav>
+                                        <p:tav tm="100000">
+                                          <p:val>
+                                            <p:strVal val="#ppt_x"/>
+                                          </p:val>
+                                        </p:tav>
+                                      </p:tavLst>
+                                    </p:anim>
+                                    <p:anim calcmode="lin" valueType="num">
+                                      <p:cBhvr>
+                                        <p:cTn id="14" dur="332" tmFilter="0.0,0.0; 0.25,0.07; 0.50,0.2; 0.75,0.467; 1.0,1.0">
+                                          <p:stCondLst>
+                                            <p:cond delay="0"/>
+                                          </p:stCondLst>
+                                        </p:cTn>
+                                        <p:tgtEl>
+                                          <p:spTgt spid="425990"/>
+                                        </p:tgtEl>
+                                        <p:attrNameLst>
+                                          <p:attrName>ppt_y</p:attrName>
+                                        </p:attrNameLst>
+                                      </p:cBhvr>
+                                      <p:tavLst>
+                                        <p:tav tm="0" fmla="#ppt_y-sin(pi*$)/3">
+                                          <p:val>
+                                            <p:fltVal val="0.5"/>
+                                          </p:val>
+                                        </p:tav>
+                                        <p:tav tm="100000">
+                                          <p:val>
+                                            <p:fltVal val="1"/>
+                                          </p:val>
+                                        </p:tav>
+                                      </p:tavLst>
+                                    </p:anim>
+                                    <p:anim calcmode="lin" valueType="num">
+                                      <p:cBhvr>
+                                        <p:cTn id="15" dur="332" tmFilter="0, 0; 0.125,0.2665; 0.25,0.4; 0.375,0.465; 0.5,0.5;  0.625,0.535; 0.75,0.6; 0.875,0.7335; 1,1">
+                                          <p:stCondLst>
+                                            <p:cond delay="332"/>
+                                          </p:stCondLst>
+                                        </p:cTn>
+                                        <p:tgtEl>
+                                          <p:spTgt spid="425990"/>
+                                        </p:tgtEl>
+                                        <p:attrNameLst>
+                                          <p:attrName>ppt_y</p:attrName>
+                                        </p:attrNameLst>
+                                      </p:cBhvr>
+                                      <p:tavLst>
+                                        <p:tav tm="0" fmla="#ppt_y-sin(pi*$)/9">
+                                          <p:val>
+                                            <p:fltVal val="0"/>
+                                          </p:val>
+                                        </p:tav>
+                                        <p:tav tm="100000">
+                                          <p:val>
+                                            <p:fltVal val="1"/>
+                                          </p:val>
+                                        </p:tav>
+                                      </p:tavLst>
+                                    </p:anim>
+                                    <p:anim calcmode="lin" valueType="num">
+                                      <p:cBhvr>
+                                        <p:cTn id="16" dur="166" tmFilter="0, 0; 0.125,0.2665; 0.25,0.4; 0.375,0.465; 0.5,0.5;  0.625,0.535; 0.75,0.6; 0.875,0.7335; 1,1">
+                                          <p:stCondLst>
+                                            <p:cond delay="662"/>
+                                          </p:stCondLst>
+                                        </p:cTn>
+                                        <p:tgtEl>
+                                          <p:spTgt spid="425990"/>
+                                        </p:tgtEl>
+                                        <p:attrNameLst>
+                                          <p:attrName>ppt_y</p:attrName>
+                                        </p:attrNameLst>
+                                      </p:cBhvr>
+                                      <p:tavLst>
+                                        <p:tav tm="0" fmla="#ppt_y-sin(pi*$)/27">
+                                          <p:val>
+                                            <p:fltVal val="0"/>
+                                          </p:val>
+                                        </p:tav>
+                                        <p:tav tm="100000">
+                                          <p:val>
+                                            <p:fltVal val="1"/>
+                                          </p:val>
+                                        </p:tav>
+                                      </p:tavLst>
+                                    </p:anim>
+                                    <p:anim calcmode="lin" valueType="num">
+                                      <p:cBhvr>
+                                        <p:cTn id="17" dur="82" tmFilter="0, 0; 0.125,0.2665; 0.25,0.4; 0.375,0.465; 0.5,0.5;  0.625,0.535; 0.75,0.6; 0.875,0.7335; 1,1">
+                                          <p:stCondLst>
+                                            <p:cond delay="828"/>
+                                          </p:stCondLst>
+                                        </p:cTn>
+                                        <p:tgtEl>
+                                          <p:spTgt spid="425990"/>
+                                        </p:tgtEl>
+                                        <p:attrNameLst>
+                                          <p:attrName>ppt_y</p:attrName>
+                                        </p:attrNameLst>
+                                      </p:cBhvr>
+                                      <p:tavLst>
+                                        <p:tav tm="0" fmla="#ppt_y-sin(pi*$)/81">
+                                          <p:val>
+                                            <p:fltVal val="0"/>
+                                          </p:val>
+                                        </p:tav>
+                                        <p:tav tm="100000">
+                                          <p:val>
+                                            <p:fltVal val="1"/>
+                                          </p:val>
+                                        </p:tav>
+                                      </p:tavLst>
+                                    </p:anim>
+                                    <p:animScale>
+                                      <p:cBhvr>
+                                        <p:cTn id="18" dur="13">
+                                          <p:stCondLst>
+                                            <p:cond delay="325"/>
+                                          </p:stCondLst>
+                                        </p:cTn>
+                                        <p:tgtEl>
+                                          <p:spTgt spid="425990"/>
+                                        </p:tgtEl>
+                                      </p:cBhvr>
+                                      <p:to x="100000" y="60000"/>
+                                    </p:animScale>
+                                    <p:animScale>
+                                      <p:cBhvr>
+                                        <p:cTn id="19" dur="83" decel="50000">
+                                          <p:stCondLst>
+                                            <p:cond delay="338"/>
+                                          </p:stCondLst>
+                                        </p:cTn>
+                                        <p:tgtEl>
+                                          <p:spTgt spid="425990"/>
+                                        </p:tgtEl>
+                                      </p:cBhvr>
+                                      <p:to x="100000" y="100000"/>
+                                    </p:animScale>
+                                    <p:animScale>
+                                      <p:cBhvr>
+                                        <p:cTn id="20" dur="13">
+                                          <p:stCondLst>
+                                            <p:cond delay="656"/>
+                                          </p:stCondLst>
+                                        </p:cTn>
+                                        <p:tgtEl>
+                                          <p:spTgt spid="425990"/>
+                                        </p:tgtEl>
+                                      </p:cBhvr>
+                                      <p:to x="100000" y="80000"/>
+                                    </p:animScale>
+                                    <p:animScale>
+                                      <p:cBhvr>
+                                        <p:cTn id="21" dur="83" decel="50000">
+                                          <p:stCondLst>
+                                            <p:cond delay="669"/>
+                                          </p:stCondLst>
+                                        </p:cTn>
+                                        <p:tgtEl>
+                                          <p:spTgt spid="425990"/>
+                                        </p:tgtEl>
+                                      </p:cBhvr>
+                                      <p:to x="100000" y="100000"/>
+                                    </p:animScale>
+                                    <p:animScale>
+                                      <p:cBhvr>
+                                        <p:cTn id="22" dur="13">
+                                          <p:stCondLst>
+                                            <p:cond delay="821"/>
+                                          </p:stCondLst>
+                                        </p:cTn>
+                                        <p:tgtEl>
+                                          <p:spTgt spid="425990"/>
+                                        </p:tgtEl>
+                                      </p:cBhvr>
+                                      <p:to x="100000" y="90000"/>
+                                    </p:animScale>
+                                    <p:animScale>
+                                      <p:cBhvr>
+                                        <p:cTn id="23" dur="83" decel="50000">
+                                          <p:stCondLst>
+                                            <p:cond delay="834"/>
+                                          </p:stCondLst>
+                                        </p:cTn>
+                                        <p:tgtEl>
+                                          <p:spTgt spid="425990"/>
+                                        </p:tgtEl>
+                                      </p:cBhvr>
+                                      <p:to x="100000" y="100000"/>
+                                    </p:animScale>
+                                    <p:animScale>
+                                      <p:cBhvr>
+                                        <p:cTn id="24" dur="13">
+                                          <p:stCondLst>
+                                            <p:cond delay="904"/>
+                                          </p:stCondLst>
+                                        </p:cTn>
+                                        <p:tgtEl>
+                                          <p:spTgt spid="425990"/>
+                                        </p:tgtEl>
+                                      </p:cBhvr>
+                                      <p:to x="100000" y="95000"/>
+                                    </p:animScale>
+                                    <p:animScale>
+                                      <p:cBhvr>
+                                        <p:cTn id="25" dur="83" decel="50000">
+                                          <p:stCondLst>
+                                            <p:cond delay="917"/>
+                                          </p:stCondLst>
+                                        </p:cTn>
+                                        <p:tgtEl>
+                                          <p:spTgt spid="425990"/>
+                                        </p:tgtEl>
+                                      </p:cBhvr>
+                                      <p:to x="100000" y="100000"/>
+                                    </p:animScale>
+                                  </p:childTnLst>
+                                </p:cTn>
+                              </p:par>
+                            </p:childTnLst>
+                          </p:cTn>
+                        </p:par>
+                      </p:childTnLst>
+                    </p:cTn>
+                  </p:par>
+                </p:childTnLst>
+              </p:cTn>
+              <p:prevCondLst>
+                <p:cond evt="onPrev" delay="0">
+                  <p:tgtEl>
+                    <p:sldTgt/>
+                  </p:tgtEl>
+                </p:cond>
+              </p:prevCondLst>
+              <p:nextCondLst>
+                <p:cond evt="onNext" delay="0">
+                  <p:tgtEl>
+                    <p:sldTgt/>
+                  </p:tgtEl>
+                </p:cond>
+              </p:nextCondLst>
+            </p:seq>
+          </p:childTnLst>
+        </p:cTn>
+      </p:par>
+    </p:tnLst>
+    <p:bldLst>
+      <p:bldP spid="50179" grpId="0"/>
+      <p:bldP spid="425990" grpId="0" autoUpdateAnimBg="0"/>
+    </p:bldLst>
+  </p:timing>
+</p:sld>
+</file>
+
+<file path=ppt/slides/slide3.xml><?xml version="1.0" encoding="utf-8"?>
+<p:sld xmlns:a="http://schemas.openxmlformats.org/drawingml/2006/main" xmlns:r="http://schemas.openxmlformats.org/officeDocument/2006/relationships" xmlns:p="http://schemas.openxmlformats.org/presentationml/2006/main">
+  <p:cSld>
+    <p:spTree>
+      <p:nvGrpSpPr>
+        <p:cNvPr id="1" name=""/>
+        <p:cNvGrpSpPr/>
+        <p:nvPr/>
+      </p:nvGrpSpPr>
+      <p:grpSpPr>
+        <a:xfrm>
+          <a:off x="0" y="0"/>
+          <a:ext cx="0" cy="0"/>
+          <a:chOff x="0" y="0"/>
+          <a:chExt cx="0" cy="0"/>
+        </a:xfrm>
+      </p:grpSpPr>
+      <p:sp>
+        <p:nvSpPr>
+          <p:cNvPr id="51202" name="Rectangle 2"/>
+          <p:cNvSpPr>
+            <a:spLocks noGrp="1" noChangeArrowheads="1"/>
+          </p:cNvSpPr>
+          <p:nvPr>
+            <p:ph type="title"/>
+          </p:nvPr>
+        </p:nvSpPr>
+        <p:spPr>
+          <a:xfrm>
+            <a:off x="2617788" y="0"/>
+            <a:ext cx="3929062" cy="1047750"/>
+          </a:xfrm>
+        </p:spPr>
+        <p:txBody>
+          <a:bodyPr/>
+          <a:lstStyle/>
+          <a:p>
+            <a:pPr eaLnBrk="1" hangingPunct="1"/>
+            <a:r>
+              <a:rPr lang="en-US" sz="4400" smtClean="0"/>
+              <a:t>Boy</a:t>
+            </a:r>
+            <a:r>
+              <a:rPr lang="en-US" sz="4400" smtClean="0">
+                <a:solidFill>
+                  <a:srgbClr val="008000"/>
+                </a:solidFill>
+              </a:rPr>
+              <a:t> Optimal</a:t>
+            </a:r>
+          </a:p>
+        </p:txBody>
+      </p:sp>
+      <p:sp>
+        <p:nvSpPr>
+          <p:cNvPr id="51203" name="Text Box 3"/>
+          <p:cNvSpPr txBox="1">
+            <a:spLocks noChangeArrowheads="1"/>
+          </p:cNvSpPr>
+          <p:nvPr/>
+        </p:nvSpPr>
+        <p:spPr bwMode="auto">
+          <a:xfrm>
+            <a:off x="487363" y="1552575"/>
+            <a:ext cx="8205787" cy="3970318"/>
+          </a:xfrm>
+          <a:prstGeom prst="rect">
+            <a:avLst/>
+          </a:prstGeom>
+          <a:noFill/>
+          <a:ln w="9525">
+            <a:noFill/>
+            <a:miter lim="800000"/>
+            <a:headEnd/>
+            <a:tailEnd type="none" w="lg" len="lg"/>
+          </a:ln>
+        </p:spPr>
+        <p:txBody>
+          <a:bodyPr>
+            <a:spAutoFit/>
+          </a:bodyPr>
+          <a:lstStyle/>
+          <a:p>
+            <a:pPr>
+              <a:buNone/>
+            </a:pPr>
+            <a:r>
+              <a:rPr lang="en-US" sz="6000" dirty="0">
+                <a:latin typeface="Comic Sans MS" pitchFamily="66" charset="0"/>
+              </a:rPr>
+              <a:t>Mating Ritual is </a:t>
+            </a:r>
+            <a:r>
+              <a:rPr lang="en-US" sz="6000" dirty="0">
+                <a:solidFill>
+                  <a:srgbClr val="008000"/>
+                </a:solidFill>
+                <a:latin typeface="Comic Sans MS" pitchFamily="66" charset="0"/>
+              </a:rPr>
+              <a:t>Optimal</a:t>
+            </a:r>
+            <a:r>
+              <a:rPr lang="en-US" sz="6000" dirty="0">
+                <a:latin typeface="Comic Sans MS" pitchFamily="66" charset="0"/>
+              </a:rPr>
+              <a:t> for all </a:t>
+            </a:r>
+            <a:r>
+              <a:rPr lang="en-US" sz="6000" dirty="0" smtClean="0">
+                <a:latin typeface="Comic Sans MS" pitchFamily="66" charset="0"/>
+              </a:rPr>
+              <a:t>boys </a:t>
+            </a:r>
+            <a:r>
+              <a:rPr lang="en-US" sz="6000" dirty="0">
+                <a:latin typeface="Comic Sans MS" pitchFamily="66" charset="0"/>
+              </a:rPr>
+              <a:t>at once.</a:t>
+            </a:r>
+          </a:p>
+          <a:p>
+            <a:pPr>
+              <a:buNone/>
+            </a:pPr>
+            <a:r>
+              <a:rPr lang="en-US" sz="6000" dirty="0" err="1">
+                <a:solidFill>
+                  <a:schemeClr val="hlink"/>
+                </a:solidFill>
+                <a:latin typeface="Comic Sans MS" pitchFamily="66" charset="0"/>
+              </a:rPr>
+              <a:t>Pessimal</a:t>
+            </a:r>
+            <a:r>
+              <a:rPr lang="en-US" sz="6000" dirty="0">
+                <a:latin typeface="Comic Sans MS" pitchFamily="66" charset="0"/>
+              </a:rPr>
+              <a:t> for all </a:t>
+            </a:r>
+            <a:r>
+              <a:rPr lang="en-US" sz="6000" dirty="0" smtClean="0">
+                <a:latin typeface="Comic Sans MS" pitchFamily="66" charset="0"/>
+              </a:rPr>
+              <a:t>girls.</a:t>
+            </a:r>
+            <a:endParaRPr lang="en-US" sz="6000" dirty="0">
+              <a:latin typeface="Comic Sans MS" pitchFamily="66" charset="0"/>
+            </a:endParaRPr>
+          </a:p>
+        </p:txBody>
+      </p:sp>
+      <p:sp>
+        <p:nvSpPr>
+          <p:cNvPr id="51204" name="Slide Number Placeholder 1"/>
+          <p:cNvSpPr>
+            <a:spLocks noGrp="1"/>
+          </p:cNvSpPr>
+          <p:nvPr>
+            <p:ph type="sldNum" sz="quarter" idx="10"/>
+          </p:nvPr>
+        </p:nvSpPr>
+        <p:spPr>
+          <a:noFill/>
+        </p:spPr>
+        <p:txBody>
+          <a:bodyPr/>
+          <a:lstStyle/>
+          <a:p>
+            <a:r>
+              <a:rPr lang="en-US" dirty="0" err="1" smtClean="0"/>
+              <a:t>lec</a:t>
+            </a:r>
+            <a:r>
+              <a:rPr lang="en-US" dirty="0" smtClean="0"/>
+              <a:t> 7F.</a:t>
+            </a:r>
+            <a:fld id="{98E15869-363D-4A6A-9DE4-BB4AE5BA2C11}" type="slidenum">
+              <a:rPr lang="en-US" smtClean="0"/>
+              <a:pPr/>
+              <a:t>3</a:t>
+            </a:fld>
+            <a:endParaRPr lang="en-US" dirty="0" smtClean="0"/>
+          </a:p>
+        </p:txBody>
+      </p:sp>
+    </p:spTree>
+    <p:extLst>
+      <p:ext uri="{BB962C8B-B14F-4D97-AF65-F5344CB8AC3E}">
+        <p14:creationId xmlns:p14="http://schemas.microsoft.com/office/powerpoint/2010/main" val="1142436693"/>
+      </p:ext>
+    </p:extLst>
+  </p:cSld>
+  <p:clrMapOvr>
+    <a:masterClrMapping/>
+  </p:clrMapOvr>
+  <p:transition xmlns:p14="http://schemas.microsoft.com/office/powerpoint/2010/main" spd="slow">
+    <p:fade thruBlk="1"/>
+  </p:transition>
+  <p:timing>
+    <p:tnLst>
+      <p:par>
+        <p:cTn xmlns:p14="http://schemas.microsoft.com/office/powerpoint/2010/main" id="1" dur="indefinite" restart="never" nodeType="tmRoot">
+          <p:childTnLst>
+            <p:seq concurrent="1" nextAc="seek">
+              <p:cTn id="2" dur="indefinite" nodeType="mainSeq">
+                <p:childTnLst>
+                  <p:par>
+                    <p:cTn id="3" fill="hold">
+                      <p:stCondLst>
+                        <p:cond delay="indefinite"/>
+                      </p:stCondLst>
+                      <p:childTnLst>
+                        <p:par>
+                          <p:cTn id="4" fill="hold">
+                            <p:stCondLst>
+                              <p:cond delay="0"/>
+                            </p:stCondLst>
+                            <p:childTnLst>
+                              <p:par>
+                                <p:cTn id="5" presetID="9" presetClass="entr" presetSubtype="0" fill="hold" nodeType="clickEffect">
+                                  <p:stCondLst>
+                                    <p:cond delay="0"/>
+                                  </p:stCondLst>
+                                  <p:childTnLst>
+                                    <p:set>
+                                      <p:cBhvr>
+                                        <p:cTn id="6" dur="1" fill="hold">
+                                          <p:stCondLst>
+                                            <p:cond delay="0"/>
+                                          </p:stCondLst>
+                                        </p:cTn>
+                                        <p:tgtEl>
+                                          <p:spTgt spid="51203">
+                                            <p:txEl>
+                                              <p:pRg st="1" end="1"/>
+                                            </p:txEl>
+                                          </p:spTgt>
+                                        </p:tgtEl>
+                                        <p:attrNameLst>
+                                          <p:attrName>style.visibility</p:attrName>
+                                        </p:attrNameLst>
+                                      </p:cBhvr>
+                                      <p:to>
+                                        <p:strVal val="visible"/>
+                                      </p:to>
+                                    </p:set>
+                                    <p:animEffect transition="in" filter="dissolve">
+                                      <p:cBhvr>
+                                        <p:cTn id="7" dur="500"/>
+                                        <p:tgtEl>
+                                          <p:spTgt spid="51203">
+                                            <p:txEl>
+                                              <p:pRg st="1" end="1"/>
+                                            </p:txEl>
+                                          </p:spTgt>
+                                        </p:tgtEl>
+                                      </p:cBhvr>
+                                    </p:animEffect>
+                                  </p:childTnLst>
+                                </p:cTn>
+                              </p:par>
+                            </p:childTnLst>
+                          </p:cTn>
+                        </p:par>
+                      </p:childTnLst>
+                    </p:cTn>
+                  </p:par>
+                </p:childTnLst>
+              </p:cTn>
+              <p:prevCondLst>
+                <p:cond evt="onPrev" delay="0">
+                  <p:tgtEl>
+                    <p:sldTgt/>
+                  </p:tgtEl>
+                </p:cond>
+              </p:prevCondLst>
+              <p:nextCondLst>
+                <p:cond evt="onNext" delay="0">
+                  <p:tgtEl>
+                    <p:sldTgt/>
+                  </p:tgtEl>
+                </p:cond>
+              </p:nextCondLst>
+            </p:seq>
+          </p:childTnLst>
+        </p:cTn>
+      </p:par>
+    </p:tnLst>
+  </p:timing>
+</p:sld>
+</file>
+
+<file path=ppt/slides/slide4.xml><?xml version="1.0" encoding="utf-8"?>
+<p:sld xmlns:a="http://schemas.openxmlformats.org/drawingml/2006/main" xmlns:r="http://schemas.openxmlformats.org/officeDocument/2006/relationships" xmlns:p="http://schemas.openxmlformats.org/presentationml/2006/main">
+  <p:cSld>
+    <p:spTree>
+      <p:nvGrpSpPr>
+        <p:cNvPr id="1" name=""/>
+        <p:cNvGrpSpPr/>
+        <p:nvPr/>
+      </p:nvGrpSpPr>
+      <p:grpSpPr>
+        <a:xfrm>
+          <a:off x="0" y="0"/>
+          <a:ext cx="0" cy="0"/>
+          <a:chOff x="0" y="0"/>
+          <a:chExt cx="0" cy="0"/>
+        </a:xfrm>
+      </p:grpSpPr>
+      <p:sp>
+        <p:nvSpPr>
+          <p:cNvPr id="51202" name="Rectangle 2"/>
+          <p:cNvSpPr>
+            <a:spLocks noGrp="1" noChangeArrowheads="1"/>
+          </p:cNvSpPr>
+          <p:nvPr>
+            <p:ph type="title"/>
+          </p:nvPr>
+        </p:nvSpPr>
+        <p:spPr>
+          <a:xfrm>
+            <a:off x="2617788" y="0"/>
+            <a:ext cx="3929062" cy="1047750"/>
+          </a:xfrm>
+        </p:spPr>
+        <p:txBody>
+          <a:bodyPr/>
+          <a:lstStyle/>
+          <a:p>
+            <a:pPr eaLnBrk="1" hangingPunct="1"/>
+            <a:r>
+              <a:rPr lang="en-US" sz="4400" smtClean="0"/>
+              <a:t>Boy</a:t>
+            </a:r>
+            <a:r>
+              <a:rPr lang="en-US" sz="4400" smtClean="0">
+                <a:solidFill>
+                  <a:srgbClr val="008000"/>
+                </a:solidFill>
+              </a:rPr>
+              <a:t> Optimal</a:t>
+            </a:r>
+          </a:p>
+        </p:txBody>
+      </p:sp>
+      <p:sp>
+        <p:nvSpPr>
+          <p:cNvPr id="51203" name="Text Box 3"/>
+          <p:cNvSpPr txBox="1">
+            <a:spLocks noChangeArrowheads="1"/>
+          </p:cNvSpPr>
+          <p:nvPr/>
+        </p:nvSpPr>
+        <p:spPr bwMode="auto">
+          <a:xfrm>
+            <a:off x="487363" y="1552575"/>
+            <a:ext cx="8205787" cy="3785652"/>
+          </a:xfrm>
+          <a:prstGeom prst="rect">
+            <a:avLst/>
+          </a:prstGeom>
+          <a:noFill/>
+          <a:ln w="9525">
+            <a:noFill/>
+            <a:miter lim="800000"/>
+            <a:headEnd/>
+            <a:tailEnd type="none" w="lg" len="lg"/>
+          </a:ln>
+        </p:spPr>
+        <p:txBody>
+          <a:bodyPr>
+            <a:spAutoFit/>
+          </a:bodyPr>
+          <a:lstStyle/>
+          <a:p>
+            <a:pPr>
+              <a:buNone/>
+            </a:pPr>
+            <a:r>
+              <a:rPr lang="en-US" sz="6000" dirty="0" smtClean="0">
+                <a:latin typeface="Comic Sans MS" pitchFamily="66" charset="0"/>
+              </a:rPr>
+              <a:t>Nicole is </a:t>
+            </a:r>
+            <a:r>
+              <a:rPr lang="en-US" sz="6000" dirty="0" smtClean="0">
+                <a:solidFill>
+                  <a:srgbClr val="9F009F"/>
+                </a:solidFill>
+              </a:rPr>
+              <a:t>o</a:t>
+            </a:r>
+            <a:r>
+              <a:rPr lang="en-US" sz="6000" dirty="0" smtClean="0">
+                <a:solidFill>
+                  <a:srgbClr val="9F009F"/>
+                </a:solidFill>
+                <a:latin typeface="Comic Sans MS" pitchFamily="66" charset="0"/>
+              </a:rPr>
+              <a:t>ptimal </a:t>
+            </a:r>
+            <a:r>
+              <a:rPr lang="en-US" sz="6000" dirty="0" smtClean="0">
+                <a:latin typeface="Comic Sans MS" pitchFamily="66" charset="0"/>
+              </a:rPr>
+              <a:t>for Keith when she is the highest ranked girl he can stably marry.</a:t>
+            </a:r>
+            <a:endParaRPr lang="en-US" sz="6000" dirty="0">
+              <a:latin typeface="Comic Sans MS" pitchFamily="66" charset="0"/>
+            </a:endParaRPr>
+          </a:p>
+        </p:txBody>
+      </p:sp>
+      <p:sp>
+        <p:nvSpPr>
+          <p:cNvPr id="51204" name="Slide Number Placeholder 1"/>
+          <p:cNvSpPr>
+            <a:spLocks noGrp="1"/>
+          </p:cNvSpPr>
+          <p:nvPr>
+            <p:ph type="sldNum" sz="quarter" idx="10"/>
+          </p:nvPr>
+        </p:nvSpPr>
+        <p:spPr>
+          <a:noFill/>
+        </p:spPr>
+        <p:txBody>
+          <a:bodyPr/>
+          <a:lstStyle/>
+          <a:p>
+            <a:r>
+              <a:rPr lang="en-US" dirty="0" err="1" smtClean="0"/>
+              <a:t>lec</a:t>
+            </a:r>
+            <a:r>
+              <a:rPr lang="en-US" dirty="0" smtClean="0"/>
+              <a:t> 7F.</a:t>
+            </a:r>
+            <a:fld id="{98E15869-363D-4A6A-9DE4-BB4AE5BA2C11}" type="slidenum">
+              <a:rPr lang="en-US" smtClean="0"/>
+              <a:pPr/>
+              <a:t>4</a:t>
+            </a:fld>
+            <a:endParaRPr lang="en-US" dirty="0" smtClean="0"/>
+          </a:p>
+        </p:txBody>
+      </p:sp>
+    </p:spTree>
+    <p:extLst>
+      <p:ext uri="{BB962C8B-B14F-4D97-AF65-F5344CB8AC3E}">
+        <p14:creationId xmlns:p14="http://schemas.microsoft.com/office/powerpoint/2010/main" val="2354024820"/>
+      </p:ext>
+    </p:extLst>
+  </p:cSld>
+  <p:clrMapOvr>
+    <a:masterClrMapping/>
+  </p:clrMapOvr>
+  <p:transition xmlns:p14="http://schemas.microsoft.com/office/powerpoint/2010/main">
+    <p:fade/>
+  </p:transition>
+  <p:timing>
+    <p:tnLst>
+      <p:par>
+        <p:cTn xmlns:p14="http://schemas.microsoft.com/office/powerpoint/2010/main" id="1" dur="indefinite" restart="never" nodeType="tmRoot"/>
+      </p:par>
+    </p:tnLst>
+  </p:timing>
+</p:sld>
+</file>
+
+<file path=ppt/slides/slide5.xml><?xml version="1.0" encoding="utf-8"?>
+<p:sld xmlns:a="http://schemas.openxmlformats.org/drawingml/2006/main" xmlns:r="http://schemas.openxmlformats.org/officeDocument/2006/relationships" xmlns:p="http://schemas.openxmlformats.org/presentationml/2006/main">
+  <p:cSld>
+    <p:spTree>
+      <p:nvGrpSpPr>
+        <p:cNvPr id="1" name=""/>
+        <p:cNvGrpSpPr/>
+        <p:nvPr/>
+      </p:nvGrpSpPr>
+      <p:grpSpPr>
+        <a:xfrm>
+          <a:off x="0" y="0"/>
+          <a:ext cx="0" cy="0"/>
+          <a:chOff x="0" y="0"/>
+          <a:chExt cx="0" cy="0"/>
+        </a:xfrm>
+      </p:grpSpPr>
+      <p:sp>
+        <p:nvSpPr>
+          <p:cNvPr id="52226" name="Content Placeholder 2"/>
+          <p:cNvSpPr>
+            <a:spLocks noGrp="1"/>
+          </p:cNvSpPr>
+          <p:nvPr>
+            <p:ph idx="1"/>
+          </p:nvPr>
+        </p:nvSpPr>
+        <p:spPr>
+          <a:xfrm>
+            <a:off x="105841" y="1102395"/>
+            <a:ext cx="8881608" cy="4691794"/>
+          </a:xfrm>
+        </p:spPr>
+        <p:txBody>
+          <a:bodyPr/>
+          <a:lstStyle/>
+          <a:p>
+            <a:pPr>
+              <a:buFontTx/>
+              <a:buNone/>
+            </a:pPr>
+            <a:r>
+              <a:rPr lang="en-US" sz="4000" dirty="0" smtClean="0"/>
+              <a:t>Prove boy optimal by</a:t>
+            </a:r>
+            <a:r>
+              <a:rPr lang="en-US" sz="4000" dirty="0" smtClean="0">
+                <a:solidFill>
+                  <a:srgbClr val="0000CC"/>
+                </a:solidFill>
+              </a:rPr>
+              <a:t> </a:t>
+            </a:r>
+            <a:r>
+              <a:rPr lang="en-US" sz="4000" dirty="0" smtClean="0">
+                <a:solidFill>
+                  <a:srgbClr val="C00000"/>
+                </a:solidFill>
+              </a:rPr>
+              <a:t>contradiction</a:t>
+            </a:r>
+            <a:r>
+              <a:rPr lang="en-US" sz="4000" dirty="0" smtClean="0"/>
+              <a:t>:</a:t>
+            </a:r>
+          </a:p>
+          <a:p>
+            <a:pPr>
+              <a:buFontTx/>
+              <a:buNone/>
+            </a:pPr>
+            <a:r>
+              <a:rPr lang="en-US" sz="4400" dirty="0" smtClean="0"/>
+              <a:t>Suppose </a:t>
+            </a:r>
+            <a:r>
+              <a:rPr lang="en-US" sz="4400" dirty="0" smtClean="0"/>
+              <a:t>Keith </a:t>
+            </a:r>
+            <a:r>
+              <a:rPr lang="en-US" sz="4400" dirty="0" smtClean="0"/>
+              <a:t>does not </a:t>
+            </a:r>
+            <a:r>
+              <a:rPr lang="en-US" sz="4400" dirty="0" smtClean="0"/>
+              <a:t>marry</a:t>
+            </a:r>
+          </a:p>
+          <a:p>
+            <a:pPr>
+              <a:buFontTx/>
+              <a:buNone/>
+            </a:pPr>
+            <a:r>
+              <a:rPr lang="en-US" sz="4400" dirty="0" smtClean="0"/>
+              <a:t>Nicole</a:t>
+            </a:r>
+            <a:r>
+              <a:rPr lang="en-US" sz="4400" dirty="0" smtClean="0"/>
+              <a:t>.</a:t>
+            </a:r>
+            <a:endParaRPr lang="en-US" sz="4000" dirty="0" smtClean="0"/>
+          </a:p>
+        </p:txBody>
+      </p:sp>
+      <p:sp>
+        <p:nvSpPr>
+          <p:cNvPr id="52227" name="Slide Number Placeholder 3"/>
+          <p:cNvSpPr>
+            <a:spLocks noGrp="1"/>
+          </p:cNvSpPr>
+          <p:nvPr>
+            <p:ph type="sldNum" sz="quarter" idx="10"/>
+          </p:nvPr>
+        </p:nvSpPr>
+        <p:spPr>
+          <a:noFill/>
+        </p:spPr>
+        <p:txBody>
+          <a:bodyPr/>
+          <a:lstStyle/>
+          <a:p>
+            <a:r>
+              <a:rPr lang="en-US" dirty="0" err="1" smtClean="0"/>
+              <a:t>lec</a:t>
+            </a:r>
+            <a:r>
+              <a:rPr lang="en-US" dirty="0" smtClean="0"/>
+              <a:t> 7F.</a:t>
+            </a:r>
+            <a:fld id="{65CBEB4F-F3B6-4041-8D9E-EBDA5BFD33E8}" type="slidenum">
+              <a:rPr lang="en-US" smtClean="0"/>
+              <a:pPr/>
+              <a:t>5</a:t>
+            </a:fld>
+            <a:endParaRPr lang="en-US" dirty="0" smtClean="0"/>
+          </a:p>
+        </p:txBody>
+      </p:sp>
+      <p:sp>
+        <p:nvSpPr>
+          <p:cNvPr id="52228" name="Rectangle 2"/>
+          <p:cNvSpPr>
+            <a:spLocks noGrp="1" noChangeArrowheads="1"/>
+          </p:cNvSpPr>
+          <p:nvPr>
+            <p:ph type="title"/>
+          </p:nvPr>
+        </p:nvSpPr>
+        <p:spPr>
+          <a:xfrm>
+            <a:off x="2617788" y="0"/>
+            <a:ext cx="3929062" cy="1047750"/>
+          </a:xfrm>
+        </p:spPr>
+        <p:txBody>
+          <a:bodyPr/>
+          <a:lstStyle/>
+          <a:p>
+            <a:pPr eaLnBrk="1" hangingPunct="1"/>
+            <a:r>
+              <a:rPr lang="en-US" sz="4400" smtClean="0"/>
+              <a:t>Boy</a:t>
+            </a:r>
+            <a:r>
+              <a:rPr lang="en-US" sz="4400" smtClean="0">
+                <a:solidFill>
+                  <a:srgbClr val="008000"/>
+                </a:solidFill>
+              </a:rPr>
+              <a:t> Optimal</a:t>
+            </a:r>
+          </a:p>
+        </p:txBody>
+      </p:sp>
+    </p:spTree>
+    <p:extLst>
+      <p:ext uri="{BB962C8B-B14F-4D97-AF65-F5344CB8AC3E}">
+        <p14:creationId xmlns:p14="http://schemas.microsoft.com/office/powerpoint/2010/main" val="3698005876"/>
+      </p:ext>
+    </p:extLst>
+  </p:cSld>
+  <p:clrMapOvr>
+    <a:masterClrMapping/>
+  </p:clrMapOvr>
+  <mc:AlternateContent xmlns:mc="http://schemas.openxmlformats.org/markup-compatibility/2006">
+    <mc:Choice xmlns:p14="http://schemas.microsoft.com/office/powerpoint/2010/main" Requires="p14">
+      <p:transition spd="med" p14:dur="700">
+        <p:fade/>
+      </p:transition>
+    </mc:Choice>
+    <mc:Fallback>
+      <p:transition xmlns:p14="http://schemas.microsoft.com/office/powerpoint/2010/main" spd="med">
+        <p:fade/>
+      </p:transition>
+    </mc:Fallback>
+  </mc:AlternateContent>
+  <p:timing>
+    <p:tnLst>
+      <p:par>
+        <p:cTn xmlns:p14="http://schemas.microsoft.com/office/powerpoint/2010/main" id="1" dur="indefinite" restart="never" nodeType="tmRoot">
+          <p:childTnLst>
+            <p:seq concurrent="1" nextAc="seek">
+              <p:cTn id="2" dur="indefinite" nodeType="mainSeq">
+                <p:childTnLst>
+                  <p:par>
+                    <p:cTn id="3" fill="hold">
+                      <p:stCondLst>
+                        <p:cond delay="indefinite"/>
+                      </p:stCondLst>
+                      <p:childTnLst>
+                        <p:par>
+                          <p:cTn id="4" fill="hold">
+                            <p:stCondLst>
+                              <p:cond delay="0"/>
+                            </p:stCondLst>
+                            <p:childTnLst>
+                              <p:par>
+                                <p:cTn id="5" presetID="9" presetClass="entr" presetSubtype="0" fill="hold" grpId="0" nodeType="clickEffect">
+                                  <p:stCondLst>
+                                    <p:cond delay="0"/>
+                                  </p:stCondLst>
+                                  <p:childTnLst>
+                                    <p:set>
+                                      <p:cBhvr>
+                                        <p:cTn id="6" dur="1" fill="hold">
+                                          <p:stCondLst>
+                                            <p:cond delay="0"/>
+                                          </p:stCondLst>
+                                        </p:cTn>
+                                        <p:tgtEl>
+                                          <p:spTgt spid="52226">
+                                            <p:txEl>
+                                              <p:pRg st="1" end="1"/>
+                                            </p:txEl>
+                                          </p:spTgt>
+                                        </p:tgtEl>
+                                        <p:attrNameLst>
+                                          <p:attrName>style.visibility</p:attrName>
+                                        </p:attrNameLst>
+                                      </p:cBhvr>
+                                      <p:to>
+                                        <p:strVal val="visible"/>
+                                      </p:to>
+                                    </p:set>
+                                    <p:animEffect transition="in" filter="dissolve">
+                                      <p:cBhvr>
+                                        <p:cTn id="7" dur="500"/>
+                                        <p:tgtEl>
+                                          <p:spTgt spid="52226">
+                                            <p:txEl>
+                                              <p:pRg st="1" end="1"/>
+                                            </p:txEl>
+                                          </p:spTgt>
+                                        </p:tgtEl>
+                                      </p:cBhvr>
+                                    </p:animEffect>
+                                  </p:childTnLst>
+                                </p:cTn>
+                              </p:par>
+                              <p:par>
+                                <p:cTn id="8" presetID="9" presetClass="entr" presetSubtype="0" fill="hold" grpId="0" nodeType="withEffect">
+                                  <p:stCondLst>
+                                    <p:cond delay="0"/>
+                                  </p:stCondLst>
+                                  <p:childTnLst>
+                                    <p:set>
+                                      <p:cBhvr>
+                                        <p:cTn id="9" dur="1" fill="hold">
+                                          <p:stCondLst>
+                                            <p:cond delay="0"/>
+                                          </p:stCondLst>
+                                        </p:cTn>
+                                        <p:tgtEl>
+                                          <p:spTgt spid="52226">
+                                            <p:txEl>
+                                              <p:pRg st="2" end="2"/>
+                                            </p:txEl>
+                                          </p:spTgt>
+                                        </p:tgtEl>
+                                        <p:attrNameLst>
+                                          <p:attrName>style.visibility</p:attrName>
+                                        </p:attrNameLst>
+                                      </p:cBhvr>
+                                      <p:to>
+                                        <p:strVal val="visible"/>
+                                      </p:to>
+                                    </p:set>
+                                    <p:animEffect transition="in" filter="dissolve">
+                                      <p:cBhvr>
+                                        <p:cTn id="10" dur="500"/>
+                                        <p:tgtEl>
+                                          <p:spTgt spid="52226">
+                                            <p:txEl>
+                                              <p:pRg st="2" end="2"/>
+                                            </p:txEl>
+                                          </p:spTgt>
+                                        </p:tgtEl>
+                                      </p:cBhvr>
+                                    </p:animEffect>
+                                  </p:childTnLst>
+                                </p:cTn>
+                              </p:par>
+                            </p:childTnLst>
+                          </p:cTn>
+                        </p:par>
+                      </p:childTnLst>
+                    </p:cTn>
+                  </p:par>
+                </p:childTnLst>
+              </p:cTn>
+              <p:prevCondLst>
+                <p:cond evt="onPrev" delay="0">
+                  <p:tgtEl>
+                    <p:sldTgt/>
+                  </p:tgtEl>
+                </p:cond>
+              </p:prevCondLst>
+              <p:nextCondLst>
+                <p:cond evt="onNext" delay="0">
+                  <p:tgtEl>
+                    <p:sldTgt/>
+                  </p:tgtEl>
+                </p:cond>
+              </p:nextCondLst>
+            </p:seq>
+          </p:childTnLst>
+        </p:cTn>
+      </p:par>
+    </p:tnLst>
+    <p:bldLst>
+      <p:bldP spid="52226" grpId="0" build="p"/>
+    </p:bldLst>
+  </p:timing>
+</p:sld>
+</file>
+
+<file path=ppt/slides/slide6.xml><?xml version="1.0" encoding="utf-8"?>
+<p:sld xmlns:a="http://schemas.openxmlformats.org/drawingml/2006/main" xmlns:r="http://schemas.openxmlformats.org/officeDocument/2006/relationships" xmlns:p="http://schemas.openxmlformats.org/presentationml/2006/main">
+  <p:cSld>
+    <p:spTree>
+      <p:nvGrpSpPr>
+        <p:cNvPr id="1" name=""/>
+        <p:cNvGrpSpPr/>
+        <p:nvPr/>
+      </p:nvGrpSpPr>
+      <p:grpSpPr>
+        <a:xfrm>
+          <a:off x="0" y="0"/>
+          <a:ext cx="0" cy="0"/>
+          <a:chOff x="0" y="0"/>
+          <a:chExt cx="0" cy="0"/>
+        </a:xfrm>
+      </p:grpSpPr>
+      <p:sp>
+        <p:nvSpPr>
+          <p:cNvPr id="52226" name="Content Placeholder 2"/>
+          <p:cNvSpPr>
+            <a:spLocks noGrp="1"/>
+          </p:cNvSpPr>
+          <p:nvPr>
+            <p:ph idx="1"/>
+          </p:nvPr>
+        </p:nvSpPr>
+        <p:spPr>
+          <a:xfrm>
+            <a:off x="105841" y="1102395"/>
+            <a:ext cx="8881608" cy="4691794"/>
+          </a:xfrm>
+        </p:spPr>
+        <p:txBody>
+          <a:bodyPr/>
+          <a:lstStyle/>
+          <a:p>
+            <a:pPr>
+              <a:buFontTx/>
+              <a:buNone/>
+            </a:pPr>
+            <a:r>
+              <a:rPr lang="en-US" sz="4000" dirty="0" smtClean="0"/>
+              <a:t>Prove boy optimal by</a:t>
+            </a:r>
+            <a:r>
+              <a:rPr lang="en-US" sz="4000" dirty="0" smtClean="0">
+                <a:solidFill>
+                  <a:srgbClr val="0000CC"/>
+                </a:solidFill>
+              </a:rPr>
+              <a:t> </a:t>
+            </a:r>
+            <a:r>
+              <a:rPr lang="en-US" sz="4000" dirty="0" smtClean="0">
+                <a:solidFill>
+                  <a:srgbClr val="C00000"/>
+                </a:solidFill>
+              </a:rPr>
+              <a:t>contradiction</a:t>
+            </a:r>
+            <a:r>
+              <a:rPr lang="en-US" sz="4000" dirty="0" smtClean="0"/>
+              <a:t>:</a:t>
+            </a:r>
+          </a:p>
+          <a:p>
+            <a:pPr>
+              <a:buFontTx/>
+              <a:buNone/>
+            </a:pPr>
+            <a:r>
+              <a:rPr lang="en-US" sz="4400" dirty="0" smtClean="0"/>
+              <a:t>Suppose </a:t>
+            </a:r>
+            <a:r>
+              <a:rPr lang="en-US" sz="4400" dirty="0" smtClean="0"/>
+              <a:t>Keith </a:t>
+            </a:r>
+            <a:r>
+              <a:rPr lang="en-US" sz="4400" dirty="0" smtClean="0"/>
+              <a:t>does not </a:t>
+            </a:r>
+            <a:r>
+              <a:rPr lang="en-US" sz="4400" dirty="0" smtClean="0"/>
+              <a:t>marry</a:t>
+            </a:r>
+          </a:p>
+          <a:p>
+            <a:pPr>
+              <a:buFontTx/>
+              <a:buNone/>
+            </a:pPr>
+            <a:r>
+              <a:rPr lang="en-US" sz="4400" dirty="0" smtClean="0"/>
+              <a:t>Nicole</a:t>
+            </a:r>
+            <a:r>
+              <a:rPr lang="en-US" sz="4400" dirty="0" smtClean="0"/>
+              <a:t>.  </a:t>
+            </a:r>
+            <a:r>
+              <a:rPr lang="en-US" sz="4400" dirty="0" smtClean="0"/>
+              <a:t>So he must have </a:t>
+            </a:r>
+            <a:r>
+              <a:rPr lang="en-US" sz="4400" dirty="0" smtClean="0"/>
+              <a:t>crossed </a:t>
+            </a:r>
+          </a:p>
+          <a:p>
+            <a:pPr>
+              <a:buFontTx/>
+              <a:buNone/>
+            </a:pPr>
+            <a:r>
+              <a:rPr lang="en-US" sz="4400" dirty="0" smtClean="0"/>
+              <a:t>off Nicole </a:t>
+            </a:r>
+            <a:r>
+              <a:rPr lang="en-US" sz="4400" dirty="0" smtClean="0"/>
+              <a:t>on </a:t>
+            </a:r>
+            <a:r>
+              <a:rPr lang="en-US" sz="4400" dirty="0" smtClean="0"/>
+              <a:t>some earlier  </a:t>
+            </a:r>
+            <a:r>
+              <a:rPr lang="en-US" sz="4400" dirty="0" smtClean="0"/>
+              <a:t>“bad” </a:t>
+            </a:r>
+            <a:endParaRPr lang="en-US" sz="4400" dirty="0" smtClean="0"/>
+          </a:p>
+          <a:p>
+            <a:pPr>
+              <a:buFontTx/>
+              <a:buNone/>
+            </a:pPr>
+            <a:r>
+              <a:rPr lang="en-US" sz="4400" dirty="0" smtClean="0"/>
+              <a:t>day.</a:t>
+            </a:r>
+            <a:endParaRPr lang="en-US" sz="4000" dirty="0" smtClean="0"/>
+          </a:p>
+        </p:txBody>
+      </p:sp>
+      <p:sp>
+        <p:nvSpPr>
+          <p:cNvPr id="52227" name="Slide Number Placeholder 3"/>
+          <p:cNvSpPr>
+            <a:spLocks noGrp="1"/>
+          </p:cNvSpPr>
+          <p:nvPr>
+            <p:ph type="sldNum" sz="quarter" idx="10"/>
+          </p:nvPr>
+        </p:nvSpPr>
+        <p:spPr>
+          <a:noFill/>
+        </p:spPr>
+        <p:txBody>
+          <a:bodyPr/>
+          <a:lstStyle/>
+          <a:p>
+            <a:r>
+              <a:rPr lang="en-US" dirty="0" err="1" smtClean="0"/>
+              <a:t>lec</a:t>
+            </a:r>
+            <a:r>
+              <a:rPr lang="en-US" dirty="0" smtClean="0"/>
+              <a:t> 7F.</a:t>
+            </a:r>
+            <a:fld id="{65CBEB4F-F3B6-4041-8D9E-EBDA5BFD33E8}" type="slidenum">
+              <a:rPr lang="en-US" smtClean="0"/>
+              <a:pPr/>
+              <a:t>6</a:t>
+            </a:fld>
+            <a:endParaRPr lang="en-US" dirty="0" smtClean="0"/>
+          </a:p>
+        </p:txBody>
+      </p:sp>
+      <p:sp>
+        <p:nvSpPr>
+          <p:cNvPr id="52228" name="Rectangle 2"/>
+          <p:cNvSpPr>
+            <a:spLocks noGrp="1" noChangeArrowheads="1"/>
+          </p:cNvSpPr>
+          <p:nvPr>
+            <p:ph type="title"/>
+          </p:nvPr>
+        </p:nvSpPr>
+        <p:spPr>
+          <a:xfrm>
+            <a:off x="2617788" y="0"/>
+            <a:ext cx="3929062" cy="1047750"/>
+          </a:xfrm>
+        </p:spPr>
+        <p:txBody>
+          <a:bodyPr/>
+          <a:lstStyle/>
+          <a:p>
+            <a:pPr eaLnBrk="1" hangingPunct="1"/>
+            <a:r>
+              <a:rPr lang="en-US" sz="4400" smtClean="0"/>
+              <a:t>Boy</a:t>
+            </a:r>
+            <a:r>
+              <a:rPr lang="en-US" sz="4400" smtClean="0">
+                <a:solidFill>
+                  <a:srgbClr val="008000"/>
+                </a:solidFill>
+              </a:rPr>
+              <a:t> Optimal</a:t>
+            </a:r>
+          </a:p>
+        </p:txBody>
+      </p:sp>
+    </p:spTree>
+    <p:extLst>
+      <p:ext uri="{BB962C8B-B14F-4D97-AF65-F5344CB8AC3E}">
+        <p14:creationId xmlns:p14="http://schemas.microsoft.com/office/powerpoint/2010/main" val="25955898"/>
+      </p:ext>
+    </p:extLst>
+  </p:cSld>
+  <p:clrMapOvr>
+    <a:masterClrMapping/>
+  </p:clrMapOvr>
+  <mc:AlternateContent xmlns:mc="http://schemas.openxmlformats.org/markup-compatibility/2006">
+    <mc:Choice xmlns:p14="http://schemas.microsoft.com/office/powerpoint/2010/main" Requires="p14">
+      <p:transition spd="med" p14:dur="700">
+        <p:fade/>
+      </p:transition>
+    </mc:Choice>
+    <mc:Fallback>
+      <p:transition xmlns:p14="http://schemas.microsoft.com/office/powerpoint/2010/main" spd="med">
+        <p:fade/>
+      </p:transition>
+    </mc:Fallback>
+  </mc:AlternateContent>
+  <p:timing>
+    <p:tnLst>
+      <p:par>
+        <p:cTn xmlns:p14="http://schemas.microsoft.com/office/powerpoint/2010/main" id="1" dur="indefinite" restart="never" nodeType="tmRoot"/>
+      </p:par>
+    </p:tnLst>
+  </p:timing>
+</p:sld>
+</file>
+
+<file path=ppt/slides/slide7.xml><?xml version="1.0" encoding="utf-8"?>
+<p:sld xmlns:a="http://schemas.openxmlformats.org/drawingml/2006/main" xmlns:r="http://schemas.openxmlformats.org/officeDocument/2006/relationships" xmlns:p="http://schemas.openxmlformats.org/presentationml/2006/main">
+  <p:cSld>
+    <p:spTree>
+      <p:nvGrpSpPr>
+        <p:cNvPr id="1" name=""/>
+        <p:cNvGrpSpPr/>
+        <p:nvPr/>
+      </p:nvGrpSpPr>
+      <p:grpSpPr>
+        <a:xfrm>
+          <a:off x="0" y="0"/>
+          <a:ext cx="0" cy="0"/>
+          <a:chOff x="0" y="0"/>
+          <a:chExt cx="0" cy="0"/>
+        </a:xfrm>
+      </p:grpSpPr>
+      <p:sp>
+        <p:nvSpPr>
+          <p:cNvPr id="52226" name="Content Placeholder 2"/>
+          <p:cNvSpPr>
+            <a:spLocks noGrp="1"/>
+          </p:cNvSpPr>
+          <p:nvPr>
+            <p:ph idx="1"/>
+          </p:nvPr>
+        </p:nvSpPr>
+        <p:spPr>
+          <a:xfrm>
+            <a:off x="105840" y="1102395"/>
+            <a:ext cx="8952165" cy="4903454"/>
+          </a:xfrm>
+        </p:spPr>
+        <p:txBody>
+          <a:bodyPr/>
+          <a:lstStyle/>
+          <a:p>
+            <a:pPr>
+              <a:buFontTx/>
+              <a:buNone/>
+            </a:pPr>
+            <a:r>
+              <a:rPr lang="en-US" sz="4000" dirty="0" smtClean="0"/>
+              <a:t>Prove boy optimal by</a:t>
+            </a:r>
+            <a:r>
+              <a:rPr lang="en-US" sz="4000" dirty="0" smtClean="0">
+                <a:solidFill>
+                  <a:srgbClr val="0000CC"/>
+                </a:solidFill>
+              </a:rPr>
+              <a:t> </a:t>
+            </a:r>
+            <a:r>
+              <a:rPr lang="en-US" sz="4000" dirty="0" smtClean="0">
+                <a:solidFill>
+                  <a:srgbClr val="C00000"/>
+                </a:solidFill>
+              </a:rPr>
+              <a:t>contradiction</a:t>
+            </a:r>
+            <a:r>
+              <a:rPr lang="en-US" sz="4000" dirty="0" smtClean="0"/>
+              <a:t>:</a:t>
+            </a:r>
+          </a:p>
+          <a:p>
+            <a:pPr>
+              <a:buFontTx/>
+              <a:buNone/>
+            </a:pPr>
+            <a:r>
+              <a:rPr lang="en-US" sz="4400" dirty="0" smtClean="0"/>
+              <a:t>Suppose </a:t>
+            </a:r>
+            <a:r>
+              <a:rPr lang="en-US" sz="4400" dirty="0" smtClean="0"/>
+              <a:t>Keith </a:t>
+            </a:r>
+            <a:r>
+              <a:rPr lang="en-US" sz="4400" dirty="0" smtClean="0"/>
+              <a:t>does not </a:t>
+            </a:r>
+            <a:r>
+              <a:rPr lang="en-US" sz="4400" dirty="0" smtClean="0"/>
+              <a:t>marry</a:t>
+            </a:r>
+          </a:p>
+          <a:p>
+            <a:pPr>
+              <a:buFontTx/>
+              <a:buNone/>
+            </a:pPr>
+            <a:r>
+              <a:rPr lang="en-US" sz="4400" dirty="0" smtClean="0"/>
+              <a:t>Nicole</a:t>
+            </a:r>
+            <a:r>
+              <a:rPr lang="en-US" sz="4400" dirty="0" smtClean="0"/>
+              <a:t>.  </a:t>
+            </a:r>
+            <a:r>
+              <a:rPr lang="en-US" sz="4400" dirty="0" smtClean="0"/>
+              <a:t>So he must have </a:t>
+            </a:r>
+            <a:r>
+              <a:rPr lang="en-US" sz="4400" dirty="0" smtClean="0"/>
+              <a:t>crossed </a:t>
+            </a:r>
+          </a:p>
+          <a:p>
+            <a:pPr>
+              <a:buFontTx/>
+              <a:buNone/>
+            </a:pPr>
+            <a:r>
+              <a:rPr lang="en-US" sz="4400" dirty="0" smtClean="0"/>
+              <a:t>off Nicole </a:t>
+            </a:r>
+            <a:r>
+              <a:rPr lang="en-US" sz="4400" dirty="0" smtClean="0"/>
+              <a:t>on </a:t>
+            </a:r>
+            <a:r>
+              <a:rPr lang="en-US" sz="4400" dirty="0" smtClean="0"/>
+              <a:t>some earlier  </a:t>
+            </a:r>
+            <a:r>
+              <a:rPr lang="en-US" sz="4400" dirty="0" smtClean="0"/>
+              <a:t>“bad” </a:t>
+            </a:r>
+            <a:endParaRPr lang="en-US" sz="4400" dirty="0" smtClean="0"/>
+          </a:p>
+          <a:p>
+            <a:pPr>
+              <a:buFontTx/>
+              <a:buNone/>
+            </a:pPr>
+            <a:r>
+              <a:rPr lang="en-US" sz="4400" dirty="0" smtClean="0"/>
+              <a:t>day</a:t>
+            </a:r>
+            <a:r>
+              <a:rPr lang="en-US" sz="4400" dirty="0" smtClean="0"/>
+              <a:t>.  </a:t>
+            </a:r>
+            <a:r>
+              <a:rPr lang="en-US" sz="4400" dirty="0" smtClean="0"/>
+              <a:t>Assume Keith had the </a:t>
+            </a:r>
+          </a:p>
+          <a:p>
+            <a:pPr>
+              <a:buFontTx/>
+              <a:buNone/>
+            </a:pPr>
+            <a:r>
+              <a:rPr lang="en-US" sz="4400" dirty="0" smtClean="0"/>
+              <a:t>earliest bad day.</a:t>
+            </a:r>
+            <a:endParaRPr lang="en-US" sz="4000" dirty="0" smtClean="0"/>
+          </a:p>
+        </p:txBody>
+      </p:sp>
+      <p:sp>
+        <p:nvSpPr>
+          <p:cNvPr id="52227" name="Slide Number Placeholder 3"/>
+          <p:cNvSpPr>
+            <a:spLocks noGrp="1"/>
+          </p:cNvSpPr>
+          <p:nvPr>
+            <p:ph type="sldNum" sz="quarter" idx="10"/>
+          </p:nvPr>
+        </p:nvSpPr>
+        <p:spPr>
+          <a:noFill/>
+        </p:spPr>
+        <p:txBody>
+          <a:bodyPr/>
+          <a:lstStyle/>
+          <a:p>
+            <a:r>
+              <a:rPr lang="en-US" dirty="0" err="1" smtClean="0"/>
+              <a:t>lec</a:t>
+            </a:r>
+            <a:r>
+              <a:rPr lang="en-US" dirty="0" smtClean="0"/>
+              <a:t> 7F.</a:t>
+            </a:r>
+            <a:fld id="{65CBEB4F-F3B6-4041-8D9E-EBDA5BFD33E8}" type="slidenum">
+              <a:rPr lang="en-US" smtClean="0"/>
+              <a:pPr/>
+              <a:t>7</a:t>
+            </a:fld>
+            <a:endParaRPr lang="en-US" dirty="0" smtClean="0"/>
+          </a:p>
+        </p:txBody>
+      </p:sp>
+      <p:sp>
+        <p:nvSpPr>
+          <p:cNvPr id="52228" name="Rectangle 2"/>
+          <p:cNvSpPr>
+            <a:spLocks noGrp="1" noChangeArrowheads="1"/>
+          </p:cNvSpPr>
+          <p:nvPr>
+            <p:ph type="title"/>
+          </p:nvPr>
+        </p:nvSpPr>
+        <p:spPr>
+          <a:xfrm>
+            <a:off x="2617788" y="0"/>
+            <a:ext cx="3929062" cy="1047750"/>
+          </a:xfrm>
+        </p:spPr>
+        <p:txBody>
+          <a:bodyPr/>
+          <a:lstStyle/>
+          <a:p>
+            <a:pPr eaLnBrk="1" hangingPunct="1"/>
+            <a:r>
+              <a:rPr lang="en-US" sz="4400" smtClean="0"/>
+              <a:t>Boy</a:t>
+            </a:r>
+            <a:r>
+              <a:rPr lang="en-US" sz="4400" smtClean="0">
+                <a:solidFill>
+                  <a:srgbClr val="008000"/>
+                </a:solidFill>
+              </a:rPr>
+              <a:t> Optimal</a:t>
+            </a:r>
+          </a:p>
+        </p:txBody>
+      </p:sp>
+    </p:spTree>
+    <p:extLst>
+      <p:ext uri="{BB962C8B-B14F-4D97-AF65-F5344CB8AC3E}">
+        <p14:creationId xmlns:p14="http://schemas.microsoft.com/office/powerpoint/2010/main" val="64647400"/>
+      </p:ext>
+    </p:extLst>
+  </p:cSld>
+  <p:clrMapOvr>
+    <a:masterClrMapping/>
+  </p:clrMapOvr>
+  <mc:AlternateContent xmlns:mc="http://schemas.openxmlformats.org/markup-compatibility/2006">
+    <mc:Choice xmlns:p14="http://schemas.microsoft.com/office/powerpoint/2010/main" Requires="p14">
+      <p:transition spd="med" p14:dur="700">
+        <p:fade/>
+      </p:transition>
+    </mc:Choice>
+    <mc:Fallback>
+      <p:transition xmlns:p14="http://schemas.microsoft.com/office/powerpoint/2010/main" spd="med">
+        <p:fade/>
+      </p:transition>
+    </mc:Fallback>
+  </mc:AlternateContent>
+  <p:timing>
+    <p:tnLst>
+      <p:par>
+        <p:cTn xmlns:p14="http://schemas.microsoft.com/office/powerpoint/2010/main" id="1" dur="indefinite" restart="never" nodeType="tmRoot"/>
+      </p:par>
+    </p:tnLst>
+  </p:timing>
+</p:sld>
+</file>
+
+<file path=ppt/slides/slide8.xml><?xml version="1.0" encoding="utf-8"?>
+<p:sld xmlns:a="http://schemas.openxmlformats.org/drawingml/2006/main" xmlns:r="http://schemas.openxmlformats.org/officeDocument/2006/relationships" xmlns:p="http://schemas.openxmlformats.org/presentationml/2006/main">
+  <p:cSld>
+    <p:spTree>
+      <p:nvGrpSpPr>
+        <p:cNvPr id="1" name=""/>
+        <p:cNvGrpSpPr/>
+        <p:nvPr/>
+      </p:nvGrpSpPr>
+      <p:grpSpPr>
+        <a:xfrm>
+          <a:off x="0" y="0"/>
+          <a:ext cx="0" cy="0"/>
+          <a:chOff x="0" y="0"/>
+          <a:chExt cx="0" cy="0"/>
+        </a:xfrm>
+      </p:grpSpPr>
+      <p:sp>
+        <p:nvSpPr>
+          <p:cNvPr id="53251" name="Slide Number Placeholder 3"/>
+          <p:cNvSpPr>
+            <a:spLocks noGrp="1"/>
+          </p:cNvSpPr>
+          <p:nvPr>
+            <p:ph type="sldNum" sz="quarter" idx="10"/>
+          </p:nvPr>
+        </p:nvSpPr>
+        <p:spPr>
+          <a:noFill/>
+        </p:spPr>
+        <p:txBody>
+          <a:bodyPr/>
+          <a:lstStyle/>
+          <a:p>
+            <a:r>
+              <a:rPr lang="en-US" dirty="0" err="1" smtClean="0"/>
+              <a:t>lec</a:t>
+            </a:r>
+            <a:r>
+              <a:rPr lang="en-US" dirty="0" smtClean="0"/>
+              <a:t> 7F.</a:t>
+            </a:r>
+            <a:fld id="{7F2E48C5-A124-4D02-B5E8-431746CA306C}" type="slidenum">
+              <a:rPr lang="en-US" smtClean="0"/>
+              <a:pPr/>
+              <a:t>8</a:t>
+            </a:fld>
+            <a:endParaRPr lang="en-US" dirty="0" smtClean="0"/>
+          </a:p>
+        </p:txBody>
+      </p:sp>
+      <p:sp>
+        <p:nvSpPr>
+          <p:cNvPr id="53252" name="Rectangle 2"/>
+          <p:cNvSpPr>
+            <a:spLocks noGrp="1" noChangeArrowheads="1"/>
+          </p:cNvSpPr>
+          <p:nvPr>
+            <p:ph type="title"/>
+          </p:nvPr>
+        </p:nvSpPr>
+        <p:spPr>
+          <a:xfrm>
+            <a:off x="2617788" y="0"/>
+            <a:ext cx="3929062" cy="1047750"/>
+          </a:xfrm>
+        </p:spPr>
+        <p:txBody>
+          <a:bodyPr/>
+          <a:lstStyle/>
+          <a:p>
+            <a:pPr eaLnBrk="1" hangingPunct="1"/>
+            <a:r>
+              <a:rPr lang="en-US" sz="4400" smtClean="0"/>
+              <a:t>Boy</a:t>
+            </a:r>
+            <a:r>
+              <a:rPr lang="en-US" sz="4400" smtClean="0">
+                <a:solidFill>
+                  <a:srgbClr val="008000"/>
+                </a:solidFill>
+              </a:rPr>
+              <a:t> Optimal</a:t>
+            </a:r>
+          </a:p>
+        </p:txBody>
+      </p:sp>
+      <p:sp>
+        <p:nvSpPr>
+          <p:cNvPr id="3" name="Content Placeholder 2"/>
+          <p:cNvSpPr>
+            <a:spLocks noGrp="1"/>
+          </p:cNvSpPr>
+          <p:nvPr>
+            <p:ph idx="1"/>
+          </p:nvPr>
+        </p:nvSpPr>
+        <p:spPr>
+          <a:xfrm>
+            <a:off x="489504" y="999811"/>
+            <a:ext cx="8241191" cy="3269691"/>
+          </a:xfrm>
+        </p:spPr>
+        <p:txBody>
+          <a:bodyPr/>
+          <a:lstStyle/>
+          <a:p>
+            <a:pPr>
+              <a:buFontTx/>
+              <a:buNone/>
+            </a:pPr>
+            <a:r>
+              <a:rPr lang="en-US" sz="4000" dirty="0" smtClean="0"/>
+              <a:t>On </a:t>
+            </a:r>
+            <a:r>
+              <a:rPr lang="en-US" sz="4000" dirty="0" smtClean="0"/>
+              <a:t>his</a:t>
+            </a:r>
+            <a:r>
+              <a:rPr lang="en-US" sz="4000" dirty="0" smtClean="0"/>
+              <a:t> </a:t>
+            </a:r>
+            <a:r>
+              <a:rPr lang="en-US" sz="4000" dirty="0" smtClean="0"/>
+              <a:t>bad </a:t>
+            </a:r>
+            <a:r>
+              <a:rPr lang="en-US" sz="4000" dirty="0" smtClean="0"/>
+              <a:t>day </a:t>
+            </a:r>
+            <a:r>
+              <a:rPr lang="en-US" sz="4000" dirty="0" smtClean="0">
+                <a:solidFill>
+                  <a:srgbClr val="0000CC"/>
+                </a:solidFill>
+              </a:rPr>
+              <a:t>Keith</a:t>
+            </a:r>
+            <a:r>
+              <a:rPr lang="en-US" sz="4000" dirty="0" smtClean="0"/>
+              <a:t> </a:t>
+            </a:r>
+            <a:r>
+              <a:rPr lang="en-US" sz="4000" dirty="0" smtClean="0"/>
+              <a:t>crosses </a:t>
+            </a:r>
+            <a:r>
+              <a:rPr lang="en-US" sz="4000" dirty="0" smtClean="0"/>
+              <a:t>off </a:t>
+            </a:r>
+          </a:p>
+          <a:p>
+            <a:pPr>
+              <a:buFontTx/>
+              <a:buNone/>
+            </a:pPr>
+            <a:r>
+              <a:rPr lang="en-US" sz="4000" dirty="0" smtClean="0"/>
+              <a:t>his optimal </a:t>
+            </a:r>
+            <a:r>
+              <a:rPr lang="en-US" sz="4000" dirty="0" smtClean="0"/>
+              <a:t>girl, </a:t>
+            </a:r>
+            <a:r>
+              <a:rPr lang="en-US" sz="4000" dirty="0" smtClean="0">
+                <a:solidFill>
+                  <a:srgbClr val="0000CC"/>
+                </a:solidFill>
+              </a:rPr>
+              <a:t>Nicole</a:t>
+            </a:r>
+            <a:endParaRPr lang="en-US" sz="4000" dirty="0">
+              <a:solidFill>
+                <a:srgbClr val="000000"/>
+              </a:solidFill>
+              <a:latin typeface="Comic Sans MS" pitchFamily="66" charset="0"/>
+            </a:endParaRPr>
+          </a:p>
+        </p:txBody>
+      </p:sp>
+    </p:spTree>
+    <p:extLst>
+      <p:ext uri="{BB962C8B-B14F-4D97-AF65-F5344CB8AC3E}">
+        <p14:creationId xmlns:p14="http://schemas.microsoft.com/office/powerpoint/2010/main" val="4263271826"/>
+      </p:ext>
+    </p:extLst>
+  </p:cSld>
+  <p:clrMapOvr>
+    <a:masterClrMapping/>
+  </p:clrMapOvr>
+  <mc:AlternateContent xmlns:mc="http://schemas.openxmlformats.org/markup-compatibility/2006">
+    <mc:Choice xmlns:p14="http://schemas.microsoft.com/office/powerpoint/2010/main" Requires="p14">
+      <p:transition spd="med" p14:dur="700">
+        <p:fade/>
+      </p:transition>
+    </mc:Choice>
+    <mc:Fallback>
+      <p:transition xmlns:p14="http://schemas.microsoft.com/office/powerpoint/2010/main" spd="med">
+        <p:fade/>
+      </p:transition>
+    </mc:Fallback>
+  </mc:AlternateContent>
+  <p:timing>
+    <p:tnLst>
+      <p:par>
+        <p:cTn xmlns:p14="http://schemas.microsoft.com/office/powerpoint/2010/main" id="1" dur="indefinite" restart="never" nodeType="tmRoot"/>
+      </p:par>
+    </p:tnLst>
+  </p:timing>
+</p:sld>
+</file>
+
+<file path=ppt/slides/slide9.xml><?xml version="1.0" encoding="utf-8"?>
+<p:sld xmlns:a="http://schemas.openxmlformats.org/drawingml/2006/main" xmlns:r="http://schemas.openxmlformats.org/officeDocument/2006/relationships" xmlns:p="http://schemas.openxmlformats.org/presentationml/2006/main">
+  <p:cSld>
+    <p:spTree>
+      <p:nvGrpSpPr>
+        <p:cNvPr id="1" name=""/>
+        <p:cNvGrpSpPr/>
+        <p:nvPr/>
+      </p:nvGrpSpPr>
+      <p:grpSpPr>
+        <a:xfrm>
+          <a:off x="0" y="0"/>
+          <a:ext cx="0" cy="0"/>
+          <a:chOff x="0" y="0"/>
+          <a:chExt cx="0" cy="0"/>
+        </a:xfrm>
+      </p:grpSpPr>
+      <p:sp>
+        <p:nvSpPr>
+          <p:cNvPr id="53251" name="Slide Number Placeholder 3"/>
+          <p:cNvSpPr>
+            <a:spLocks noGrp="1"/>
+          </p:cNvSpPr>
+          <p:nvPr>
+            <p:ph type="sldNum" sz="quarter" idx="10"/>
+          </p:nvPr>
+        </p:nvSpPr>
+        <p:spPr>
+          <a:noFill/>
+        </p:spPr>
+        <p:txBody>
+          <a:bodyPr/>
+          <a:lstStyle/>
+          <a:p>
+            <a:r>
+              <a:rPr lang="en-US" dirty="0" err="1" smtClean="0"/>
+              <a:t>lec</a:t>
+            </a:r>
+            <a:r>
+              <a:rPr lang="en-US" dirty="0" smtClean="0"/>
+              <a:t> 7F.</a:t>
+            </a:r>
+            <a:fld id="{7F2E48C5-A124-4D02-B5E8-431746CA306C}" type="slidenum">
+              <a:rPr lang="en-US" smtClean="0"/>
+              <a:pPr/>
+              <a:t>9</a:t>
+            </a:fld>
+            <a:endParaRPr lang="en-US" dirty="0" smtClean="0"/>
+          </a:p>
+        </p:txBody>
+      </p:sp>
+      <p:sp>
+        <p:nvSpPr>
+          <p:cNvPr id="53252" name="Rectangle 2"/>
+          <p:cNvSpPr>
+            <a:spLocks noGrp="1" noChangeArrowheads="1"/>
+          </p:cNvSpPr>
+          <p:nvPr>
+            <p:ph type="title"/>
+          </p:nvPr>
+        </p:nvSpPr>
+        <p:spPr>
+          <a:xfrm>
+            <a:off x="2617788" y="0"/>
+            <a:ext cx="3929062" cy="1047750"/>
+          </a:xfrm>
+        </p:spPr>
+        <p:txBody>
+          <a:bodyPr/>
+          <a:lstStyle/>
+          <a:p>
+            <a:pPr eaLnBrk="1" hangingPunct="1"/>
+            <a:r>
+              <a:rPr lang="en-US" sz="4400" smtClean="0"/>
+              <a:t>Boy</a:t>
+            </a:r>
+            <a:r>
+              <a:rPr lang="en-US" sz="4400" smtClean="0">
+                <a:solidFill>
+                  <a:srgbClr val="008000"/>
+                </a:solidFill>
+              </a:rPr>
+              <a:t> Optimal</a:t>
+            </a:r>
+          </a:p>
+        </p:txBody>
+      </p:sp>
+      <p:sp>
+        <p:nvSpPr>
+          <p:cNvPr id="3" name="Content Placeholder 2"/>
+          <p:cNvSpPr>
+            <a:spLocks noGrp="1"/>
+          </p:cNvSpPr>
+          <p:nvPr>
+            <p:ph idx="1"/>
+          </p:nvPr>
+        </p:nvSpPr>
+        <p:spPr>
+          <a:xfrm>
+            <a:off x="489504" y="999811"/>
+            <a:ext cx="8241191" cy="3269691"/>
+          </a:xfrm>
+        </p:spPr>
+        <p:txBody>
+          <a:bodyPr/>
+          <a:lstStyle/>
+          <a:p>
+            <a:pPr>
+              <a:buFontTx/>
+              <a:buNone/>
+            </a:pPr>
+            <a:r>
+              <a:rPr lang="en-US" sz="4000" dirty="0" smtClean="0"/>
+              <a:t>On </a:t>
+            </a:r>
+            <a:r>
+              <a:rPr lang="en-US" sz="4000" dirty="0" smtClean="0"/>
+              <a:t>his</a:t>
+            </a:r>
+            <a:r>
+              <a:rPr lang="en-US" sz="4000" dirty="0" smtClean="0"/>
+              <a:t> </a:t>
+            </a:r>
+            <a:r>
+              <a:rPr lang="en-US" sz="4000" dirty="0" smtClean="0"/>
+              <a:t>bad </a:t>
+            </a:r>
+            <a:r>
+              <a:rPr lang="en-US" sz="4000" dirty="0" smtClean="0"/>
+              <a:t>day </a:t>
+            </a:r>
+            <a:r>
+              <a:rPr lang="en-US" sz="4000" dirty="0" smtClean="0">
+                <a:solidFill>
+                  <a:srgbClr val="0000CC"/>
+                </a:solidFill>
+              </a:rPr>
+              <a:t>Keith</a:t>
+            </a:r>
+            <a:r>
+              <a:rPr lang="en-US" sz="4000" dirty="0" smtClean="0"/>
+              <a:t> </a:t>
+            </a:r>
+            <a:r>
+              <a:rPr lang="en-US" sz="4000" dirty="0" smtClean="0"/>
+              <a:t>crosses </a:t>
+            </a:r>
+            <a:r>
+              <a:rPr lang="en-US" sz="4000" dirty="0" smtClean="0"/>
+              <a:t>off </a:t>
+            </a:r>
+          </a:p>
+          <a:p>
+            <a:pPr>
+              <a:buFontTx/>
+              <a:buNone/>
+            </a:pPr>
+            <a:r>
+              <a:rPr lang="en-US" sz="4000" dirty="0" smtClean="0"/>
+              <a:t>his optimal </a:t>
+            </a:r>
+            <a:r>
+              <a:rPr lang="en-US" sz="4000" dirty="0" smtClean="0"/>
+              <a:t>girl, </a:t>
+            </a:r>
+            <a:r>
+              <a:rPr lang="en-US" sz="4000" dirty="0" smtClean="0">
+                <a:solidFill>
+                  <a:srgbClr val="0000CC"/>
+                </a:solidFill>
+              </a:rPr>
+              <a:t>Nicole</a:t>
+            </a:r>
+            <a:r>
+              <a:rPr lang="en-US" sz="4000" dirty="0" smtClean="0"/>
+              <a:t>, </a:t>
+            </a:r>
+            <a:r>
+              <a:rPr lang="en-US" sz="4000" dirty="0" smtClean="0">
+                <a:solidFill>
+                  <a:srgbClr val="000000"/>
+                </a:solidFill>
+                <a:latin typeface="Comic Sans MS" pitchFamily="66" charset="0"/>
+              </a:rPr>
+              <a:t>because a </a:t>
+            </a:r>
+          </a:p>
+          <a:p>
+            <a:pPr>
+              <a:buFontTx/>
+              <a:buNone/>
+            </a:pPr>
+            <a:r>
+              <a:rPr lang="en-US" sz="4000" dirty="0" smtClean="0">
+                <a:solidFill>
+                  <a:srgbClr val="000000"/>
+                </a:solidFill>
+                <a:latin typeface="Comic Sans MS" pitchFamily="66" charset="0"/>
+              </a:rPr>
+              <a:t>boy she like better is serenading</a:t>
+            </a:r>
+          </a:p>
+          <a:p>
+            <a:pPr>
+              <a:buFontTx/>
+              <a:buNone/>
+            </a:pPr>
+            <a:r>
+              <a:rPr lang="en-US" sz="4000" dirty="0" smtClean="0">
+                <a:solidFill>
+                  <a:srgbClr val="000000"/>
+                </a:solidFill>
+                <a:latin typeface="Comic Sans MS" pitchFamily="66" charset="0"/>
+              </a:rPr>
+              <a:t>her.</a:t>
+            </a:r>
+            <a:endParaRPr lang="en-US" sz="4000" dirty="0">
+              <a:solidFill>
+                <a:srgbClr val="000000"/>
+              </a:solidFill>
+              <a:latin typeface="Comic Sans MS" pitchFamily="66" charset="0"/>
+            </a:endParaRPr>
+          </a:p>
+        </p:txBody>
+      </p:sp>
+    </p:spTree>
+    <p:extLst>
+      <p:ext uri="{BB962C8B-B14F-4D97-AF65-F5344CB8AC3E}">
+        <p14:creationId xmlns:p14="http://schemas.microsoft.com/office/powerpoint/2010/main" val="3356321106"/>
+      </p:ext>
+    </p:extLst>
+  </p:cSld>
+  <p:clrMapOvr>
+    <a:masterClrMapping/>
+  </p:clrMapOvr>
+  <mc:AlternateContent xmlns:mc="http://schemas.openxmlformats.org/markup-compatibility/2006">
+    <mc:Choice xmlns:p14="http://schemas.microsoft.com/office/powerpoint/2010/main" Requires="p14">
+      <p:transition spd="med" p14:dur="700">
+        <p:fade/>
+      </p:transition>
+    </mc:Choice>
+    <mc:Fallback>
+      <p:transition xmlns:p14="http://schemas.microsoft.com/office/powerpoint/2010/main" spd="med">
+        <p:fade/>
+      </p:transition>
+    </mc:Fallback>
+  </mc:AlternateContent>
+  <p:timing>
+    <p:tnLst>
+      <p:par>
+        <p:cTn xmlns:p14="http://schemas.microsoft.com/office/powerpoint/2010/main" id="1" dur="indefinite" restart="never" nodeType="tmRoot"/>
+      </p:par>
+    </p:tnLst>
   </p:timing>
 </p:sld>
 </file>

--- a/spring12/slidesS12/stable-optimal.pptx
+++ b/spring12/slidesS12/stable-optimal.pptx
@@ -5,10 +5,10 @@
     <p:sldMasterId id="2147483662" r:id="rId1"/>
   </p:sldMasterIdLst>
   <p:notesMasterIdLst>
-    <p:notesMasterId r:id="rId16"/>
+    <p:notesMasterId r:id="rId18"/>
   </p:notesMasterIdLst>
   <p:handoutMasterIdLst>
-    <p:handoutMasterId r:id="rId17"/>
+    <p:handoutMasterId r:id="rId19"/>
   </p:handoutMasterIdLst>
   <p:sldIdLst>
     <p:sldId id="786" r:id="rId2"/>
@@ -22,14 +22,16 @@
     <p:sldId id="863" r:id="rId10"/>
     <p:sldId id="862" r:id="rId11"/>
     <p:sldId id="853" r:id="rId12"/>
-    <p:sldId id="854" r:id="rId13"/>
-    <p:sldId id="855" r:id="rId14"/>
-    <p:sldId id="856" r:id="rId15"/>
+    <p:sldId id="864" r:id="rId13"/>
+    <p:sldId id="854" r:id="rId14"/>
+    <p:sldId id="865" r:id="rId15"/>
+    <p:sldId id="855" r:id="rId16"/>
+    <p:sldId id="856" r:id="rId17"/>
   </p:sldIdLst>
   <p:sldSz cx="9144000" cy="6858000" type="screen4x3"/>
   <p:notesSz cx="9601200" cy="7315200"/>
   <p:custDataLst>
-    <p:tags r:id="rId19"/>
+    <p:tags r:id="rId21"/>
   </p:custDataLst>
   <p:defaultTextStyle>
     <a:defPPr>
@@ -957,6 +959,604 @@
 </p:notes>
 </file>
 
+<file path=ppt/notesSlides/notesSlide10.xml><?xml version="1.0" encoding="utf-8"?>
+<p:notes xmlns:a="http://schemas.openxmlformats.org/drawingml/2006/main" xmlns:r="http://schemas.openxmlformats.org/officeDocument/2006/relationships" xmlns:p="http://schemas.openxmlformats.org/presentationml/2006/main">
+  <p:cSld>
+    <p:spTree>
+      <p:nvGrpSpPr>
+        <p:cNvPr id="1" name=""/>
+        <p:cNvGrpSpPr/>
+        <p:nvPr/>
+      </p:nvGrpSpPr>
+      <p:grpSpPr>
+        <a:xfrm>
+          <a:off x="0" y="0"/>
+          <a:ext cx="0" cy="0"/>
+          <a:chOff x="0" y="0"/>
+          <a:chExt cx="0" cy="0"/>
+        </a:xfrm>
+      </p:grpSpPr>
+      <p:sp>
+        <p:nvSpPr>
+          <p:cNvPr id="2" name="Slide Image Placeholder 1"/>
+          <p:cNvSpPr>
+            <a:spLocks noGrp="1" noRot="1" noChangeAspect="1"/>
+          </p:cNvSpPr>
+          <p:nvPr>
+            <p:ph type="sldImg"/>
+          </p:nvPr>
+        </p:nvSpPr>
+        <p:spPr/>
+      </p:sp>
+      <p:sp>
+        <p:nvSpPr>
+          <p:cNvPr id="3" name="Notes Placeholder 2"/>
+          <p:cNvSpPr>
+            <a:spLocks noGrp="1"/>
+          </p:cNvSpPr>
+          <p:nvPr>
+            <p:ph type="body" idx="1"/>
+          </p:nvPr>
+        </p:nvSpPr>
+        <p:spPr/>
+        <p:txBody>
+          <a:bodyPr/>
+          <a:lstStyle/>
+          <a:p>
+            <a:endParaRPr lang="en-US"/>
+          </a:p>
+        </p:txBody>
+      </p:sp>
+      <p:sp>
+        <p:nvSpPr>
+          <p:cNvPr id="4" name="Slide Number Placeholder 3"/>
+          <p:cNvSpPr>
+            <a:spLocks noGrp="1"/>
+          </p:cNvSpPr>
+          <p:nvPr>
+            <p:ph type="sldNum" sz="quarter" idx="10"/>
+          </p:nvPr>
+        </p:nvSpPr>
+        <p:spPr/>
+        <p:txBody>
+          <a:bodyPr/>
+          <a:lstStyle/>
+          <a:p>
+            <a:fld id="{2EFF8EEE-4460-471C-A98C-381116B839B2}" type="slidenum">
+              <a:rPr lang="en-US" smtClean="0"/>
+              <a:pPr/>
+              <a:t>10</a:t>
+            </a:fld>
+            <a:endParaRPr lang="en-US"/>
+          </a:p>
+        </p:txBody>
+      </p:sp>
+    </p:spTree>
+    <p:extLst>
+      <p:ext uri="{BB962C8B-B14F-4D97-AF65-F5344CB8AC3E}">
+        <p14:creationId xmlns:p14="http://schemas.microsoft.com/office/powerpoint/2010/main" val="3435062817"/>
+      </p:ext>
+    </p:extLst>
+  </p:cSld>
+  <p:clrMapOvr>
+    <a:masterClrMapping/>
+  </p:clrMapOvr>
+</p:notes>
+</file>
+
+<file path=ppt/notesSlides/notesSlide11.xml><?xml version="1.0" encoding="utf-8"?>
+<p:notes xmlns:a="http://schemas.openxmlformats.org/drawingml/2006/main" xmlns:r="http://schemas.openxmlformats.org/officeDocument/2006/relationships" xmlns:p="http://schemas.openxmlformats.org/presentationml/2006/main">
+  <p:cSld>
+    <p:spTree>
+      <p:nvGrpSpPr>
+        <p:cNvPr id="1" name=""/>
+        <p:cNvGrpSpPr/>
+        <p:nvPr/>
+      </p:nvGrpSpPr>
+      <p:grpSpPr>
+        <a:xfrm>
+          <a:off x="0" y="0"/>
+          <a:ext cx="0" cy="0"/>
+          <a:chOff x="0" y="0"/>
+          <a:chExt cx="0" cy="0"/>
+        </a:xfrm>
+      </p:grpSpPr>
+      <p:sp>
+        <p:nvSpPr>
+          <p:cNvPr id="2" name="Slide Image Placeholder 1"/>
+          <p:cNvSpPr>
+            <a:spLocks noGrp="1" noRot="1" noChangeAspect="1"/>
+          </p:cNvSpPr>
+          <p:nvPr>
+            <p:ph type="sldImg"/>
+          </p:nvPr>
+        </p:nvSpPr>
+        <p:spPr/>
+      </p:sp>
+      <p:sp>
+        <p:nvSpPr>
+          <p:cNvPr id="3" name="Notes Placeholder 2"/>
+          <p:cNvSpPr>
+            <a:spLocks noGrp="1"/>
+          </p:cNvSpPr>
+          <p:nvPr>
+            <p:ph type="body" idx="1"/>
+          </p:nvPr>
+        </p:nvSpPr>
+        <p:spPr/>
+        <p:txBody>
+          <a:bodyPr/>
+          <a:lstStyle/>
+          <a:p>
+            <a:endParaRPr lang="en-US"/>
+          </a:p>
+        </p:txBody>
+      </p:sp>
+      <p:sp>
+        <p:nvSpPr>
+          <p:cNvPr id="4" name="Slide Number Placeholder 3"/>
+          <p:cNvSpPr>
+            <a:spLocks noGrp="1"/>
+          </p:cNvSpPr>
+          <p:nvPr>
+            <p:ph type="sldNum" sz="quarter" idx="10"/>
+          </p:nvPr>
+        </p:nvSpPr>
+        <p:spPr/>
+        <p:txBody>
+          <a:bodyPr/>
+          <a:lstStyle/>
+          <a:p>
+            <a:fld id="{2EFF8EEE-4460-471C-A98C-381116B839B2}" type="slidenum">
+              <a:rPr lang="en-US" smtClean="0"/>
+              <a:pPr/>
+              <a:t>11</a:t>
+            </a:fld>
+            <a:endParaRPr lang="en-US"/>
+          </a:p>
+        </p:txBody>
+      </p:sp>
+    </p:spTree>
+    <p:extLst>
+      <p:ext uri="{BB962C8B-B14F-4D97-AF65-F5344CB8AC3E}">
+        <p14:creationId xmlns:p14="http://schemas.microsoft.com/office/powerpoint/2010/main" val="2487904231"/>
+      </p:ext>
+    </p:extLst>
+  </p:cSld>
+  <p:clrMapOvr>
+    <a:masterClrMapping/>
+  </p:clrMapOvr>
+</p:notes>
+</file>
+
+<file path=ppt/notesSlides/notesSlide12.xml><?xml version="1.0" encoding="utf-8"?>
+<p:notes xmlns:a="http://schemas.openxmlformats.org/drawingml/2006/main" xmlns:r="http://schemas.openxmlformats.org/officeDocument/2006/relationships" xmlns:p="http://schemas.openxmlformats.org/presentationml/2006/main">
+  <p:cSld>
+    <p:spTree>
+      <p:nvGrpSpPr>
+        <p:cNvPr id="1" name=""/>
+        <p:cNvGrpSpPr/>
+        <p:nvPr/>
+      </p:nvGrpSpPr>
+      <p:grpSpPr>
+        <a:xfrm>
+          <a:off x="0" y="0"/>
+          <a:ext cx="0" cy="0"/>
+          <a:chOff x="0" y="0"/>
+          <a:chExt cx="0" cy="0"/>
+        </a:xfrm>
+      </p:grpSpPr>
+      <p:sp>
+        <p:nvSpPr>
+          <p:cNvPr id="2" name="Slide Image Placeholder 1"/>
+          <p:cNvSpPr>
+            <a:spLocks noGrp="1" noRot="1" noChangeAspect="1"/>
+          </p:cNvSpPr>
+          <p:nvPr>
+            <p:ph type="sldImg"/>
+          </p:nvPr>
+        </p:nvSpPr>
+        <p:spPr/>
+      </p:sp>
+      <p:sp>
+        <p:nvSpPr>
+          <p:cNvPr id="3" name="Notes Placeholder 2"/>
+          <p:cNvSpPr>
+            <a:spLocks noGrp="1"/>
+          </p:cNvSpPr>
+          <p:nvPr>
+            <p:ph type="body" idx="1"/>
+          </p:nvPr>
+        </p:nvSpPr>
+        <p:spPr/>
+        <p:txBody>
+          <a:bodyPr/>
+          <a:lstStyle/>
+          <a:p>
+            <a:endParaRPr lang="en-US"/>
+          </a:p>
+        </p:txBody>
+      </p:sp>
+      <p:sp>
+        <p:nvSpPr>
+          <p:cNvPr id="4" name="Slide Number Placeholder 3"/>
+          <p:cNvSpPr>
+            <a:spLocks noGrp="1"/>
+          </p:cNvSpPr>
+          <p:nvPr>
+            <p:ph type="sldNum" sz="quarter" idx="10"/>
+          </p:nvPr>
+        </p:nvSpPr>
+        <p:spPr/>
+        <p:txBody>
+          <a:bodyPr/>
+          <a:lstStyle/>
+          <a:p>
+            <a:fld id="{2EFF8EEE-4460-471C-A98C-381116B839B2}" type="slidenum">
+              <a:rPr lang="en-US" smtClean="0"/>
+              <a:pPr/>
+              <a:t>12</a:t>
+            </a:fld>
+            <a:endParaRPr lang="en-US"/>
+          </a:p>
+        </p:txBody>
+      </p:sp>
+    </p:spTree>
+    <p:extLst>
+      <p:ext uri="{BB962C8B-B14F-4D97-AF65-F5344CB8AC3E}">
+        <p14:creationId xmlns:p14="http://schemas.microsoft.com/office/powerpoint/2010/main" val="2487904231"/>
+      </p:ext>
+    </p:extLst>
+  </p:cSld>
+  <p:clrMapOvr>
+    <a:masterClrMapping/>
+  </p:clrMapOvr>
+</p:notes>
+</file>
+
+<file path=ppt/notesSlides/notesSlide13.xml><?xml version="1.0" encoding="utf-8"?>
+<p:notes xmlns:a="http://schemas.openxmlformats.org/drawingml/2006/main" xmlns:r="http://schemas.openxmlformats.org/officeDocument/2006/relationships" xmlns:p="http://schemas.openxmlformats.org/presentationml/2006/main">
+  <p:cSld>
+    <p:spTree>
+      <p:nvGrpSpPr>
+        <p:cNvPr id="1" name=""/>
+        <p:cNvGrpSpPr/>
+        <p:nvPr/>
+      </p:nvGrpSpPr>
+      <p:grpSpPr>
+        <a:xfrm>
+          <a:off x="0" y="0"/>
+          <a:ext cx="0" cy="0"/>
+          <a:chOff x="0" y="0"/>
+          <a:chExt cx="0" cy="0"/>
+        </a:xfrm>
+      </p:grpSpPr>
+      <p:sp>
+        <p:nvSpPr>
+          <p:cNvPr id="2" name="Slide Image Placeholder 1"/>
+          <p:cNvSpPr>
+            <a:spLocks noGrp="1" noRot="1" noChangeAspect="1"/>
+          </p:cNvSpPr>
+          <p:nvPr>
+            <p:ph type="sldImg"/>
+          </p:nvPr>
+        </p:nvSpPr>
+        <p:spPr/>
+      </p:sp>
+      <p:sp>
+        <p:nvSpPr>
+          <p:cNvPr id="3" name="Notes Placeholder 2"/>
+          <p:cNvSpPr>
+            <a:spLocks noGrp="1"/>
+          </p:cNvSpPr>
+          <p:nvPr>
+            <p:ph type="body" idx="1"/>
+          </p:nvPr>
+        </p:nvSpPr>
+        <p:spPr/>
+        <p:txBody>
+          <a:bodyPr/>
+          <a:lstStyle/>
+          <a:p>
+            <a:endParaRPr lang="en-US"/>
+          </a:p>
+        </p:txBody>
+      </p:sp>
+      <p:sp>
+        <p:nvSpPr>
+          <p:cNvPr id="4" name="Slide Number Placeholder 3"/>
+          <p:cNvSpPr>
+            <a:spLocks noGrp="1"/>
+          </p:cNvSpPr>
+          <p:nvPr>
+            <p:ph type="sldNum" sz="quarter" idx="10"/>
+          </p:nvPr>
+        </p:nvSpPr>
+        <p:spPr/>
+        <p:txBody>
+          <a:bodyPr/>
+          <a:lstStyle/>
+          <a:p>
+            <a:fld id="{2EFF8EEE-4460-471C-A98C-381116B839B2}" type="slidenum">
+              <a:rPr lang="en-US" smtClean="0"/>
+              <a:pPr/>
+              <a:t>13</a:t>
+            </a:fld>
+            <a:endParaRPr lang="en-US"/>
+          </a:p>
+        </p:txBody>
+      </p:sp>
+    </p:spTree>
+    <p:extLst>
+      <p:ext uri="{BB962C8B-B14F-4D97-AF65-F5344CB8AC3E}">
+        <p14:creationId xmlns:p14="http://schemas.microsoft.com/office/powerpoint/2010/main" val="2171668210"/>
+      </p:ext>
+    </p:extLst>
+  </p:cSld>
+  <p:clrMapOvr>
+    <a:masterClrMapping/>
+  </p:clrMapOvr>
+</p:notes>
+</file>
+
+<file path=ppt/notesSlides/notesSlide14.xml><?xml version="1.0" encoding="utf-8"?>
+<p:notes xmlns:a="http://schemas.openxmlformats.org/drawingml/2006/main" xmlns:r="http://schemas.openxmlformats.org/officeDocument/2006/relationships" xmlns:p="http://schemas.openxmlformats.org/presentationml/2006/main">
+  <p:cSld>
+    <p:spTree>
+      <p:nvGrpSpPr>
+        <p:cNvPr id="1" name=""/>
+        <p:cNvGrpSpPr/>
+        <p:nvPr/>
+      </p:nvGrpSpPr>
+      <p:grpSpPr>
+        <a:xfrm>
+          <a:off x="0" y="0"/>
+          <a:ext cx="0" cy="0"/>
+          <a:chOff x="0" y="0"/>
+          <a:chExt cx="0" cy="0"/>
+        </a:xfrm>
+      </p:grpSpPr>
+      <p:sp>
+        <p:nvSpPr>
+          <p:cNvPr id="2" name="Slide Image Placeholder 1"/>
+          <p:cNvSpPr>
+            <a:spLocks noGrp="1" noRot="1" noChangeAspect="1"/>
+          </p:cNvSpPr>
+          <p:nvPr>
+            <p:ph type="sldImg"/>
+          </p:nvPr>
+        </p:nvSpPr>
+        <p:spPr/>
+      </p:sp>
+      <p:sp>
+        <p:nvSpPr>
+          <p:cNvPr id="3" name="Notes Placeholder 2"/>
+          <p:cNvSpPr>
+            <a:spLocks noGrp="1"/>
+          </p:cNvSpPr>
+          <p:nvPr>
+            <p:ph type="body" idx="1"/>
+          </p:nvPr>
+        </p:nvSpPr>
+        <p:spPr/>
+        <p:txBody>
+          <a:bodyPr/>
+          <a:lstStyle/>
+          <a:p>
+            <a:endParaRPr lang="en-US"/>
+          </a:p>
+        </p:txBody>
+      </p:sp>
+      <p:sp>
+        <p:nvSpPr>
+          <p:cNvPr id="4" name="Slide Number Placeholder 3"/>
+          <p:cNvSpPr>
+            <a:spLocks noGrp="1"/>
+          </p:cNvSpPr>
+          <p:nvPr>
+            <p:ph type="sldNum" sz="quarter" idx="10"/>
+          </p:nvPr>
+        </p:nvSpPr>
+        <p:spPr/>
+        <p:txBody>
+          <a:bodyPr/>
+          <a:lstStyle/>
+          <a:p>
+            <a:fld id="{2EFF8EEE-4460-471C-A98C-381116B839B2}" type="slidenum">
+              <a:rPr lang="en-US" smtClean="0"/>
+              <a:pPr/>
+              <a:t>14</a:t>
+            </a:fld>
+            <a:endParaRPr lang="en-US"/>
+          </a:p>
+        </p:txBody>
+      </p:sp>
+    </p:spTree>
+    <p:extLst>
+      <p:ext uri="{BB962C8B-B14F-4D97-AF65-F5344CB8AC3E}">
+        <p14:creationId xmlns:p14="http://schemas.microsoft.com/office/powerpoint/2010/main" val="2171668210"/>
+      </p:ext>
+    </p:extLst>
+  </p:cSld>
+  <p:clrMapOvr>
+    <a:masterClrMapping/>
+  </p:clrMapOvr>
+</p:notes>
+</file>
+
+<file path=ppt/notesSlides/notesSlide15.xml><?xml version="1.0" encoding="utf-8"?>
+<p:notes xmlns:a="http://schemas.openxmlformats.org/drawingml/2006/main" xmlns:r="http://schemas.openxmlformats.org/officeDocument/2006/relationships" xmlns:p="http://schemas.openxmlformats.org/presentationml/2006/main">
+  <p:cSld>
+    <p:spTree>
+      <p:nvGrpSpPr>
+        <p:cNvPr id="1" name=""/>
+        <p:cNvGrpSpPr/>
+        <p:nvPr/>
+      </p:nvGrpSpPr>
+      <p:grpSpPr>
+        <a:xfrm>
+          <a:off x="0" y="0"/>
+          <a:ext cx="0" cy="0"/>
+          <a:chOff x="0" y="0"/>
+          <a:chExt cx="0" cy="0"/>
+        </a:xfrm>
+      </p:grpSpPr>
+      <p:sp>
+        <p:nvSpPr>
+          <p:cNvPr id="2" name="Slide Image Placeholder 1"/>
+          <p:cNvSpPr>
+            <a:spLocks noGrp="1" noRot="1" noChangeAspect="1"/>
+          </p:cNvSpPr>
+          <p:nvPr>
+            <p:ph type="sldImg"/>
+          </p:nvPr>
+        </p:nvSpPr>
+        <p:spPr/>
+      </p:sp>
+      <p:sp>
+        <p:nvSpPr>
+          <p:cNvPr id="3" name="Notes Placeholder 2"/>
+          <p:cNvSpPr>
+            <a:spLocks noGrp="1"/>
+          </p:cNvSpPr>
+          <p:nvPr>
+            <p:ph type="body" idx="1"/>
+          </p:nvPr>
+        </p:nvSpPr>
+        <p:spPr/>
+        <p:txBody>
+          <a:bodyPr/>
+          <a:lstStyle/>
+          <a:p>
+            <a:endParaRPr lang="en-US"/>
+          </a:p>
+        </p:txBody>
+      </p:sp>
+      <p:sp>
+        <p:nvSpPr>
+          <p:cNvPr id="4" name="Slide Number Placeholder 3"/>
+          <p:cNvSpPr>
+            <a:spLocks noGrp="1"/>
+          </p:cNvSpPr>
+          <p:nvPr>
+            <p:ph type="sldNum" sz="quarter" idx="10"/>
+          </p:nvPr>
+        </p:nvSpPr>
+        <p:spPr/>
+        <p:txBody>
+          <a:bodyPr/>
+          <a:lstStyle/>
+          <a:p>
+            <a:fld id="{2EFF8EEE-4460-471C-A98C-381116B839B2}" type="slidenum">
+              <a:rPr lang="en-US" smtClean="0"/>
+              <a:pPr/>
+              <a:t>15</a:t>
+            </a:fld>
+            <a:endParaRPr lang="en-US"/>
+          </a:p>
+        </p:txBody>
+      </p:sp>
+    </p:spTree>
+    <p:extLst>
+      <p:ext uri="{BB962C8B-B14F-4D97-AF65-F5344CB8AC3E}">
+        <p14:creationId xmlns:p14="http://schemas.microsoft.com/office/powerpoint/2010/main" val="2393628993"/>
+      </p:ext>
+    </p:extLst>
+  </p:cSld>
+  <p:clrMapOvr>
+    <a:masterClrMapping/>
+  </p:clrMapOvr>
+</p:notes>
+</file>
+
+<file path=ppt/notesSlides/notesSlide16.xml><?xml version="1.0" encoding="utf-8"?>
+<p:notes xmlns:a="http://schemas.openxmlformats.org/drawingml/2006/main" xmlns:r="http://schemas.openxmlformats.org/officeDocument/2006/relationships" xmlns:p="http://schemas.openxmlformats.org/presentationml/2006/main">
+  <p:cSld>
+    <p:spTree>
+      <p:nvGrpSpPr>
+        <p:cNvPr id="1" name=""/>
+        <p:cNvGrpSpPr/>
+        <p:nvPr/>
+      </p:nvGrpSpPr>
+      <p:grpSpPr>
+        <a:xfrm>
+          <a:off x="0" y="0"/>
+          <a:ext cx="0" cy="0"/>
+          <a:chOff x="0" y="0"/>
+          <a:chExt cx="0" cy="0"/>
+        </a:xfrm>
+      </p:grpSpPr>
+      <p:sp>
+        <p:nvSpPr>
+          <p:cNvPr id="101378" name="Rectangle 7"/>
+          <p:cNvSpPr>
+            <a:spLocks noGrp="1" noChangeArrowheads="1"/>
+          </p:cNvSpPr>
+          <p:nvPr>
+            <p:ph type="sldNum" sz="quarter" idx="5"/>
+          </p:nvPr>
+        </p:nvSpPr>
+        <p:spPr>
+          <a:noFill/>
+        </p:spPr>
+        <p:txBody>
+          <a:bodyPr/>
+          <a:lstStyle/>
+          <a:p>
+            <a:fld id="{40D7D54F-A45B-482A-96A3-B4504B1F05F9}" type="slidenum">
+              <a:rPr lang="en-US" smtClean="0"/>
+              <a:pPr/>
+              <a:t>16</a:t>
+            </a:fld>
+            <a:endParaRPr lang="en-US" smtClean="0"/>
+          </a:p>
+        </p:txBody>
+      </p:sp>
+      <p:sp>
+        <p:nvSpPr>
+          <p:cNvPr id="101379" name="Rectangle 2"/>
+          <p:cNvSpPr>
+            <a:spLocks noGrp="1" noRot="1" noChangeAspect="1" noChangeArrowheads="1" noTextEdit="1"/>
+          </p:cNvSpPr>
+          <p:nvPr>
+            <p:ph type="sldImg"/>
+          </p:nvPr>
+        </p:nvSpPr>
+        <p:spPr>
+          <a:ln/>
+        </p:spPr>
+      </p:sp>
+      <p:sp>
+        <p:nvSpPr>
+          <p:cNvPr id="101380" name="Rectangle 3"/>
+          <p:cNvSpPr>
+            <a:spLocks noGrp="1" noChangeArrowheads="1"/>
+          </p:cNvSpPr>
+          <p:nvPr>
+            <p:ph type="body" idx="1"/>
+          </p:nvPr>
+        </p:nvSpPr>
+        <p:spPr>
+          <a:noFill/>
+          <a:ln/>
+        </p:spPr>
+        <p:txBody>
+          <a:bodyPr/>
+          <a:lstStyle/>
+          <a:p>
+            <a:pPr eaLnBrk="1" hangingPunct="1"/>
+            <a:endParaRPr lang="en-US" smtClean="0"/>
+          </a:p>
+        </p:txBody>
+      </p:sp>
+    </p:spTree>
+  </p:cSld>
+  <p:clrMapOvr>
+    <a:masterClrMapping/>
+  </p:clrMapOvr>
+</p:notes>
+</file>
+
 <file path=ppt/notesSlides/notesSlide2.xml><?xml version="1.0" encoding="utf-8"?>
 <p:notes xmlns:a="http://schemas.openxmlformats.org/drawingml/2006/main" xmlns:r="http://schemas.openxmlformats.org/officeDocument/2006/relationships" xmlns:p="http://schemas.openxmlformats.org/presentationml/2006/main">
   <p:cSld>
@@ -1240,68 +1840,405 @@
       </p:grpSpPr>
       <p:sp>
         <p:nvSpPr>
-          <p:cNvPr id="101378" name="Rectangle 7"/>
-          <p:cNvSpPr>
-            <a:spLocks noGrp="1" noChangeArrowheads="1"/>
-          </p:cNvSpPr>
-          <p:nvPr>
-            <p:ph type="sldNum" sz="quarter" idx="5"/>
-          </p:nvPr>
-        </p:nvSpPr>
-        <p:spPr>
-          <a:noFill/>
-        </p:spPr>
+          <p:cNvPr id="2" name="Slide Image Placeholder 1"/>
+          <p:cNvSpPr>
+            <a:spLocks noGrp="1" noRot="1" noChangeAspect="1"/>
+          </p:cNvSpPr>
+          <p:nvPr>
+            <p:ph type="sldImg"/>
+          </p:nvPr>
+        </p:nvSpPr>
+        <p:spPr/>
+      </p:sp>
+      <p:sp>
+        <p:nvSpPr>
+          <p:cNvPr id="3" name="Notes Placeholder 2"/>
+          <p:cNvSpPr>
+            <a:spLocks noGrp="1"/>
+          </p:cNvSpPr>
+          <p:nvPr>
+            <p:ph type="body" idx="1"/>
+          </p:nvPr>
+        </p:nvSpPr>
+        <p:spPr/>
         <p:txBody>
           <a:bodyPr/>
           <a:lstStyle/>
           <a:p>
-            <a:fld id="{40D7D54F-A45B-482A-96A3-B4504B1F05F9}" type="slidenum">
+            <a:endParaRPr lang="en-US"/>
+          </a:p>
+        </p:txBody>
+      </p:sp>
+      <p:sp>
+        <p:nvSpPr>
+          <p:cNvPr id="4" name="Slide Number Placeholder 3"/>
+          <p:cNvSpPr>
+            <a:spLocks noGrp="1"/>
+          </p:cNvSpPr>
+          <p:nvPr>
+            <p:ph type="sldNum" sz="quarter" idx="10"/>
+          </p:nvPr>
+        </p:nvSpPr>
+        <p:spPr/>
+        <p:txBody>
+          <a:bodyPr/>
+          <a:lstStyle/>
+          <a:p>
+            <a:fld id="{2EFF8EEE-4460-471C-A98C-381116B839B2}" type="slidenum">
               <a:rPr lang="en-US" smtClean="0"/>
               <a:pPr/>
-              <a:t>14</a:t>
+              <a:t>5</a:t>
             </a:fld>
-            <a:endParaRPr lang="en-US" smtClean="0"/>
-          </a:p>
-        </p:txBody>
-      </p:sp>
-      <p:sp>
-        <p:nvSpPr>
-          <p:cNvPr id="101379" name="Rectangle 2"/>
-          <p:cNvSpPr>
-            <a:spLocks noGrp="1" noRot="1" noChangeAspect="1" noChangeArrowheads="1" noTextEdit="1"/>
+            <a:endParaRPr lang="en-US"/>
+          </a:p>
+        </p:txBody>
+      </p:sp>
+    </p:spTree>
+    <p:extLst>
+      <p:ext uri="{BB962C8B-B14F-4D97-AF65-F5344CB8AC3E}">
+        <p14:creationId xmlns:p14="http://schemas.microsoft.com/office/powerpoint/2010/main" val="1613430545"/>
+      </p:ext>
+    </p:extLst>
+  </p:cSld>
+  <p:clrMapOvr>
+    <a:masterClrMapping/>
+  </p:clrMapOvr>
+</p:notes>
+</file>
+
+<file path=ppt/notesSlides/notesSlide6.xml><?xml version="1.0" encoding="utf-8"?>
+<p:notes xmlns:a="http://schemas.openxmlformats.org/drawingml/2006/main" xmlns:r="http://schemas.openxmlformats.org/officeDocument/2006/relationships" xmlns:p="http://schemas.openxmlformats.org/presentationml/2006/main">
+  <p:cSld>
+    <p:spTree>
+      <p:nvGrpSpPr>
+        <p:cNvPr id="1" name=""/>
+        <p:cNvGrpSpPr/>
+        <p:nvPr/>
+      </p:nvGrpSpPr>
+      <p:grpSpPr>
+        <a:xfrm>
+          <a:off x="0" y="0"/>
+          <a:ext cx="0" cy="0"/>
+          <a:chOff x="0" y="0"/>
+          <a:chExt cx="0" cy="0"/>
+        </a:xfrm>
+      </p:grpSpPr>
+      <p:sp>
+        <p:nvSpPr>
+          <p:cNvPr id="2" name="Slide Image Placeholder 1"/>
+          <p:cNvSpPr>
+            <a:spLocks noGrp="1" noRot="1" noChangeAspect="1"/>
           </p:cNvSpPr>
           <p:nvPr>
             <p:ph type="sldImg"/>
           </p:nvPr>
         </p:nvSpPr>
-        <p:spPr>
-          <a:ln/>
-        </p:spPr>
-      </p:sp>
-      <p:sp>
-        <p:nvSpPr>
-          <p:cNvPr id="101380" name="Rectangle 3"/>
-          <p:cNvSpPr>
-            <a:spLocks noGrp="1" noChangeArrowheads="1"/>
+        <p:spPr/>
+      </p:sp>
+      <p:sp>
+        <p:nvSpPr>
+          <p:cNvPr id="3" name="Notes Placeholder 2"/>
+          <p:cNvSpPr>
+            <a:spLocks noGrp="1"/>
           </p:cNvSpPr>
           <p:nvPr>
             <p:ph type="body" idx="1"/>
           </p:nvPr>
         </p:nvSpPr>
-        <p:spPr>
-          <a:noFill/>
-          <a:ln/>
-        </p:spPr>
+        <p:spPr/>
         <p:txBody>
           <a:bodyPr/>
           <a:lstStyle/>
           <a:p>
-            <a:pPr eaLnBrk="1" hangingPunct="1"/>
-            <a:endParaRPr lang="en-US" smtClean="0"/>
+            <a:endParaRPr lang="en-US"/>
+          </a:p>
+        </p:txBody>
+      </p:sp>
+      <p:sp>
+        <p:nvSpPr>
+          <p:cNvPr id="4" name="Slide Number Placeholder 3"/>
+          <p:cNvSpPr>
+            <a:spLocks noGrp="1"/>
+          </p:cNvSpPr>
+          <p:nvPr>
+            <p:ph type="sldNum" sz="quarter" idx="10"/>
+          </p:nvPr>
+        </p:nvSpPr>
+        <p:spPr/>
+        <p:txBody>
+          <a:bodyPr/>
+          <a:lstStyle/>
+          <a:p>
+            <a:fld id="{2EFF8EEE-4460-471C-A98C-381116B839B2}" type="slidenum">
+              <a:rPr lang="en-US" smtClean="0"/>
+              <a:pPr/>
+              <a:t>6</a:t>
+            </a:fld>
+            <a:endParaRPr lang="en-US"/>
           </a:p>
         </p:txBody>
       </p:sp>
     </p:spTree>
+    <p:extLst>
+      <p:ext uri="{BB962C8B-B14F-4D97-AF65-F5344CB8AC3E}">
+        <p14:creationId xmlns:p14="http://schemas.microsoft.com/office/powerpoint/2010/main" val="333096894"/>
+      </p:ext>
+    </p:extLst>
+  </p:cSld>
+  <p:clrMapOvr>
+    <a:masterClrMapping/>
+  </p:clrMapOvr>
+</p:notes>
+</file>
+
+<file path=ppt/notesSlides/notesSlide7.xml><?xml version="1.0" encoding="utf-8"?>
+<p:notes xmlns:a="http://schemas.openxmlformats.org/drawingml/2006/main" xmlns:r="http://schemas.openxmlformats.org/officeDocument/2006/relationships" xmlns:p="http://schemas.openxmlformats.org/presentationml/2006/main">
+  <p:cSld>
+    <p:spTree>
+      <p:nvGrpSpPr>
+        <p:cNvPr id="1" name=""/>
+        <p:cNvGrpSpPr/>
+        <p:nvPr/>
+      </p:nvGrpSpPr>
+      <p:grpSpPr>
+        <a:xfrm>
+          <a:off x="0" y="0"/>
+          <a:ext cx="0" cy="0"/>
+          <a:chOff x="0" y="0"/>
+          <a:chExt cx="0" cy="0"/>
+        </a:xfrm>
+      </p:grpSpPr>
+      <p:sp>
+        <p:nvSpPr>
+          <p:cNvPr id="2" name="Slide Image Placeholder 1"/>
+          <p:cNvSpPr>
+            <a:spLocks noGrp="1" noRot="1" noChangeAspect="1"/>
+          </p:cNvSpPr>
+          <p:nvPr>
+            <p:ph type="sldImg"/>
+          </p:nvPr>
+        </p:nvSpPr>
+        <p:spPr/>
+      </p:sp>
+      <p:sp>
+        <p:nvSpPr>
+          <p:cNvPr id="3" name="Notes Placeholder 2"/>
+          <p:cNvSpPr>
+            <a:spLocks noGrp="1"/>
+          </p:cNvSpPr>
+          <p:nvPr>
+            <p:ph type="body" idx="1"/>
+          </p:nvPr>
+        </p:nvSpPr>
+        <p:spPr/>
+        <p:txBody>
+          <a:bodyPr/>
+          <a:lstStyle/>
+          <a:p>
+            <a:endParaRPr lang="en-US"/>
+          </a:p>
+        </p:txBody>
+      </p:sp>
+      <p:sp>
+        <p:nvSpPr>
+          <p:cNvPr id="4" name="Slide Number Placeholder 3"/>
+          <p:cNvSpPr>
+            <a:spLocks noGrp="1"/>
+          </p:cNvSpPr>
+          <p:nvPr>
+            <p:ph type="sldNum" sz="quarter" idx="10"/>
+          </p:nvPr>
+        </p:nvSpPr>
+        <p:spPr/>
+        <p:txBody>
+          <a:bodyPr/>
+          <a:lstStyle/>
+          <a:p>
+            <a:fld id="{2EFF8EEE-4460-471C-A98C-381116B839B2}" type="slidenum">
+              <a:rPr lang="en-US" smtClean="0"/>
+              <a:pPr/>
+              <a:t>7</a:t>
+            </a:fld>
+            <a:endParaRPr lang="en-US"/>
+          </a:p>
+        </p:txBody>
+      </p:sp>
+    </p:spTree>
+    <p:extLst>
+      <p:ext uri="{BB962C8B-B14F-4D97-AF65-F5344CB8AC3E}">
+        <p14:creationId xmlns:p14="http://schemas.microsoft.com/office/powerpoint/2010/main" val="285731"/>
+      </p:ext>
+    </p:extLst>
+  </p:cSld>
+  <p:clrMapOvr>
+    <a:masterClrMapping/>
+  </p:clrMapOvr>
+</p:notes>
+</file>
+
+<file path=ppt/notesSlides/notesSlide8.xml><?xml version="1.0" encoding="utf-8"?>
+<p:notes xmlns:a="http://schemas.openxmlformats.org/drawingml/2006/main" xmlns:r="http://schemas.openxmlformats.org/officeDocument/2006/relationships" xmlns:p="http://schemas.openxmlformats.org/presentationml/2006/main">
+  <p:cSld>
+    <p:spTree>
+      <p:nvGrpSpPr>
+        <p:cNvPr id="1" name=""/>
+        <p:cNvGrpSpPr/>
+        <p:nvPr/>
+      </p:nvGrpSpPr>
+      <p:grpSpPr>
+        <a:xfrm>
+          <a:off x="0" y="0"/>
+          <a:ext cx="0" cy="0"/>
+          <a:chOff x="0" y="0"/>
+          <a:chExt cx="0" cy="0"/>
+        </a:xfrm>
+      </p:grpSpPr>
+      <p:sp>
+        <p:nvSpPr>
+          <p:cNvPr id="2" name="Slide Image Placeholder 1"/>
+          <p:cNvSpPr>
+            <a:spLocks noGrp="1" noRot="1" noChangeAspect="1"/>
+          </p:cNvSpPr>
+          <p:nvPr>
+            <p:ph type="sldImg"/>
+          </p:nvPr>
+        </p:nvSpPr>
+        <p:spPr/>
+      </p:sp>
+      <p:sp>
+        <p:nvSpPr>
+          <p:cNvPr id="3" name="Notes Placeholder 2"/>
+          <p:cNvSpPr>
+            <a:spLocks noGrp="1"/>
+          </p:cNvSpPr>
+          <p:nvPr>
+            <p:ph type="body" idx="1"/>
+          </p:nvPr>
+        </p:nvSpPr>
+        <p:spPr/>
+        <p:txBody>
+          <a:bodyPr/>
+          <a:lstStyle/>
+          <a:p>
+            <a:endParaRPr lang="en-US"/>
+          </a:p>
+        </p:txBody>
+      </p:sp>
+      <p:sp>
+        <p:nvSpPr>
+          <p:cNvPr id="4" name="Slide Number Placeholder 3"/>
+          <p:cNvSpPr>
+            <a:spLocks noGrp="1"/>
+          </p:cNvSpPr>
+          <p:nvPr>
+            <p:ph type="sldNum" sz="quarter" idx="10"/>
+          </p:nvPr>
+        </p:nvSpPr>
+        <p:spPr/>
+        <p:txBody>
+          <a:bodyPr/>
+          <a:lstStyle/>
+          <a:p>
+            <a:fld id="{2EFF8EEE-4460-471C-A98C-381116B839B2}" type="slidenum">
+              <a:rPr lang="en-US" smtClean="0"/>
+              <a:pPr/>
+              <a:t>8</a:t>
+            </a:fld>
+            <a:endParaRPr lang="en-US"/>
+          </a:p>
+        </p:txBody>
+      </p:sp>
+    </p:spTree>
+    <p:extLst>
+      <p:ext uri="{BB962C8B-B14F-4D97-AF65-F5344CB8AC3E}">
+        <p14:creationId xmlns:p14="http://schemas.microsoft.com/office/powerpoint/2010/main" val="3478493614"/>
+      </p:ext>
+    </p:extLst>
+  </p:cSld>
+  <p:clrMapOvr>
+    <a:masterClrMapping/>
+  </p:clrMapOvr>
+</p:notes>
+</file>
+
+<file path=ppt/notesSlides/notesSlide9.xml><?xml version="1.0" encoding="utf-8"?>
+<p:notes xmlns:a="http://schemas.openxmlformats.org/drawingml/2006/main" xmlns:r="http://schemas.openxmlformats.org/officeDocument/2006/relationships" xmlns:p="http://schemas.openxmlformats.org/presentationml/2006/main">
+  <p:cSld>
+    <p:spTree>
+      <p:nvGrpSpPr>
+        <p:cNvPr id="1" name=""/>
+        <p:cNvGrpSpPr/>
+        <p:nvPr/>
+      </p:nvGrpSpPr>
+      <p:grpSpPr>
+        <a:xfrm>
+          <a:off x="0" y="0"/>
+          <a:ext cx="0" cy="0"/>
+          <a:chOff x="0" y="0"/>
+          <a:chExt cx="0" cy="0"/>
+        </a:xfrm>
+      </p:grpSpPr>
+      <p:sp>
+        <p:nvSpPr>
+          <p:cNvPr id="2" name="Slide Image Placeholder 1"/>
+          <p:cNvSpPr>
+            <a:spLocks noGrp="1" noRot="1" noChangeAspect="1"/>
+          </p:cNvSpPr>
+          <p:nvPr>
+            <p:ph type="sldImg"/>
+          </p:nvPr>
+        </p:nvSpPr>
+        <p:spPr/>
+      </p:sp>
+      <p:sp>
+        <p:nvSpPr>
+          <p:cNvPr id="3" name="Notes Placeholder 2"/>
+          <p:cNvSpPr>
+            <a:spLocks noGrp="1"/>
+          </p:cNvSpPr>
+          <p:nvPr>
+            <p:ph type="body" idx="1"/>
+          </p:nvPr>
+        </p:nvSpPr>
+        <p:spPr/>
+        <p:txBody>
+          <a:bodyPr/>
+          <a:lstStyle/>
+          <a:p>
+            <a:endParaRPr lang="en-US"/>
+          </a:p>
+        </p:txBody>
+      </p:sp>
+      <p:sp>
+        <p:nvSpPr>
+          <p:cNvPr id="4" name="Slide Number Placeholder 3"/>
+          <p:cNvSpPr>
+            <a:spLocks noGrp="1"/>
+          </p:cNvSpPr>
+          <p:nvPr>
+            <p:ph type="sldNum" sz="quarter" idx="10"/>
+          </p:nvPr>
+        </p:nvSpPr>
+        <p:spPr/>
+        <p:txBody>
+          <a:bodyPr/>
+          <a:lstStyle/>
+          <a:p>
+            <a:fld id="{2EFF8EEE-4460-471C-A98C-381116B839B2}" type="slidenum">
+              <a:rPr lang="en-US" smtClean="0"/>
+              <a:pPr/>
+              <a:t>9</a:t>
+            </a:fld>
+            <a:endParaRPr lang="en-US"/>
+          </a:p>
+        </p:txBody>
+      </p:sp>
+    </p:spTree>
+    <p:extLst>
+      <p:ext uri="{BB962C8B-B14F-4D97-AF65-F5344CB8AC3E}">
+        <p14:creationId xmlns:p14="http://schemas.microsoft.com/office/powerpoint/2010/main" val="3250931582"/>
+      </p:ext>
+    </p:extLst>
   </p:cSld>
   <p:clrMapOvr>
     <a:masterClrMapping/>
@@ -3554,7 +4491,7 @@
                             </p:stCondLst>
                             <p:childTnLst>
                               <p:par>
-                                <p:cTn id="5" presetID="1" presetClass="entr" presetSubtype="0" fill="hold" grpId="0" nodeType="clickEffect">
+                                <p:cTn id="5" presetID="9" presetClass="entr" presetSubtype="0" fill="hold" grpId="1" nodeType="clickEffect">
                                   <p:stCondLst>
                                     <p:cond delay="0"/>
                                   </p:stCondLst>
@@ -3581,6 +4518,18 @@
                                         <p:strVal val="visible"/>
                                       </p:to>
                                     </p:set>
+                                    <p:animEffect transition="in" filter="dissolve">
+                                      <p:cBhvr>
+                                        <p:cTn id="7" dur="500"/>
+                                        <p:tgtEl>
+                                          <p:spTgt spid="5">
+                                            <p:txEl>
+                                              <p:pRg st="0" end="0"/>
+                                            </p:txEl>
+                                          </p:spTgt>
+                                        </p:tgtEl>
+                                      </p:cBhvr>
+                                    </p:animEffect>
                                   </p:childTnLst>
                                 </p:cTn>
                               </p:par>
@@ -3591,26 +4540,26 @@
                     </p:cTn>
                   </p:par>
                   <p:par>
-                    <p:cTn id="7" fill="hold">
+                    <p:cTn id="8" fill="hold">
                       <p:stCondLst>
                         <p:cond delay="indefinite"/>
                       </p:stCondLst>
                       <p:childTnLst>
                         <p:par>
-                          <p:cTn id="8" fill="hold">
+                          <p:cTn id="9" fill="hold">
                             <p:stCondLst>
                               <p:cond delay="0"/>
                             </p:stCondLst>
                             <p:childTnLst>
                               <p:par>
-                                <p:cTn id="9" presetID="1" presetClass="entr" presetSubtype="0" fill="hold" grpId="0" nodeType="clickEffect">
+                                <p:cTn id="10" presetID="9" presetClass="entr" presetSubtype="0" fill="hold" grpId="1" nodeType="clickEffect">
                                   <p:stCondLst>
                                     <p:cond delay="0"/>
                                   </p:stCondLst>
                                   <p:childTnLst>
                                     <p:set>
                                       <p:cBhvr>
-                                        <p:cTn id="10" dur="1" fill="hold">
+                                        <p:cTn id="11" dur="1" fill="hold">
                                           <p:stCondLst>
                                             <p:cond delay="0"/>
                                           </p:stCondLst>
@@ -3630,6 +4579,18 @@
                                         <p:strVal val="visible"/>
                                       </p:to>
                                     </p:set>
+                                    <p:animEffect transition="in" filter="dissolve">
+                                      <p:cBhvr>
+                                        <p:cTn id="12" dur="500"/>
+                                        <p:tgtEl>
+                                          <p:spTgt spid="5">
+                                            <p:txEl>
+                                              <p:pRg st="1" end="1"/>
+                                            </p:txEl>
+                                          </p:spTgt>
+                                        </p:tgtEl>
+                                      </p:cBhvr>
+                                    </p:animEffect>
                                   </p:childTnLst>
                                 </p:cTn>
                               </p:par>
@@ -3661,7 +4622,7 @@
       </p:par>
     </p:tnLst>
     <p:bldLst>
-      <p:bldP spid="5" grpId="0" build="allAtOnce"/>
+      <p:bldP spid="5" grpId="1" build="allAtOnce"/>
     </p:bldLst>
   </p:timing>
 </p:sld>
@@ -3736,77 +4697,17 @@
             </a:pPr>
             <a:r>
               <a:rPr lang="en-US" sz="4400" dirty="0" smtClean="0"/>
-              <a:t>his optimal girl and is serenading </a:t>
-            </a:r>
-          </a:p>
-          <a:p>
-            <a:pPr>
-              <a:buFontTx/>
-              <a:buNone/>
-            </a:pPr>
-            <a:r>
-              <a:rPr lang="en-US" sz="4400" dirty="0" smtClean="0">
-                <a:solidFill>
-                  <a:srgbClr val="0000CC"/>
-                </a:solidFill>
-              </a:rPr>
-              <a:t>Nicole</a:t>
+              <a:t>his optimal </a:t>
             </a:r>
             <a:r>
               <a:rPr lang="en-US" sz="4400" dirty="0" smtClean="0"/>
-              <a:t>, so</a:t>
-            </a:r>
-          </a:p>
-          <a:p>
-            <a:pPr>
-              <a:buFont typeface="Arial" pitchFamily="34" charset="0"/>
-              <a:buChar char="•"/>
-            </a:pPr>
-            <a:r>
-              <a:rPr lang="en-US" sz="4400" dirty="0" smtClean="0">
-                <a:solidFill>
-                  <a:srgbClr val="0000CC"/>
-                </a:solidFill>
-              </a:rPr>
-              <a:t>Nicole</a:t>
-            </a:r>
-            <a:r>
-              <a:rPr lang="en-US" sz="4400" dirty="0" smtClean="0"/>
-              <a:t> i</a:t>
-            </a:r>
-            <a:r>
-              <a:rPr lang="en-US" sz="4400" dirty="0" smtClean="0">
-                <a:latin typeface="Comic Sans MS"/>
-                <a:cs typeface="Comic Sans MS"/>
-              </a:rPr>
-              <a:t>s</a:t>
-            </a:r>
-            <a:r>
-              <a:rPr lang="en-US" sz="4400" dirty="0" smtClean="0">
-                <a:latin typeface="Euclid Symbol" charset="2"/>
-                <a:cs typeface="Euclid Symbol" charset="2"/>
-              </a:rPr>
-              <a:t> </a:t>
-            </a:r>
-            <a:r>
-              <a:rPr lang="en-US" sz="4400" b="1" dirty="0" smtClean="0">
-                <a:latin typeface="Euclid Symbol" charset="2"/>
-                <a:cs typeface="Euclid Symbol" charset="2"/>
-              </a:rPr>
-              <a:t>≥</a:t>
-            </a:r>
-            <a:r>
-              <a:rPr lang="en-US" sz="4400" dirty="0" smtClean="0"/>
-              <a:t> optimal for </a:t>
-            </a:r>
-            <a:r>
-              <a:rPr lang="en-US" sz="4400" dirty="0" smtClean="0">
-                <a:solidFill>
-                  <a:srgbClr val="0000CC"/>
-                </a:solidFill>
-              </a:rPr>
-              <a:t>Tom</a:t>
-            </a:r>
+              <a:t>girl</a:t>
+            </a:r>
+            <a:endParaRPr lang="en-US" sz="4400" dirty="0" smtClean="0">
+              <a:solidFill>
+                <a:srgbClr val="0000CC"/>
+              </a:solidFill>
+            </a:endParaRPr>
           </a:p>
         </p:txBody>
       </p:sp>
@@ -3884,6 +4785,267 @@
     <p:extLst>
       <p:ext uri="{BB962C8B-B14F-4D97-AF65-F5344CB8AC3E}">
         <p14:creationId xmlns:p14="http://schemas.microsoft.com/office/powerpoint/2010/main" val="3303177824"/>
+      </p:ext>
+    </p:extLst>
+  </p:cSld>
+  <p:clrMapOvr>
+    <a:masterClrMapping/>
+  </p:clrMapOvr>
+  <mc:AlternateContent xmlns:mc="http://schemas.openxmlformats.org/markup-compatibility/2006">
+    <mc:Choice xmlns:p14="http://schemas.microsoft.com/office/powerpoint/2010/main" Requires="p14">
+      <p:transition spd="med" p14:dur="700">
+        <p:fade/>
+      </p:transition>
+    </mc:Choice>
+    <mc:Fallback>
+      <p:transition xmlns:p14="http://schemas.microsoft.com/office/powerpoint/2010/main" spd="med">
+        <p:fade/>
+      </p:transition>
+    </mc:Fallback>
+  </mc:AlternateContent>
+  <p:timing>
+    <p:tnLst>
+      <p:par>
+        <p:cTn xmlns:p14="http://schemas.microsoft.com/office/powerpoint/2010/main" id="1" dur="indefinite" restart="never" nodeType="tmRoot"/>
+      </p:par>
+    </p:tnLst>
+  </p:timing>
+</p:sld>
+</file>
+
+<file path=ppt/slides/slide12.xml><?xml version="1.0" encoding="utf-8"?>
+<p:sld xmlns:a="http://schemas.openxmlformats.org/drawingml/2006/main" xmlns:r="http://schemas.openxmlformats.org/officeDocument/2006/relationships" xmlns:p="http://schemas.openxmlformats.org/presentationml/2006/main">
+  <p:cSld>
+    <p:spTree>
+      <p:nvGrpSpPr>
+        <p:cNvPr id="1" name=""/>
+        <p:cNvGrpSpPr/>
+        <p:nvPr/>
+      </p:nvGrpSpPr>
+      <p:grpSpPr>
+        <a:xfrm>
+          <a:off x="0" y="0"/>
+          <a:ext cx="0" cy="0"/>
+          <a:chOff x="0" y="0"/>
+          <a:chExt cx="0" cy="0"/>
+        </a:xfrm>
+      </p:grpSpPr>
+      <p:sp>
+        <p:nvSpPr>
+          <p:cNvPr id="3" name="Content Placeholder 2"/>
+          <p:cNvSpPr>
+            <a:spLocks noGrp="1"/>
+          </p:cNvSpPr>
+          <p:nvPr>
+            <p:ph idx="1"/>
+          </p:nvPr>
+        </p:nvSpPr>
+        <p:spPr>
+          <a:xfrm>
+            <a:off x="181459" y="1598882"/>
+            <a:ext cx="8875003" cy="3469686"/>
+          </a:xfrm>
+        </p:spPr>
+        <p:txBody>
+          <a:bodyPr/>
+          <a:lstStyle/>
+          <a:p>
+            <a:pPr>
+              <a:buFontTx/>
+              <a:buNone/>
+            </a:pPr>
+            <a:r>
+              <a:rPr lang="en-US" sz="4400" dirty="0" smtClean="0">
+                <a:solidFill>
+                  <a:srgbClr val="000000"/>
+                </a:solidFill>
+              </a:rPr>
+              <a:t>Also, </a:t>
+            </a:r>
+            <a:r>
+              <a:rPr lang="en-US" sz="4400" dirty="0" smtClean="0">
+                <a:solidFill>
+                  <a:srgbClr val="0000CC"/>
+                </a:solidFill>
+              </a:rPr>
+              <a:t>Tom</a:t>
+            </a:r>
+            <a:r>
+              <a:rPr lang="en-US" sz="4400" dirty="0" smtClean="0"/>
+              <a:t> has not crossed off </a:t>
+            </a:r>
+          </a:p>
+          <a:p>
+            <a:pPr>
+              <a:buFontTx/>
+              <a:buNone/>
+            </a:pPr>
+            <a:r>
+              <a:rPr lang="en-US" sz="4400" dirty="0" smtClean="0"/>
+              <a:t>his optimal </a:t>
+            </a:r>
+            <a:r>
+              <a:rPr lang="en-US" sz="4400" dirty="0" smtClean="0"/>
+              <a:t>girl, </a:t>
+            </a:r>
+            <a:r>
+              <a:rPr lang="en-US" sz="4400" dirty="0" smtClean="0"/>
+              <a:t>and </a:t>
+            </a:r>
+            <a:r>
+              <a:rPr lang="en-US" sz="4400" dirty="0" smtClean="0"/>
+              <a:t>he is </a:t>
+            </a:r>
+          </a:p>
+          <a:p>
+            <a:pPr>
+              <a:buFontTx/>
+              <a:buNone/>
+            </a:pPr>
+            <a:r>
+              <a:rPr lang="en-US" sz="4400" dirty="0" smtClean="0"/>
+              <a:t>serenading </a:t>
+            </a:r>
+            <a:r>
+              <a:rPr lang="en-US" sz="4400" dirty="0" smtClean="0">
+                <a:solidFill>
+                  <a:srgbClr val="0000CC"/>
+                </a:solidFill>
+              </a:rPr>
+              <a:t>Nicole</a:t>
+            </a:r>
+            <a:r>
+              <a:rPr lang="en-US" sz="4400" dirty="0" smtClean="0"/>
+              <a:t>, so</a:t>
+            </a:r>
+          </a:p>
+          <a:p>
+            <a:pPr>
+              <a:buFont typeface="Arial" pitchFamily="34" charset="0"/>
+              <a:buChar char="•"/>
+            </a:pPr>
+            <a:r>
+              <a:rPr lang="en-US" sz="4400" dirty="0" smtClean="0">
+                <a:solidFill>
+                  <a:srgbClr val="0000CC"/>
+                </a:solidFill>
+              </a:rPr>
+              <a:t>Nicole</a:t>
+            </a:r>
+            <a:r>
+              <a:rPr lang="en-US" sz="4400" dirty="0" smtClean="0"/>
+              <a:t> i</a:t>
+            </a:r>
+            <a:r>
+              <a:rPr lang="en-US" sz="4400" dirty="0" smtClean="0">
+                <a:latin typeface="Comic Sans MS"/>
+                <a:cs typeface="Comic Sans MS"/>
+              </a:rPr>
+              <a:t>s</a:t>
+            </a:r>
+            <a:r>
+              <a:rPr lang="en-US" sz="4400" dirty="0" smtClean="0">
+                <a:latin typeface="Euclid Symbol" charset="2"/>
+                <a:cs typeface="Euclid Symbol" charset="2"/>
+              </a:rPr>
+              <a:t> </a:t>
+            </a:r>
+            <a:r>
+              <a:rPr lang="en-US" sz="4400" b="1" dirty="0" smtClean="0">
+                <a:latin typeface="Euclid Symbol" charset="2"/>
+                <a:cs typeface="Euclid Symbol" charset="2"/>
+              </a:rPr>
+              <a:t>≥</a:t>
+            </a:r>
+            <a:r>
+              <a:rPr lang="en-US" sz="4400" dirty="0" smtClean="0"/>
+              <a:t> optimal for </a:t>
+            </a:r>
+            <a:r>
+              <a:rPr lang="en-US" sz="4400" dirty="0" smtClean="0">
+                <a:solidFill>
+                  <a:srgbClr val="0000CC"/>
+                </a:solidFill>
+              </a:rPr>
+              <a:t>Tom</a:t>
+            </a:r>
+          </a:p>
+        </p:txBody>
+      </p:sp>
+      <p:sp>
+        <p:nvSpPr>
+          <p:cNvPr id="54275" name="Slide Number Placeholder 3"/>
+          <p:cNvSpPr>
+            <a:spLocks noGrp="1"/>
+          </p:cNvSpPr>
+          <p:nvPr>
+            <p:ph type="sldNum" sz="quarter" idx="10"/>
+          </p:nvPr>
+        </p:nvSpPr>
+        <p:spPr>
+          <a:noFill/>
+        </p:spPr>
+        <p:txBody>
+          <a:bodyPr/>
+          <a:lstStyle/>
+          <a:p>
+            <a:r>
+              <a:rPr lang="en-US" dirty="0" err="1" smtClean="0"/>
+              <a:t>lec</a:t>
+            </a:r>
+            <a:r>
+              <a:rPr lang="en-US" dirty="0" smtClean="0"/>
+              <a:t> 7F.</a:t>
+            </a:r>
+            <a:fld id="{17EB9E32-BBFB-4A93-A629-8985322E0052}" type="slidenum">
+              <a:rPr lang="en-US" smtClean="0"/>
+              <a:pPr/>
+              <a:t>12</a:t>
+            </a:fld>
+            <a:endParaRPr lang="en-US" dirty="0" smtClean="0"/>
+          </a:p>
+        </p:txBody>
+      </p:sp>
+      <p:sp>
+        <p:nvSpPr>
+          <p:cNvPr id="54276" name="Rectangle 2"/>
+          <p:cNvSpPr>
+            <a:spLocks noGrp="1" noChangeArrowheads="1"/>
+          </p:cNvSpPr>
+          <p:nvPr>
+            <p:ph type="title"/>
+          </p:nvPr>
+        </p:nvSpPr>
+        <p:spPr>
+          <a:xfrm>
+            <a:off x="2617788" y="0"/>
+            <a:ext cx="3929062" cy="1047750"/>
+          </a:xfrm>
+        </p:spPr>
+        <p:txBody>
+          <a:bodyPr/>
+          <a:lstStyle/>
+          <a:p>
+            <a:pPr eaLnBrk="1" hangingPunct="1"/>
+            <a:r>
+              <a:rPr lang="en-US" sz="4400" smtClean="0"/>
+              <a:t>Boy</a:t>
+            </a:r>
+            <a:r>
+              <a:rPr lang="en-US" sz="4400" smtClean="0">
+                <a:solidFill>
+                  <a:srgbClr val="008000"/>
+                </a:solidFill>
+              </a:rPr>
+              <a:t> Optimal</a:t>
+            </a:r>
+          </a:p>
+        </p:txBody>
+      </p:sp>
+    </p:spTree>
+    <p:extLst>
+      <p:ext uri="{BB962C8B-B14F-4D97-AF65-F5344CB8AC3E}">
+        <p14:creationId xmlns:p14="http://schemas.microsoft.com/office/powerpoint/2010/main" val="1009915835"/>
       </p:ext>
     </p:extLst>
   </p:cSld>
@@ -3923,7 +5085,7 @@
                             </p:stCondLst>
                             <p:childTnLst>
                               <p:par>
-                                <p:cTn id="5" presetID="1" presetClass="entr" presetSubtype="0" fill="hold" nodeType="clickEffect">
+                                <p:cTn id="5" presetID="9" presetClass="entr" presetSubtype="0" fill="hold" nodeType="clickEffect">
                                   <p:stCondLst>
                                     <p:cond delay="0"/>
                                   </p:stCondLst>
@@ -3950,6 +5112,18 @@
                                         <p:strVal val="visible"/>
                                       </p:to>
                                     </p:set>
+                                    <p:animEffect transition="in" filter="dissolve">
+                                      <p:cBhvr>
+                                        <p:cTn id="7" dur="500"/>
+                                        <p:tgtEl>
+                                          <p:spTgt spid="3">
+                                            <p:txEl>
+                                              <p:pRg st="3" end="3"/>
+                                            </p:txEl>
+                                          </p:spTgt>
+                                        </p:tgtEl>
+                                      </p:cBhvr>
+                                    </p:animEffect>
                                   </p:childTnLst>
                                 </p:cTn>
                               </p:par>
@@ -3984,7 +5158,7 @@
 </p:sld>
 </file>
 
-<file path=ppt/slides/slide12.xml><?xml version="1.0" encoding="utf-8"?>
+<file path=ppt/slides/slide13.xml><?xml version="1.0" encoding="utf-8"?>
 <p:sld xmlns:a="http://schemas.openxmlformats.org/drawingml/2006/main" xmlns:r="http://schemas.openxmlformats.org/officeDocument/2006/relationships" xmlns:p="http://schemas.openxmlformats.org/presentationml/2006/main">
   <p:cSld>
     <p:spTree>
@@ -4029,7 +5203,7 @@
             <a:fld id="{6CCEBC7E-BB78-4935-B466-2CC68DADAB00}" type="slidenum">
               <a:rPr lang="en-US" smtClean="0"/>
               <a:pPr/>
-              <a:t>12</a:t>
+              <a:t>13</a:t>
             </a:fld>
             <a:endParaRPr lang="en-US" dirty="0" smtClean="0"/>
           </a:p>
@@ -4045,8 +5219,8 @@
         </p:nvSpPr>
         <p:spPr bwMode="auto">
           <a:xfrm>
-            <a:off x="146910" y="940701"/>
-            <a:ext cx="8897937" cy="2185214"/>
+            <a:off x="773130" y="826053"/>
+            <a:ext cx="7649855" cy="2207737"/>
           </a:xfrm>
           <a:prstGeom prst="rect">
             <a:avLst/>
@@ -4212,8 +5386,8 @@
         </p:nvSpPr>
         <p:spPr bwMode="auto">
           <a:xfrm>
-            <a:off x="269449" y="3046743"/>
-            <a:ext cx="8053657" cy="1446550"/>
+            <a:off x="269449" y="2932096"/>
+            <a:ext cx="7772380" cy="1446550"/>
           </a:xfrm>
           <a:prstGeom prst="rect">
             <a:avLst/>
@@ -4250,18 +5424,45 @@
             <a:r>
               <a:rPr lang="en-US" sz="4000" dirty="0" smtClean="0">
                 <a:solidFill>
+                  <a:srgbClr val="FF00FF"/>
+                </a:solidFill>
+                <a:latin typeface="Comic Sans MS" pitchFamily="66" charset="0"/>
+              </a:rPr>
+              <a:t>other</a:t>
+            </a:r>
+            <a:r>
+              <a:rPr lang="en-US" sz="4000" dirty="0" smtClean="0">
+                <a:solidFill>
                   <a:srgbClr val="7030A0"/>
                 </a:solidFill>
                 <a:latin typeface="Comic Sans MS" pitchFamily="66" charset="0"/>
               </a:rPr>
-              <a:t>another </a:t>
+              <a:t> </a:t>
             </a:r>
             <a:r>
               <a:rPr lang="en-US" sz="4000" dirty="0" smtClean="0">
-                <a:latin typeface="Comic Sans MS" pitchFamily="66" charset="0"/>
-              </a:rPr>
-              <a:t>stable marriage</a:t>
-            </a:r>
+                <a:solidFill>
+                  <a:srgbClr val="FF00FF"/>
+                </a:solidFill>
+                <a:latin typeface="Comic Sans MS" pitchFamily="66" charset="0"/>
+              </a:rPr>
+              <a:t>stable </a:t>
+            </a:r>
+            <a:r>
+              <a:rPr lang="en-US" sz="4000" dirty="0" smtClean="0">
+                <a:solidFill>
+                  <a:srgbClr val="FF00FF"/>
+                </a:solidFill>
+                <a:latin typeface="Comic Sans MS" pitchFamily="66" charset="0"/>
+              </a:rPr>
+              <a:t>marriages</a:t>
+            </a:r>
+            <a:endParaRPr lang="en-US" sz="4000" dirty="0" smtClean="0">
+              <a:solidFill>
+                <a:srgbClr val="FF00FF"/>
+              </a:solidFill>
+              <a:latin typeface="Comic Sans MS" pitchFamily="66" charset="0"/>
+            </a:endParaRPr>
           </a:p>
           <a:p>
             <a:pPr>
@@ -4280,13 +5481,31 @@
                 </a:solidFill>
                 <a:latin typeface="Comic Sans MS" pitchFamily="66" charset="0"/>
               </a:rPr>
-              <a:t>Keith </a:t>
+              <a:t>Keith</a:t>
             </a:r>
             <a:r>
               <a:rPr lang="en-US" sz="4000" dirty="0" smtClean="0">
-                <a:latin typeface="Comic Sans MS" pitchFamily="66" charset="0"/>
-              </a:rPr>
-              <a:t>married to </a:t>
+                <a:solidFill>
+                  <a:srgbClr val="9F009F"/>
+                </a:solidFill>
+                <a:latin typeface="Comic Sans MS" pitchFamily="66" charset="0"/>
+              </a:rPr>
+              <a:t> </a:t>
+            </a:r>
+            <a:r>
+              <a:rPr lang="en-US" sz="4000" dirty="0" smtClean="0">
+                <a:solidFill>
+                  <a:srgbClr val="FF0000"/>
+                </a:solidFill>
+                <a:latin typeface="Comic Sans MS" pitchFamily="66" charset="0"/>
+              </a:rPr>
+              <a:t>married to</a:t>
+            </a:r>
+            <a:r>
+              <a:rPr lang="en-US" sz="4000" dirty="0" smtClean="0">
+                <a:latin typeface="Comic Sans MS" pitchFamily="66" charset="0"/>
+              </a:rPr>
+              <a:t> </a:t>
             </a:r>
             <a:r>
               <a:rPr lang="en-US" sz="4000" dirty="0" smtClean="0">
@@ -4298,10 +5517,10 @@
               <a:t>Nicole</a:t>
             </a:r>
             <a:r>
-              <a:rPr lang="en-US" sz="4000" dirty="0">
-                <a:latin typeface="Comic Sans MS" pitchFamily="66" charset="0"/>
-              </a:rPr>
-              <a:t>.  </a:t>
+              <a:rPr lang="en-US" sz="4000" dirty="0" smtClean="0">
+                <a:latin typeface="Comic Sans MS" pitchFamily="66" charset="0"/>
+              </a:rPr>
+              <a:t>  </a:t>
             </a:r>
             <a:endParaRPr lang="en-US" sz="4000" dirty="0">
               <a:solidFill>
@@ -4322,8 +5541,8 @@
         </p:nvSpPr>
         <p:spPr bwMode="auto">
           <a:xfrm>
-            <a:off x="265847" y="4509111"/>
-            <a:ext cx="8412162" cy="1323439"/>
+            <a:off x="239387" y="4270998"/>
+            <a:ext cx="8412162" cy="769441"/>
           </a:xfrm>
           <a:prstGeom prst="rect">
             <a:avLst/>
@@ -4346,101 +5565,20 @@
               <a:buNone/>
             </a:pPr>
             <a:r>
-              <a:rPr lang="en-US" sz="4000" dirty="0" smtClean="0">
+              <a:rPr lang="en-US" sz="4400" dirty="0" smtClean="0">
                 <a:solidFill>
-                  <a:srgbClr val="000000"/>
+                  <a:srgbClr val="9F009F"/>
                 </a:solidFill>
                 <a:latin typeface="Comic Sans MS" pitchFamily="66" charset="0"/>
               </a:rPr>
-              <a:t>But </a:t>
-            </a:r>
-            <a:r>
-              <a:rPr lang="en-US" sz="4000" dirty="0">
-                <a:solidFill>
-                  <a:srgbClr val="000000"/>
-                </a:solidFill>
-                <a:latin typeface="Comic Sans MS" pitchFamily="66" charset="0"/>
-              </a:rPr>
-              <a:t>then </a:t>
-            </a:r>
-            <a:r>
-              <a:rPr lang="en-US" sz="4000" dirty="0">
-                <a:solidFill>
-                  <a:srgbClr val="0000CC"/>
-                </a:solidFill>
-                <a:latin typeface="Comic Sans MS" pitchFamily="66" charset="0"/>
-              </a:rPr>
-              <a:t>Nicole</a:t>
-            </a:r>
-            <a:r>
-              <a:rPr lang="en-US" sz="4000" dirty="0">
-                <a:solidFill>
-                  <a:srgbClr val="000000"/>
-                </a:solidFill>
-                <a:latin typeface="Comic Sans MS" pitchFamily="66" charset="0"/>
-              </a:rPr>
-              <a:t> &amp; </a:t>
-            </a:r>
-            <a:r>
-              <a:rPr lang="en-US" sz="4000" dirty="0" smtClean="0">
-                <a:solidFill>
-                  <a:srgbClr val="0000CC"/>
-                </a:solidFill>
-                <a:latin typeface="Comic Sans MS" pitchFamily="66" charset="0"/>
-              </a:rPr>
-              <a:t>Tom </a:t>
-            </a:r>
-            <a:r>
-              <a:rPr lang="en-US" sz="4000" dirty="0" smtClean="0">
-                <a:solidFill>
-                  <a:srgbClr val="000000"/>
-                </a:solidFill>
-                <a:latin typeface="Comic Sans MS" pitchFamily="66" charset="0"/>
-              </a:rPr>
-              <a:t>are </a:t>
-            </a:r>
-            <a:r>
-              <a:rPr lang="en-US" sz="4000" dirty="0">
-                <a:solidFill>
-                  <a:srgbClr val="C00000"/>
-                </a:solidFill>
-                <a:latin typeface="Comic Sans MS" pitchFamily="66" charset="0"/>
-              </a:rPr>
-              <a:t>rogue</a:t>
-            </a:r>
-            <a:r>
-              <a:rPr lang="en-US" sz="4000" dirty="0">
-                <a:solidFill>
-                  <a:srgbClr val="000000"/>
-                </a:solidFill>
-                <a:latin typeface="Comic Sans MS" pitchFamily="66" charset="0"/>
-              </a:rPr>
-              <a:t>, </a:t>
-            </a:r>
-            <a:r>
-              <a:rPr lang="en-US" sz="4000" dirty="0">
-                <a:latin typeface="Comic Sans MS" pitchFamily="66" charset="0"/>
-              </a:rPr>
-              <a:t>contradicting</a:t>
-            </a:r>
-            <a:r>
-              <a:rPr lang="en-US" sz="4000" dirty="0">
-                <a:solidFill>
-                  <a:srgbClr val="FF0000"/>
-                </a:solidFill>
-                <a:latin typeface="Comic Sans MS" pitchFamily="66" charset="0"/>
-              </a:rPr>
-              <a:t> </a:t>
-            </a:r>
-            <a:r>
-              <a:rPr lang="en-US" sz="4000" dirty="0">
-                <a:solidFill>
-                  <a:srgbClr val="000000"/>
-                </a:solidFill>
-                <a:latin typeface="Comic Sans MS" pitchFamily="66" charset="0"/>
-              </a:rPr>
-              <a:t>stability.</a:t>
-            </a:r>
+              <a:t>(by definition of optimal)</a:t>
+            </a:r>
+            <a:endParaRPr lang="en-US" sz="4400" dirty="0">
+              <a:solidFill>
+                <a:srgbClr val="9F009F"/>
+              </a:solidFill>
+              <a:latin typeface="Comic Sans MS" pitchFamily="66" charset="0"/>
+            </a:endParaRPr>
           </a:p>
         </p:txBody>
       </p:sp>
@@ -4490,7 +5628,18 @@
   <p:clrMapOvr>
     <a:masterClrMapping/>
   </p:clrMapOvr>
-  <p:transition xmlns:p14="http://schemas.microsoft.com/office/powerpoint/2010/main"/>
+  <mc:AlternateContent xmlns:mc="http://schemas.openxmlformats.org/markup-compatibility/2006">
+    <mc:Choice xmlns:p14="http://schemas.microsoft.com/office/powerpoint/2010/main" Requires="p14">
+      <p:transition spd="slow" p14:dur="1200">
+        <p:fade/>
+      </p:transition>
+    </mc:Choice>
+    <mc:Fallback>
+      <p:transition xmlns:p14="http://schemas.microsoft.com/office/powerpoint/2010/main" spd="slow">
+        <p:fade/>
+      </p:transition>
+    </mc:Fallback>
+  </mc:AlternateContent>
   <p:timing>
     <p:tnLst>
       <p:par>
@@ -4512,7 +5661,7 @@
                             </p:stCondLst>
                             <p:childTnLst>
                               <p:par>
-                                <p:cTn id="5" presetID="1" presetClass="entr" presetSubtype="0" fill="hold" grpId="0" nodeType="clickEffect">
+                                <p:cTn id="5" presetID="9" presetClass="entr" presetSubtype="0" fill="hold" grpId="0" nodeType="clickEffect">
                                   <p:stCondLst>
                                     <p:cond delay="0"/>
                                   </p:stCondLst>
@@ -4520,6 +5669,128 @@
                                     <p:set>
                                       <p:cBhvr>
                                         <p:cTn id="6" dur="1" fill="hold">
+                                          <p:stCondLst>
+                                            <p:cond delay="0"/>
+                                          </p:stCondLst>
+                                        </p:cTn>
+                                        <p:tgtEl>
+                                          <p:spTgt spid="55299">
+                                            <p:txEl>
+                                              <p:pRg st="1" end="1"/>
+                                            </p:txEl>
+                                          </p:spTgt>
+                                        </p:tgtEl>
+                                        <p:attrNameLst>
+                                          <p:attrName>style.visibility</p:attrName>
+                                        </p:attrNameLst>
+                                      </p:cBhvr>
+                                      <p:to>
+                                        <p:strVal val="visible"/>
+                                      </p:to>
+                                    </p:set>
+                                    <p:animEffect transition="in" filter="dissolve">
+                                      <p:cBhvr>
+                                        <p:cTn id="7" dur="500"/>
+                                        <p:tgtEl>
+                                          <p:spTgt spid="55299">
+                                            <p:txEl>
+                                              <p:pRg st="1" end="1"/>
+                                            </p:txEl>
+                                          </p:spTgt>
+                                        </p:tgtEl>
+                                      </p:cBhvr>
+                                    </p:animEffect>
+                                  </p:childTnLst>
+                                </p:cTn>
+                              </p:par>
+                            </p:childTnLst>
+                          </p:cTn>
+                        </p:par>
+                      </p:childTnLst>
+                    </p:cTn>
+                  </p:par>
+                  <p:par>
+                    <p:cTn id="8" fill="hold">
+                      <p:stCondLst>
+                        <p:cond delay="indefinite"/>
+                      </p:stCondLst>
+                      <p:childTnLst>
+                        <p:par>
+                          <p:cTn id="9" fill="hold">
+                            <p:stCondLst>
+                              <p:cond delay="0"/>
+                            </p:stCondLst>
+                            <p:childTnLst>
+                              <p:par>
+                                <p:cTn id="10" presetID="9" presetClass="entr" presetSubtype="0" fill="hold" grpId="0" nodeType="clickEffect">
+                                  <p:stCondLst>
+                                    <p:cond delay="0"/>
+                                  </p:stCondLst>
+                                  <p:childTnLst>
+                                    <p:set>
+                                      <p:cBhvr>
+                                        <p:cTn id="11" dur="1" fill="hold">
+                                          <p:stCondLst>
+                                            <p:cond delay="0"/>
+                                          </p:stCondLst>
+                                        </p:cTn>
+                                        <p:tgtEl>
+                                          <p:spTgt spid="55299">
+                                            <p:txEl>
+                                              <p:pRg st="2" end="2"/>
+                                            </p:txEl>
+                                          </p:spTgt>
+                                        </p:tgtEl>
+                                        <p:attrNameLst>
+                                          <p:attrName>style.visibility</p:attrName>
+                                        </p:attrNameLst>
+                                      </p:cBhvr>
+                                      <p:to>
+                                        <p:strVal val="visible"/>
+                                      </p:to>
+                                    </p:set>
+                                    <p:animEffect transition="in" filter="dissolve">
+                                      <p:cBhvr>
+                                        <p:cTn id="12" dur="500"/>
+                                        <p:tgtEl>
+                                          <p:spTgt spid="55299">
+                                            <p:txEl>
+                                              <p:pRg st="2" end="2"/>
+                                            </p:txEl>
+                                          </p:spTgt>
+                                        </p:tgtEl>
+                                      </p:cBhvr>
+                                    </p:animEffect>
+                                  </p:childTnLst>
+                                </p:cTn>
+                              </p:par>
+                            </p:childTnLst>
+                          </p:cTn>
+                        </p:par>
+                      </p:childTnLst>
+                    </p:cTn>
+                  </p:par>
+                  <p:par>
+                    <p:cTn id="13" fill="hold">
+                      <p:stCondLst>
+                        <p:cond delay="indefinite"/>
+                      </p:stCondLst>
+                      <p:childTnLst>
+                        <p:par>
+                          <p:cTn id="14" fill="hold">
+                            <p:stCondLst>
+                              <p:cond delay="0"/>
+                            </p:stCondLst>
+                            <p:childTnLst>
+                              <p:par>
+                                <p:cTn id="15" presetID="9" presetClass="entr" presetSubtype="0" fill="hold" grpId="0" nodeType="clickEffect">
+                                  <p:stCondLst>
+                                    <p:cond delay="0"/>
+                                  </p:stCondLst>
+                                  <p:childTnLst>
+                                    <p:set>
+                                      <p:cBhvr>
+                                        <p:cTn id="16" dur="1" fill="hold">
                                           <p:stCondLst>
                                             <p:cond delay="0"/>
                                           </p:stCondLst>
@@ -4535,6 +5806,14 @@
                                         <p:strVal val="visible"/>
                                       </p:to>
                                     </p:set>
+                                    <p:animEffect transition="in" filter="dissolve">
+                                      <p:cBhvr>
+                                        <p:cTn id="17" dur="500"/>
+                                        <p:tgtEl>
+                                          <p:spTgt spid="6"/>
+                                        </p:tgtEl>
+                                      </p:cBhvr>
+                                    </p:animEffect>
                                   </p:childTnLst>
                                 </p:cTn>
                               </p:par>
@@ -4545,32 +5824,36 @@
                     </p:cTn>
                   </p:par>
                   <p:par>
-                    <p:cTn id="7" fill="hold">
+                    <p:cTn id="18" fill="hold">
                       <p:stCondLst>
                         <p:cond delay="indefinite"/>
                       </p:stCondLst>
                       <p:childTnLst>
                         <p:par>
-                          <p:cTn id="8" fill="hold">
+                          <p:cTn id="19" fill="hold">
                             <p:stCondLst>
                               <p:cond delay="0"/>
                             </p:stCondLst>
                             <p:childTnLst>
                               <p:par>
-                                <p:cTn id="9" presetID="1" presetClass="entr" presetSubtype="0" fill="hold" grpId="0" nodeType="clickEffect">
+                                <p:cTn id="20" presetID="9" presetClass="entr" presetSubtype="0" fill="hold" grpId="0" nodeType="clickEffect">
                                   <p:stCondLst>
                                     <p:cond delay="0"/>
                                   </p:stCondLst>
                                   <p:childTnLst>
                                     <p:set>
                                       <p:cBhvr>
-                                        <p:cTn id="10" dur="1" fill="hold">
+                                        <p:cTn id="21" dur="1" fill="hold">
                                           <p:stCondLst>
                                             <p:cond delay="0"/>
                                           </p:stCondLst>
                                         </p:cTn>
                                         <p:tgtEl>
-                                          <p:spTgt spid="9"/>
+                                          <p:spTgt spid="9">
+                                            <p:txEl>
+                                              <p:pRg st="0" end="0"/>
+                                            </p:txEl>
+                                          </p:spTgt>
                                         </p:tgtEl>
                                         <p:attrNameLst>
                                           <p:attrName>style.visibility</p:attrName>
@@ -4580,6 +5863,18 @@
                                         <p:strVal val="visible"/>
                                       </p:to>
                                     </p:set>
+                                    <p:animEffect transition="in" filter="dissolve">
+                                      <p:cBhvr>
+                                        <p:cTn id="22" dur="500"/>
+                                        <p:tgtEl>
+                                          <p:spTgt spid="9">
+                                            <p:txEl>
+                                              <p:pRg st="0" end="0"/>
+                                            </p:txEl>
+                                          </p:spTgt>
+                                        </p:tgtEl>
+                                      </p:cBhvr>
+                                    </p:animEffect>
                                   </p:childTnLst>
                                 </p:cTn>
                               </p:par>
@@ -4611,14 +5906,15 @@
       </p:par>
     </p:tnLst>
     <p:bldLst>
+      <p:bldP spid="55299" grpId="0" build="p"/>
       <p:bldP spid="6" grpId="0"/>
-      <p:bldP spid="9" grpId="0"/>
+      <p:bldP spid="9" grpId="0" build="p"/>
     </p:bldLst>
   </p:timing>
 </p:sld>
 </file>
 
-<file path=ppt/slides/slide13.xml><?xml version="1.0" encoding="utf-8"?>
+<file path=ppt/slides/slide14.xml><?xml version="1.0" encoding="utf-8"?>
 <p:sld xmlns:a="http://schemas.openxmlformats.org/drawingml/2006/main" xmlns:r="http://schemas.openxmlformats.org/officeDocument/2006/relationships" xmlns:p="http://schemas.openxmlformats.org/presentationml/2006/main">
   <p:cSld>
     <p:spTree>
@@ -4637,7 +5933,7 @@
       </p:grpSpPr>
       <p:sp>
         <p:nvSpPr>
-          <p:cNvPr id="56322" name="Slide Number Placeholder 3"/>
+          <p:cNvPr id="55298" name="Slide Number Placeholder 3"/>
           <p:cNvSpPr>
             <a:spLocks noGrp="1"/>
           </p:cNvSpPr>
@@ -4660,10 +5956,735 @@
               <a:rPr lang="en-US" dirty="0" smtClean="0"/>
               <a:t> 7F.</a:t>
             </a:r>
+            <a:fld id="{6CCEBC7E-BB78-4935-B466-2CC68DADAB00}" type="slidenum">
+              <a:rPr lang="en-US" smtClean="0"/>
+              <a:pPr/>
+              <a:t>14</a:t>
+            </a:fld>
+            <a:endParaRPr lang="en-US" dirty="0" smtClean="0"/>
+          </a:p>
+        </p:txBody>
+      </p:sp>
+      <p:sp>
+        <p:nvSpPr>
+          <p:cNvPr id="55299" name="Rectangle 4"/>
+          <p:cNvSpPr>
+            <a:spLocks noChangeArrowheads="1"/>
+          </p:cNvSpPr>
+          <p:nvPr/>
+        </p:nvSpPr>
+        <p:spPr bwMode="auto">
+          <a:xfrm>
+            <a:off x="773130" y="826053"/>
+            <a:ext cx="7649855" cy="2207737"/>
+          </a:xfrm>
+          <a:prstGeom prst="rect">
+            <a:avLst/>
+          </a:prstGeom>
+          <a:noFill/>
+          <a:ln w="9525">
+            <a:noFill/>
+            <a:miter lim="800000"/>
+            <a:headEnd/>
+            <a:tailEnd/>
+          </a:ln>
+        </p:spPr>
+        <p:txBody>
+          <a:bodyPr wrap="square">
+            <a:spAutoFit/>
+          </a:bodyPr>
+          <a:lstStyle/>
+          <a:p>
+            <a:pPr>
+              <a:buFont typeface="Arial" charset="0"/>
+              <a:buChar char="•"/>
+            </a:pPr>
+            <a:r>
+              <a:rPr lang="en-US" sz="4000" dirty="0" smtClean="0">
+                <a:solidFill>
+                  <a:srgbClr val="0000CC"/>
+                </a:solidFill>
+              </a:rPr>
+              <a:t>Nicole</a:t>
+            </a:r>
+            <a:r>
+              <a:rPr lang="en-US" sz="4000" dirty="0" smtClean="0"/>
+              <a:t> </a:t>
+            </a:r>
+            <a:r>
+              <a:rPr lang="en-US" sz="4000" dirty="0"/>
+              <a:t>i</a:t>
+            </a:r>
+            <a:r>
+              <a:rPr lang="en-US" sz="4000" dirty="0">
+                <a:latin typeface="Comic Sans MS"/>
+                <a:cs typeface="Comic Sans MS"/>
+              </a:rPr>
+              <a:t>s</a:t>
+            </a:r>
+            <a:r>
+              <a:rPr lang="en-US" sz="4000" dirty="0">
+                <a:latin typeface="Euclid Symbol" charset="2"/>
+                <a:cs typeface="Euclid Symbol" charset="2"/>
+              </a:rPr>
+              <a:t> </a:t>
+            </a:r>
+            <a:r>
+              <a:rPr lang="en-US" sz="4000" b="1" dirty="0">
+                <a:latin typeface="Euclid Symbol" charset="2"/>
+                <a:cs typeface="Euclid Symbol" charset="2"/>
+              </a:rPr>
+              <a:t>≥</a:t>
+            </a:r>
+            <a:r>
+              <a:rPr lang="en-US" sz="4000" dirty="0"/>
+              <a:t> optimal for </a:t>
+            </a:r>
+            <a:r>
+              <a:rPr lang="en-US" sz="4000" dirty="0">
+                <a:solidFill>
+                  <a:srgbClr val="0000CC"/>
+                </a:solidFill>
+              </a:rPr>
+              <a:t>Tom</a:t>
+            </a:r>
+          </a:p>
+          <a:p>
+            <a:pPr>
+              <a:buFont typeface="Arial" charset="0"/>
+              <a:buChar char="•"/>
+            </a:pPr>
+            <a:r>
+              <a:rPr lang="en-US" sz="4000" dirty="0" smtClean="0">
+                <a:solidFill>
+                  <a:srgbClr val="0000CC"/>
+                </a:solidFill>
+                <a:latin typeface="Comic Sans MS" pitchFamily="66" charset="0"/>
+              </a:rPr>
+              <a:t>Nicole</a:t>
+            </a:r>
+            <a:r>
+              <a:rPr lang="en-US" sz="4000" dirty="0" smtClean="0">
+                <a:latin typeface="Comic Sans MS" pitchFamily="66" charset="0"/>
+              </a:rPr>
+              <a:t> </a:t>
+            </a:r>
+            <a:r>
+              <a:rPr lang="en-US" sz="4000" dirty="0">
+                <a:latin typeface="Comic Sans MS" pitchFamily="66" charset="0"/>
+              </a:rPr>
+              <a:t>is optimal for </a:t>
+            </a:r>
+            <a:r>
+              <a:rPr lang="en-US" sz="4000" dirty="0">
+                <a:solidFill>
+                  <a:srgbClr val="0000CC"/>
+                </a:solidFill>
+                <a:latin typeface="Comic Sans MS" pitchFamily="66" charset="0"/>
+              </a:rPr>
+              <a:t>Keith</a:t>
+            </a:r>
+          </a:p>
+          <a:p>
+            <a:pPr>
+              <a:buFont typeface="Arial" charset="0"/>
+              <a:buChar char="•"/>
+            </a:pPr>
+            <a:r>
+              <a:rPr lang="en-US" sz="4000" dirty="0">
+                <a:solidFill>
+                  <a:srgbClr val="0000CC"/>
+                </a:solidFill>
+                <a:latin typeface="Comic Sans MS" pitchFamily="66" charset="0"/>
+              </a:rPr>
+              <a:t>Nicole</a:t>
+            </a:r>
+            <a:r>
+              <a:rPr lang="en-US" sz="4000" dirty="0">
+                <a:latin typeface="Comic Sans MS" pitchFamily="66" charset="0"/>
+              </a:rPr>
+              <a:t> prefers </a:t>
+            </a:r>
+            <a:r>
+              <a:rPr lang="en-US" sz="4000" dirty="0">
+                <a:solidFill>
+                  <a:srgbClr val="0000CC"/>
+                </a:solidFill>
+                <a:latin typeface="Comic Sans MS" pitchFamily="66" charset="0"/>
+              </a:rPr>
+              <a:t>Tom</a:t>
+            </a:r>
+            <a:r>
+              <a:rPr lang="en-US" sz="4000" dirty="0">
+                <a:latin typeface="Comic Sans MS" pitchFamily="66" charset="0"/>
+              </a:rPr>
+              <a:t> to </a:t>
+            </a:r>
+            <a:r>
+              <a:rPr lang="en-US" sz="4000" dirty="0">
+                <a:solidFill>
+                  <a:srgbClr val="0000CC"/>
+                </a:solidFill>
+                <a:latin typeface="Comic Sans MS" pitchFamily="66" charset="0"/>
+              </a:rPr>
+              <a:t>Keith</a:t>
+            </a:r>
+          </a:p>
+        </p:txBody>
+      </p:sp>
+      <p:sp>
+        <p:nvSpPr>
+          <p:cNvPr id="6" name="TextBox 5"/>
+          <p:cNvSpPr txBox="1">
+            <a:spLocks noChangeArrowheads="1"/>
+          </p:cNvSpPr>
+          <p:nvPr/>
+        </p:nvSpPr>
+        <p:spPr bwMode="auto">
+          <a:xfrm>
+            <a:off x="269449" y="2932096"/>
+            <a:ext cx="7772380" cy="1446550"/>
+          </a:xfrm>
+          <a:prstGeom prst="rect">
+            <a:avLst/>
+          </a:prstGeom>
+          <a:noFill/>
+          <a:ln w="9525">
+            <a:noFill/>
+            <a:miter lim="800000"/>
+            <a:headEnd/>
+            <a:tailEnd/>
+          </a:ln>
+        </p:spPr>
+        <p:txBody>
+          <a:bodyPr wrap="none">
+            <a:spAutoFit/>
+          </a:bodyPr>
+          <a:lstStyle/>
+          <a:p>
+            <a:pPr>
+              <a:buNone/>
+            </a:pPr>
+            <a:r>
+              <a:rPr lang="en-US" sz="4000" dirty="0" smtClean="0">
+                <a:latin typeface="Comic Sans MS" pitchFamily="66" charset="0"/>
+              </a:rPr>
+              <a:t>Must </a:t>
+            </a:r>
+            <a:r>
+              <a:rPr lang="en-US" sz="4000" dirty="0">
+                <a:latin typeface="Comic Sans MS" pitchFamily="66" charset="0"/>
+              </a:rPr>
+              <a:t>be </a:t>
+            </a:r>
+            <a:r>
+              <a:rPr lang="en-US" sz="4000" dirty="0" smtClean="0">
+                <a:solidFill>
+                  <a:srgbClr val="FF00FF"/>
+                </a:solidFill>
+                <a:latin typeface="Comic Sans MS" pitchFamily="66" charset="0"/>
+              </a:rPr>
+              <a:t>other</a:t>
+            </a:r>
+            <a:r>
+              <a:rPr lang="en-US" sz="4000" dirty="0" smtClean="0">
+                <a:solidFill>
+                  <a:srgbClr val="7030A0"/>
+                </a:solidFill>
+                <a:latin typeface="Comic Sans MS" pitchFamily="66" charset="0"/>
+              </a:rPr>
+              <a:t> </a:t>
+            </a:r>
+            <a:r>
+              <a:rPr lang="en-US" sz="4000" dirty="0" smtClean="0">
+                <a:solidFill>
+                  <a:srgbClr val="FF00FF"/>
+                </a:solidFill>
+                <a:latin typeface="Comic Sans MS" pitchFamily="66" charset="0"/>
+              </a:rPr>
+              <a:t>stable </a:t>
+            </a:r>
+            <a:r>
+              <a:rPr lang="en-US" sz="4000" dirty="0" smtClean="0">
+                <a:solidFill>
+                  <a:srgbClr val="FF00FF"/>
+                </a:solidFill>
+                <a:latin typeface="Comic Sans MS" pitchFamily="66" charset="0"/>
+              </a:rPr>
+              <a:t>marriages</a:t>
+            </a:r>
+            <a:endParaRPr lang="en-US" sz="4000" dirty="0" smtClean="0">
+              <a:solidFill>
+                <a:srgbClr val="FF00FF"/>
+              </a:solidFill>
+              <a:latin typeface="Comic Sans MS" pitchFamily="66" charset="0"/>
+            </a:endParaRPr>
+          </a:p>
+          <a:p>
+            <a:pPr>
+              <a:buNone/>
+            </a:pPr>
+            <a:r>
+              <a:rPr lang="en-US" sz="4000" dirty="0" smtClean="0">
+                <a:latin typeface="Comic Sans MS" pitchFamily="66" charset="0"/>
+              </a:rPr>
+              <a:t>with </a:t>
+            </a:r>
+            <a:r>
+              <a:rPr lang="en-US" sz="4000" dirty="0" smtClean="0">
+                <a:solidFill>
+                  <a:srgbClr val="0000CC"/>
+                </a:solidFill>
+                <a:latin typeface="Comic Sans MS" pitchFamily="66" charset="0"/>
+              </a:rPr>
+              <a:t>Keith</a:t>
+            </a:r>
+            <a:r>
+              <a:rPr lang="en-US" sz="4000" dirty="0" smtClean="0">
+                <a:solidFill>
+                  <a:srgbClr val="9F009F"/>
+                </a:solidFill>
+                <a:latin typeface="Comic Sans MS" pitchFamily="66" charset="0"/>
+              </a:rPr>
+              <a:t> </a:t>
+            </a:r>
+            <a:r>
+              <a:rPr lang="en-US" sz="4000" dirty="0" smtClean="0">
+                <a:solidFill>
+                  <a:srgbClr val="FF0000"/>
+                </a:solidFill>
+                <a:latin typeface="Comic Sans MS" pitchFamily="66" charset="0"/>
+              </a:rPr>
+              <a:t>married to</a:t>
+            </a:r>
+            <a:r>
+              <a:rPr lang="en-US" sz="4000" dirty="0" smtClean="0">
+                <a:latin typeface="Comic Sans MS" pitchFamily="66" charset="0"/>
+              </a:rPr>
+              <a:t> </a:t>
+            </a:r>
+            <a:r>
+              <a:rPr lang="en-US" sz="4000" dirty="0" smtClean="0">
+                <a:solidFill>
+                  <a:srgbClr val="0000CC"/>
+                </a:solidFill>
+                <a:latin typeface="Comic Sans MS" pitchFamily="66" charset="0"/>
+              </a:rPr>
+              <a:t>Nicole</a:t>
+            </a:r>
+            <a:r>
+              <a:rPr lang="en-US" sz="4000" dirty="0">
+                <a:latin typeface="Comic Sans MS" pitchFamily="66" charset="0"/>
+              </a:rPr>
+              <a:t>.  </a:t>
+            </a:r>
+            <a:endParaRPr lang="en-US" sz="4000" dirty="0">
+              <a:solidFill>
+                <a:schemeClr val="tx2"/>
+              </a:solidFill>
+              <a:latin typeface="Comic Sans MS" pitchFamily="66" charset="0"/>
+            </a:endParaRPr>
+          </a:p>
+        </p:txBody>
+      </p:sp>
+      <p:sp>
+        <p:nvSpPr>
+          <p:cNvPr id="9" name="Rectangle 8"/>
+          <p:cNvSpPr>
+            <a:spLocks noChangeArrowheads="1"/>
+          </p:cNvSpPr>
+          <p:nvPr/>
+        </p:nvSpPr>
+        <p:spPr bwMode="auto">
+          <a:xfrm>
+            <a:off x="239387" y="4270998"/>
+            <a:ext cx="8412162" cy="2185214"/>
+          </a:xfrm>
+          <a:prstGeom prst="rect">
+            <a:avLst/>
+          </a:prstGeom>
+          <a:noFill/>
+          <a:ln w="9525">
+            <a:noFill/>
+            <a:miter lim="800000"/>
+            <a:headEnd/>
+            <a:tailEnd/>
+          </a:ln>
+        </p:spPr>
+        <p:txBody>
+          <a:bodyPr>
+            <a:spAutoFit/>
+          </a:bodyPr>
+          <a:lstStyle/>
+          <a:p>
+            <a:pPr>
+              <a:buNone/>
+            </a:pPr>
+            <a:r>
+              <a:rPr lang="en-US" sz="4000" dirty="0" smtClean="0">
+                <a:solidFill>
+                  <a:srgbClr val="000000"/>
+                </a:solidFill>
+                <a:latin typeface="Comic Sans MS" pitchFamily="66" charset="0"/>
+              </a:rPr>
+              <a:t>But </a:t>
+            </a:r>
+            <a:r>
+              <a:rPr lang="en-US" sz="4000" dirty="0">
+                <a:solidFill>
+                  <a:srgbClr val="000000"/>
+                </a:solidFill>
+                <a:latin typeface="Comic Sans MS" pitchFamily="66" charset="0"/>
+              </a:rPr>
+              <a:t>then </a:t>
+            </a:r>
+            <a:r>
+              <a:rPr lang="en-US" sz="4000" dirty="0">
+                <a:solidFill>
+                  <a:srgbClr val="0000CC"/>
+                </a:solidFill>
+                <a:latin typeface="Comic Sans MS" pitchFamily="66" charset="0"/>
+              </a:rPr>
+              <a:t>Nicole</a:t>
+            </a:r>
+            <a:r>
+              <a:rPr lang="en-US" sz="4000" dirty="0">
+                <a:solidFill>
+                  <a:srgbClr val="000000"/>
+                </a:solidFill>
+                <a:latin typeface="Comic Sans MS" pitchFamily="66" charset="0"/>
+              </a:rPr>
+              <a:t> &amp; </a:t>
+            </a:r>
+            <a:r>
+              <a:rPr lang="en-US" sz="4000" dirty="0" smtClean="0">
+                <a:solidFill>
+                  <a:srgbClr val="0000CC"/>
+                </a:solidFill>
+                <a:latin typeface="Comic Sans MS" pitchFamily="66" charset="0"/>
+              </a:rPr>
+              <a:t>Tom </a:t>
+            </a:r>
+            <a:r>
+              <a:rPr lang="en-US" sz="4000" dirty="0" smtClean="0">
+                <a:solidFill>
+                  <a:srgbClr val="000000"/>
+                </a:solidFill>
+                <a:latin typeface="Comic Sans MS" pitchFamily="66" charset="0"/>
+              </a:rPr>
+              <a:t>are</a:t>
+            </a:r>
+            <a:r>
+              <a:rPr lang="en-US" sz="4000" dirty="0" smtClean="0">
+                <a:solidFill>
+                  <a:srgbClr val="FF0000"/>
+                </a:solidFill>
+                <a:latin typeface="Comic Sans MS" pitchFamily="66" charset="0"/>
+              </a:rPr>
+              <a:t> </a:t>
+            </a:r>
+            <a:r>
+              <a:rPr lang="en-US" sz="4000" dirty="0" smtClean="0">
+                <a:solidFill>
+                  <a:srgbClr val="FF0000"/>
+                </a:solidFill>
+              </a:rPr>
+              <a:t>rogue</a:t>
+            </a:r>
+            <a:endParaRPr lang="en-US" sz="4000" dirty="0">
+              <a:solidFill>
+                <a:srgbClr val="FF0000"/>
+              </a:solidFill>
+            </a:endParaRPr>
+          </a:p>
+          <a:p>
+            <a:pPr>
+              <a:buNone/>
+            </a:pPr>
+            <a:r>
+              <a:rPr lang="en-US" sz="4000" dirty="0" smtClean="0">
+                <a:solidFill>
+                  <a:srgbClr val="000000"/>
+                </a:solidFill>
+                <a:latin typeface="Comic Sans MS" pitchFamily="66" charset="0"/>
+              </a:rPr>
+              <a:t>in that other set of marriages, </a:t>
+            </a:r>
+          </a:p>
+          <a:p>
+            <a:pPr>
+              <a:buNone/>
+            </a:pPr>
+            <a:r>
+              <a:rPr lang="en-US" sz="4000" dirty="0" smtClean="0">
+                <a:latin typeface="Comic Sans MS" pitchFamily="66" charset="0"/>
+              </a:rPr>
+              <a:t>contradicting</a:t>
+            </a:r>
+            <a:r>
+              <a:rPr lang="en-US" sz="4000" dirty="0" smtClean="0">
+                <a:solidFill>
+                  <a:srgbClr val="FF0000"/>
+                </a:solidFill>
+                <a:latin typeface="Comic Sans MS" pitchFamily="66" charset="0"/>
+              </a:rPr>
+              <a:t> </a:t>
+            </a:r>
+            <a:r>
+              <a:rPr lang="en-US" sz="4000" dirty="0">
+                <a:solidFill>
+                  <a:srgbClr val="000000"/>
+                </a:solidFill>
+                <a:latin typeface="Comic Sans MS" pitchFamily="66" charset="0"/>
+              </a:rPr>
+              <a:t>stability.</a:t>
+            </a:r>
+          </a:p>
+        </p:txBody>
+      </p:sp>
+      <p:sp>
+        <p:nvSpPr>
+          <p:cNvPr id="55302" name="Rectangle 2"/>
+          <p:cNvSpPr>
+            <a:spLocks noGrp="1" noChangeArrowheads="1"/>
+          </p:cNvSpPr>
+          <p:nvPr>
+            <p:ph type="title"/>
+          </p:nvPr>
+        </p:nvSpPr>
+        <p:spPr>
+          <a:xfrm>
+            <a:off x="2617788" y="0"/>
+            <a:ext cx="3929062" cy="1047750"/>
+          </a:xfrm>
+        </p:spPr>
+        <p:txBody>
+          <a:bodyPr/>
+          <a:lstStyle/>
+          <a:p>
+            <a:pPr eaLnBrk="1" hangingPunct="1"/>
+            <a:r>
+              <a:rPr lang="en-US" sz="4400" smtClean="0"/>
+              <a:t>Boy</a:t>
+            </a:r>
+            <a:r>
+              <a:rPr lang="en-US" sz="4400" smtClean="0">
+                <a:solidFill>
+                  <a:srgbClr val="008000"/>
+                </a:solidFill>
+              </a:rPr>
+              <a:t> Optimal</a:t>
+            </a:r>
+          </a:p>
+        </p:txBody>
+      </p:sp>
+    </p:spTree>
+    <p:extLst>
+      <p:ext uri="{BB962C8B-B14F-4D97-AF65-F5344CB8AC3E}">
+        <p14:creationId xmlns:p14="http://schemas.microsoft.com/office/powerpoint/2010/main" val="2478986804"/>
+      </p:ext>
+    </p:extLst>
+  </p:cSld>
+  <p:clrMapOvr>
+    <a:masterClrMapping/>
+  </p:clrMapOvr>
+  <mc:AlternateContent xmlns:mc="http://schemas.openxmlformats.org/markup-compatibility/2006">
+    <mc:Choice xmlns:p14="http://schemas.microsoft.com/office/powerpoint/2010/main" Requires="p14">
+      <p:transition spd="slow" p14:dur="1200">
+        <p:fade/>
+      </p:transition>
+    </mc:Choice>
+    <mc:Fallback>
+      <p:transition xmlns:p14="http://schemas.microsoft.com/office/powerpoint/2010/main" spd="slow">
+        <p:fade/>
+      </p:transition>
+    </mc:Fallback>
+  </mc:AlternateContent>
+  <p:timing>
+    <p:tnLst>
+      <p:par>
+        <p:cTn xmlns:p14="http://schemas.microsoft.com/office/powerpoint/2010/main" id="1" dur="indefinite" restart="never" nodeType="tmRoot">
+          <p:childTnLst>
+            <p:seq concurrent="1" nextAc="seek">
+              <p:cTn id="2" dur="indefinite" nodeType="mainSeq">
+                <p:childTnLst>
+                  <p:par>
+                    <p:cTn id="3" fill="hold">
+                      <p:stCondLst>
+                        <p:cond delay="indefinite"/>
+                      </p:stCondLst>
+                      <p:childTnLst>
+                        <p:par>
+                          <p:cTn id="4" fill="hold">
+                            <p:stCondLst>
+                              <p:cond delay="0"/>
+                            </p:stCondLst>
+                            <p:childTnLst>
+                              <p:par>
+                                <p:cTn id="5" presetID="2" presetClass="entr" presetSubtype="2" fill="hold" grpId="0" nodeType="clickEffect">
+                                  <p:stCondLst>
+                                    <p:cond delay="0"/>
+                                  </p:stCondLst>
+                                  <p:childTnLst>
+                                    <p:set>
+                                      <p:cBhvr>
+                                        <p:cTn id="6" dur="1" fill="hold">
+                                          <p:stCondLst>
+                                            <p:cond delay="0"/>
+                                          </p:stCondLst>
+                                        </p:cTn>
+                                        <p:tgtEl>
+                                          <p:spTgt spid="9">
+                                            <p:txEl>
+                                              <p:pRg st="2" end="2"/>
+                                            </p:txEl>
+                                          </p:spTgt>
+                                        </p:tgtEl>
+                                        <p:attrNameLst>
+                                          <p:attrName>style.visibility</p:attrName>
+                                        </p:attrNameLst>
+                                      </p:cBhvr>
+                                      <p:to>
+                                        <p:strVal val="visible"/>
+                                      </p:to>
+                                    </p:set>
+                                    <p:anim calcmode="lin" valueType="num">
+                                      <p:cBhvr additive="base">
+                                        <p:cTn id="7" dur="500" fill="hold"/>
+                                        <p:tgtEl>
+                                          <p:spTgt spid="9">
+                                            <p:txEl>
+                                              <p:pRg st="2" end="2"/>
+                                            </p:txEl>
+                                          </p:spTgt>
+                                        </p:tgtEl>
+                                        <p:attrNameLst>
+                                          <p:attrName>ppt_x</p:attrName>
+                                        </p:attrNameLst>
+                                      </p:cBhvr>
+                                      <p:tavLst>
+                                        <p:tav tm="0">
+                                          <p:val>
+                                            <p:strVal val="1+#ppt_w/2"/>
+                                          </p:val>
+                                        </p:tav>
+                                        <p:tav tm="100000">
+                                          <p:val>
+                                            <p:strVal val="#ppt_x"/>
+                                          </p:val>
+                                        </p:tav>
+                                      </p:tavLst>
+                                    </p:anim>
+                                    <p:anim calcmode="lin" valueType="num">
+                                      <p:cBhvr additive="base">
+                                        <p:cTn id="8" dur="500" fill="hold"/>
+                                        <p:tgtEl>
+                                          <p:spTgt spid="9">
+                                            <p:txEl>
+                                              <p:pRg st="2" end="2"/>
+                                            </p:txEl>
+                                          </p:spTgt>
+                                        </p:tgtEl>
+                                        <p:attrNameLst>
+                                          <p:attrName>ppt_y</p:attrName>
+                                        </p:attrNameLst>
+                                      </p:cBhvr>
+                                      <p:tavLst>
+                                        <p:tav tm="0">
+                                          <p:val>
+                                            <p:strVal val="#ppt_y"/>
+                                          </p:val>
+                                        </p:tav>
+                                        <p:tav tm="100000">
+                                          <p:val>
+                                            <p:strVal val="#ppt_y"/>
+                                          </p:val>
+                                        </p:tav>
+                                      </p:tavLst>
+                                    </p:anim>
+                                  </p:childTnLst>
+                                </p:cTn>
+                              </p:par>
+                            </p:childTnLst>
+                          </p:cTn>
+                        </p:par>
+                      </p:childTnLst>
+                    </p:cTn>
+                  </p:par>
+                </p:childTnLst>
+              </p:cTn>
+              <p:prevCondLst>
+                <p:cond evt="onPrev" delay="0">
+                  <p:tgtEl>
+                    <p:sldTgt/>
+                  </p:tgtEl>
+                </p:cond>
+              </p:prevCondLst>
+              <p:nextCondLst>
+                <p:cond evt="onNext" delay="0">
+                  <p:tgtEl>
+                    <p:sldTgt/>
+                  </p:tgtEl>
+                </p:cond>
+              </p:nextCondLst>
+            </p:seq>
+          </p:childTnLst>
+        </p:cTn>
+      </p:par>
+    </p:tnLst>
+    <p:bldLst>
+      <p:bldP spid="9" grpId="0" uiExpand="1" build="p"/>
+    </p:bldLst>
+  </p:timing>
+</p:sld>
+</file>
+
+<file path=ppt/slides/slide15.xml><?xml version="1.0" encoding="utf-8"?>
+<p:sld xmlns:a="http://schemas.openxmlformats.org/drawingml/2006/main" xmlns:r="http://schemas.openxmlformats.org/officeDocument/2006/relationships" xmlns:p="http://schemas.openxmlformats.org/presentationml/2006/main">
+  <p:cSld>
+    <p:spTree>
+      <p:nvGrpSpPr>
+        <p:cNvPr id="1" name=""/>
+        <p:cNvGrpSpPr/>
+        <p:nvPr/>
+      </p:nvGrpSpPr>
+      <p:grpSpPr>
+        <a:xfrm>
+          <a:off x="0" y="0"/>
+          <a:ext cx="0" cy="0"/>
+          <a:chOff x="0" y="0"/>
+          <a:chExt cx="0" cy="0"/>
+        </a:xfrm>
+      </p:grpSpPr>
+      <p:sp>
+        <p:nvSpPr>
+          <p:cNvPr id="56322" name="Slide Number Placeholder 3"/>
+          <p:cNvSpPr>
+            <a:spLocks noGrp="1"/>
+          </p:cNvSpPr>
+          <p:nvPr>
+            <p:ph type="sldNum" sz="quarter" idx="10"/>
+          </p:nvPr>
+        </p:nvSpPr>
+        <p:spPr>
+          <a:noFill/>
+        </p:spPr>
+        <p:txBody>
+          <a:bodyPr/>
+          <a:lstStyle/>
+          <a:p>
+            <a:r>
+              <a:rPr lang="en-US" dirty="0" err="1" smtClean="0"/>
+              <a:t>lec</a:t>
+            </a:r>
+            <a:r>
+              <a:rPr lang="en-US" dirty="0" smtClean="0"/>
+              <a:t> 7F.</a:t>
+            </a:r>
             <a:fld id="{9C75F36C-0433-4F6B-BCAF-665E036C6B72}" type="slidenum">
               <a:rPr lang="en-US" smtClean="0"/>
               <a:pPr/>
-              <a:t>13</a:t>
+              <a:t>15</a:t>
             </a:fld>
             <a:endParaRPr lang="en-US" dirty="0" smtClean="0"/>
           </a:p>
@@ -4817,7 +6838,7 @@
 </p:sld>
 </file>
 
-<file path=ppt/slides/slide14.xml><?xml version="1.0" encoding="utf-8"?>
+<file path=ppt/slides/slide16.xml><?xml version="1.0" encoding="utf-8"?>
 <p:sld xmlns:a="http://schemas.openxmlformats.org/drawingml/2006/main" xmlns:r="http://schemas.openxmlformats.org/officeDocument/2006/relationships" xmlns:p="http://schemas.openxmlformats.org/presentationml/2006/main">
   <p:cSld>
     <p:spTree>
@@ -5097,7 +7118,7 @@
             <a:fld id="{7BB76824-9F76-4ADE-AC6C-0508E1575FA2}" type="slidenum">
               <a:rPr lang="en-US" smtClean="0"/>
               <a:pPr/>
-              <a:t>14</a:t>
+              <a:t>16</a:t>
             </a:fld>
             <a:endParaRPr lang="en-US" dirty="0" smtClean="0"/>
           </a:p>
